--- a/_posts/201912_asa_alm101/asa_alm_schemas.pptx
+++ b/_posts/201912_asa_alm101/asa_alm_schemas.pptx
@@ -11,6 +11,7 @@
     <p:sldId id="257" r:id="rId5"/>
     <p:sldId id="258" r:id="rId6"/>
     <p:sldId id="259" r:id="rId7"/>
+    <p:sldId id="262" r:id="rId8"/>
   </p:sldIdLst>
   <p:sldSz cx="12192000" cy="6858000"/>
   <p:notesSz cx="6858000" cy="9144000"/>
@@ -264,7 +265,7 @@
           <a:p>
             <a:fld id="{EFE3DC24-D59A-4959-A2E7-76F4E9EDD6B7}" type="datetimeFigureOut">
               <a:rPr lang="en-US" smtClean="0"/>
-              <a:t>12/6/2019</a:t>
+              <a:t>12/13/2019</a:t>
             </a:fld>
             <a:endParaRPr lang="en-US"/>
           </a:p>
@@ -462,7 +463,7 @@
           <a:p>
             <a:fld id="{EFE3DC24-D59A-4959-A2E7-76F4E9EDD6B7}" type="datetimeFigureOut">
               <a:rPr lang="en-US" smtClean="0"/>
-              <a:t>12/6/2019</a:t>
+              <a:t>12/13/2019</a:t>
             </a:fld>
             <a:endParaRPr lang="en-US"/>
           </a:p>
@@ -670,7 +671,7 @@
           <a:p>
             <a:fld id="{EFE3DC24-D59A-4959-A2E7-76F4E9EDD6B7}" type="datetimeFigureOut">
               <a:rPr lang="en-US" smtClean="0"/>
-              <a:t>12/6/2019</a:t>
+              <a:t>12/13/2019</a:t>
             </a:fld>
             <a:endParaRPr lang="en-US"/>
           </a:p>
@@ -868,7 +869,7 @@
           <a:p>
             <a:fld id="{EFE3DC24-D59A-4959-A2E7-76F4E9EDD6B7}" type="datetimeFigureOut">
               <a:rPr lang="en-US" smtClean="0"/>
-              <a:t>12/6/2019</a:t>
+              <a:t>12/13/2019</a:t>
             </a:fld>
             <a:endParaRPr lang="en-US"/>
           </a:p>
@@ -1143,7 +1144,7 @@
           <a:p>
             <a:fld id="{EFE3DC24-D59A-4959-A2E7-76F4E9EDD6B7}" type="datetimeFigureOut">
               <a:rPr lang="en-US" smtClean="0"/>
-              <a:t>12/6/2019</a:t>
+              <a:t>12/13/2019</a:t>
             </a:fld>
             <a:endParaRPr lang="en-US"/>
           </a:p>
@@ -1408,7 +1409,7 @@
           <a:p>
             <a:fld id="{EFE3DC24-D59A-4959-A2E7-76F4E9EDD6B7}" type="datetimeFigureOut">
               <a:rPr lang="en-US" smtClean="0"/>
-              <a:t>12/6/2019</a:t>
+              <a:t>12/13/2019</a:t>
             </a:fld>
             <a:endParaRPr lang="en-US"/>
           </a:p>
@@ -1820,7 +1821,7 @@
           <a:p>
             <a:fld id="{EFE3DC24-D59A-4959-A2E7-76F4E9EDD6B7}" type="datetimeFigureOut">
               <a:rPr lang="en-US" smtClean="0"/>
-              <a:t>12/6/2019</a:t>
+              <a:t>12/13/2019</a:t>
             </a:fld>
             <a:endParaRPr lang="en-US"/>
           </a:p>
@@ -1961,7 +1962,7 @@
           <a:p>
             <a:fld id="{EFE3DC24-D59A-4959-A2E7-76F4E9EDD6B7}" type="datetimeFigureOut">
               <a:rPr lang="en-US" smtClean="0"/>
-              <a:t>12/6/2019</a:t>
+              <a:t>12/13/2019</a:t>
             </a:fld>
             <a:endParaRPr lang="en-US"/>
           </a:p>
@@ -2074,7 +2075,7 @@
           <a:p>
             <a:fld id="{EFE3DC24-D59A-4959-A2E7-76F4E9EDD6B7}" type="datetimeFigureOut">
               <a:rPr lang="en-US" smtClean="0"/>
-              <a:t>12/6/2019</a:t>
+              <a:t>12/13/2019</a:t>
             </a:fld>
             <a:endParaRPr lang="en-US"/>
           </a:p>
@@ -2385,7 +2386,7 @@
           <a:p>
             <a:fld id="{EFE3DC24-D59A-4959-A2E7-76F4E9EDD6B7}" type="datetimeFigureOut">
               <a:rPr lang="en-US" smtClean="0"/>
-              <a:t>12/6/2019</a:t>
+              <a:t>12/13/2019</a:t>
             </a:fld>
             <a:endParaRPr lang="en-US"/>
           </a:p>
@@ -2673,7 +2674,7 @@
           <a:p>
             <a:fld id="{EFE3DC24-D59A-4959-A2E7-76F4E9EDD6B7}" type="datetimeFigureOut">
               <a:rPr lang="en-US" smtClean="0"/>
-              <a:t>12/6/2019</a:t>
+              <a:t>12/13/2019</a:t>
             </a:fld>
             <a:endParaRPr lang="en-US"/>
           </a:p>
@@ -2914,7 +2915,7 @@
           <a:p>
             <a:fld id="{EFE3DC24-D59A-4959-A2E7-76F4E9EDD6B7}" type="datetimeFigureOut">
               <a:rPr lang="en-US" smtClean="0"/>
-              <a:t>12/6/2019</a:t>
+              <a:t>12/13/2019</a:t>
             </a:fld>
             <a:endParaRPr lang="en-US"/>
           </a:p>
@@ -12892,7 +12893,7 @@
         <p:spPr>
           <a:xfrm>
             <a:off x="2486872" y="4503529"/>
-            <a:ext cx="774571" cy="253916"/>
+            <a:ext cx="1290738" cy="253916"/>
           </a:xfrm>
           <a:prstGeom prst="rect">
             <a:avLst/>
@@ -12906,11 +12907,14 @@
           <a:lstStyle/>
           <a:p>
             <a:r>
-              <a:rPr lang="en-US" sz="1050" dirty="0">
-                <a:latin typeface="Consolas" panose="020B0609020204030204" pitchFamily="49" charset="0"/>
-              </a:rPr>
-              <a:t>Git Push</a:t>
-            </a:r>
+              <a:rPr lang="en-US" sz="1050">
+                <a:latin typeface="Consolas" panose="020B0609020204030204" pitchFamily="49" charset="0"/>
+              </a:rPr>
+              <a:t>Git Commit/Push</a:t>
+            </a:r>
+            <a:endParaRPr lang="en-US" sz="1050" dirty="0">
+              <a:latin typeface="Consolas" panose="020B0609020204030204" pitchFamily="49" charset="0"/>
+            </a:endParaRPr>
           </a:p>
         </p:txBody>
       </p:sp>
@@ -15002,6 +15006,1438 @@
     <p:extLst>
       <p:ext uri="{BB962C8B-B14F-4D97-AF65-F5344CB8AC3E}">
         <p14:creationId xmlns:p14="http://schemas.microsoft.com/office/powerpoint/2010/main" val="1148779164"/>
+      </p:ext>
+    </p:extLst>
+  </p:cSld>
+  <p:clrMapOvr>
+    <a:masterClrMapping/>
+  </p:clrMapOvr>
+</p:sld>
+</file>
+
+<file path=ppt/slides/slide7.xml><?xml version="1.0" encoding="utf-8"?>
+<p:sld xmlns:a="http://schemas.openxmlformats.org/drawingml/2006/main" xmlns:r="http://schemas.openxmlformats.org/officeDocument/2006/relationships" xmlns:p="http://schemas.openxmlformats.org/presentationml/2006/main">
+  <p:cSld>
+    <p:spTree>
+      <p:nvGrpSpPr>
+        <p:cNvPr id="1" name=""/>
+        <p:cNvGrpSpPr/>
+        <p:nvPr/>
+      </p:nvGrpSpPr>
+      <p:grpSpPr>
+        <a:xfrm>
+          <a:off x="0" y="0"/>
+          <a:ext cx="0" cy="0"/>
+          <a:chOff x="0" y="0"/>
+          <a:chExt cx="0" cy="0"/>
+        </a:xfrm>
+      </p:grpSpPr>
+      <p:sp>
+        <p:nvSpPr>
+          <p:cNvPr id="4" name="Rectangle 3">
+            <a:extLst>
+              <a:ext uri="{FF2B5EF4-FFF2-40B4-BE49-F238E27FC236}">
+                <a16:creationId xmlns:a16="http://schemas.microsoft.com/office/drawing/2014/main" id="{91A09830-C645-4741-B38B-602BF5DFC980}"/>
+              </a:ext>
+            </a:extLst>
+          </p:cNvPr>
+          <p:cNvSpPr/>
+          <p:nvPr/>
+        </p:nvSpPr>
+        <p:spPr>
+          <a:xfrm>
+            <a:off x="570290" y="2403773"/>
+            <a:ext cx="3538546" cy="2031325"/>
+          </a:xfrm>
+          <a:prstGeom prst="rect">
+            <a:avLst/>
+          </a:prstGeom>
+          <a:solidFill>
+            <a:schemeClr val="bg1">
+              <a:lumMod val="95000"/>
+            </a:schemeClr>
+          </a:solidFill>
+          <a:ln w="6350" cap="flat" cmpd="sng" algn="ctr">
+            <a:solidFill>
+              <a:schemeClr val="accent3"/>
+            </a:solidFill>
+            <a:prstDash val="dash"/>
+            <a:round/>
+            <a:headEnd type="none" w="med" len="med"/>
+            <a:tailEnd type="none" w="med" len="med"/>
+          </a:ln>
+        </p:spPr>
+        <p:style>
+          <a:lnRef idx="0">
+            <a:scrgbClr r="0" g="0" b="0"/>
+          </a:lnRef>
+          <a:fillRef idx="0">
+            <a:scrgbClr r="0" g="0" b="0"/>
+          </a:fillRef>
+          <a:effectRef idx="0">
+            <a:scrgbClr r="0" g="0" b="0"/>
+          </a:effectRef>
+          <a:fontRef idx="minor">
+            <a:schemeClr val="accent3"/>
+          </a:fontRef>
+        </p:style>
+        <p:txBody>
+          <a:bodyPr rtlCol="0" anchor="ctr"/>
+          <a:lstStyle/>
+          <a:p>
+            <a:pPr algn="ctr"/>
+            <a:endParaRPr lang="en-US"/>
+          </a:p>
+        </p:txBody>
+      </p:sp>
+      <p:sp>
+        <p:nvSpPr>
+          <p:cNvPr id="5" name="TextBox 4">
+            <a:extLst>
+              <a:ext uri="{FF2B5EF4-FFF2-40B4-BE49-F238E27FC236}">
+                <a16:creationId xmlns:a16="http://schemas.microsoft.com/office/drawing/2014/main" id="{48B27596-C378-4CB4-976A-4803A1F1EB08}"/>
+              </a:ext>
+            </a:extLst>
+          </p:cNvPr>
+          <p:cNvSpPr txBox="1"/>
+          <p:nvPr/>
+        </p:nvSpPr>
+        <p:spPr>
+          <a:xfrm>
+            <a:off x="987821" y="4746956"/>
+            <a:ext cx="2973326" cy="2031325"/>
+          </a:xfrm>
+          <a:prstGeom prst="rect">
+            <a:avLst/>
+          </a:prstGeom>
+          <a:solidFill>
+            <a:schemeClr val="accent3">
+              <a:alpha val="50000"/>
+            </a:schemeClr>
+          </a:solidFill>
+          <a:ln>
+            <a:noFill/>
+          </a:ln>
+        </p:spPr>
+        <p:style>
+          <a:lnRef idx="0">
+            <a:scrgbClr r="0" g="0" b="0"/>
+          </a:lnRef>
+          <a:fillRef idx="0">
+            <a:scrgbClr r="0" g="0" b="0"/>
+          </a:fillRef>
+          <a:effectRef idx="0">
+            <a:scrgbClr r="0" g="0" b="0"/>
+          </a:effectRef>
+          <a:fontRef idx="minor">
+            <a:schemeClr val="lt1"/>
+          </a:fontRef>
+        </p:style>
+        <p:txBody>
+          <a:bodyPr wrap="square" rtlCol="0">
+            <a:spAutoFit/>
+          </a:bodyPr>
+          <a:lstStyle/>
+          <a:p>
+            <a:r>
+              <a:rPr lang="en-US" sz="900" b="1" dirty="0">
+                <a:solidFill>
+                  <a:schemeClr val="tx1"/>
+                </a:solidFill>
+                <a:latin typeface="Consolas" panose="020B0609020204030204" pitchFamily="49" charset="0"/>
+              </a:rPr>
+              <a:t>myASAsolution</a:t>
+            </a:r>
+          </a:p>
+          <a:p>
+            <a:r>
+              <a:rPr lang="en-US" sz="900" dirty="0">
+                <a:solidFill>
+                  <a:schemeClr val="tx1"/>
+                </a:solidFill>
+                <a:latin typeface="Consolas" panose="020B0609020204030204" pitchFamily="49" charset="0"/>
+              </a:rPr>
+              <a:t>&gt; </a:t>
+            </a:r>
+            <a:r>
+              <a:rPr lang="en-US" sz="900" b="1" dirty="0">
+                <a:solidFill>
+                  <a:schemeClr val="tx1"/>
+                </a:solidFill>
+                <a:latin typeface="Consolas" panose="020B0609020204030204" pitchFamily="49" charset="0"/>
+              </a:rPr>
+              <a:t>provisioning</a:t>
+            </a:r>
+          </a:p>
+          <a:p>
+            <a:r>
+              <a:rPr lang="en-US" sz="900" dirty="0">
+                <a:solidFill>
+                  <a:schemeClr val="tx1"/>
+                </a:solidFill>
+                <a:latin typeface="Consolas" panose="020B0609020204030204" pitchFamily="49" charset="0"/>
+              </a:rPr>
+              <a:t>  - provision.azcli</a:t>
+            </a:r>
+          </a:p>
+          <a:p>
+            <a:r>
+              <a:rPr lang="en-US" sz="900" dirty="0">
+                <a:solidFill>
+                  <a:schemeClr val="tx1"/>
+                </a:solidFill>
+                <a:latin typeface="Consolas" panose="020B0609020204030204" pitchFamily="49" charset="0"/>
+              </a:rPr>
+              <a:t>  - provision.ps1</a:t>
+            </a:r>
+          </a:p>
+          <a:p>
+            <a:r>
+              <a:rPr lang="en-US" sz="900" dirty="0">
+                <a:solidFill>
+                  <a:schemeClr val="tx1"/>
+                </a:solidFill>
+                <a:latin typeface="Consolas" panose="020B0609020204030204" pitchFamily="49" charset="0"/>
+              </a:rPr>
+              <a:t>  - provision.JobTemplate.json</a:t>
+            </a:r>
+          </a:p>
+          <a:p>
+            <a:r>
+              <a:rPr lang="en-US" sz="900" dirty="0">
+                <a:solidFill>
+                  <a:schemeClr val="tx1"/>
+                </a:solidFill>
+                <a:latin typeface="Consolas" panose="020B0609020204030204" pitchFamily="49" charset="0"/>
+              </a:rPr>
+              <a:t>&gt; </a:t>
+            </a:r>
+            <a:r>
+              <a:rPr lang="en-US" sz="900" b="1" dirty="0">
+                <a:solidFill>
+                  <a:schemeClr val="tx1"/>
+                </a:solidFill>
+                <a:latin typeface="Consolas" panose="020B0609020204030204" pitchFamily="49" charset="0"/>
+              </a:rPr>
+              <a:t>myASAproject</a:t>
+            </a:r>
+          </a:p>
+          <a:p>
+            <a:r>
+              <a:rPr lang="en-US" sz="900" dirty="0">
+                <a:solidFill>
+                  <a:schemeClr val="tx1"/>
+                </a:solidFill>
+                <a:latin typeface="Consolas" panose="020B0609020204030204" pitchFamily="49" charset="0"/>
+              </a:rPr>
+              <a:t>  &gt; </a:t>
+            </a:r>
+            <a:r>
+              <a:rPr lang="en-US" sz="900" b="1" dirty="0">
+                <a:solidFill>
+                  <a:schemeClr val="tx1"/>
+                </a:solidFill>
+                <a:latin typeface="Consolas" panose="020B0609020204030204" pitchFamily="49" charset="0"/>
+              </a:rPr>
+              <a:t>Deploy</a:t>
+            </a:r>
+          </a:p>
+          <a:p>
+            <a:r>
+              <a:rPr lang="en-US" sz="900" b="1" dirty="0">
+                <a:solidFill>
+                  <a:schemeClr val="tx1"/>
+                </a:solidFill>
+                <a:latin typeface="Consolas" panose="020B0609020204030204" pitchFamily="49" charset="0"/>
+              </a:rPr>
+              <a:t>    </a:t>
+            </a:r>
+            <a:r>
+              <a:rPr lang="en-US" sz="900" dirty="0">
+                <a:solidFill>
+                  <a:schemeClr val="tx1"/>
+                </a:solidFill>
+                <a:latin typeface="Consolas" panose="020B0609020204030204" pitchFamily="49" charset="0"/>
+              </a:rPr>
+              <a:t>- my.JobTemplate.json</a:t>
+            </a:r>
+          </a:p>
+          <a:p>
+            <a:r>
+              <a:rPr lang="en-US" sz="900" dirty="0">
+                <a:solidFill>
+                  <a:schemeClr val="tx1"/>
+                </a:solidFill>
+                <a:latin typeface="Consolas" panose="020B0609020204030204" pitchFamily="49" charset="0"/>
+              </a:rPr>
+              <a:t>    - my.JobTemplate.parameters.json</a:t>
+            </a:r>
+          </a:p>
+          <a:p>
+            <a:r>
+              <a:rPr lang="en-US" sz="900" dirty="0">
+                <a:solidFill>
+                  <a:schemeClr val="tx1"/>
+                </a:solidFill>
+                <a:latin typeface="Consolas" panose="020B0609020204030204" pitchFamily="49" charset="0"/>
+              </a:rPr>
+              <a:t>  &gt; </a:t>
+            </a:r>
+            <a:r>
+              <a:rPr lang="en-US" sz="900" b="1" dirty="0" err="1">
+                <a:solidFill>
+                  <a:schemeClr val="tx1"/>
+                </a:solidFill>
+                <a:latin typeface="Consolas" panose="020B0609020204030204" pitchFamily="49" charset="0"/>
+              </a:rPr>
+              <a:t>LocalRunOutputs</a:t>
+            </a:r>
+            <a:r>
+              <a:rPr lang="en-US" sz="900" b="1" dirty="0">
+                <a:solidFill>
+                  <a:schemeClr val="tx1"/>
+                </a:solidFill>
+                <a:latin typeface="Consolas" panose="020B0609020204030204" pitchFamily="49" charset="0"/>
+              </a:rPr>
+              <a:t> </a:t>
+            </a:r>
+            <a:r>
+              <a:rPr lang="en-US" sz="600" i="1" dirty="0">
+                <a:solidFill>
+                  <a:schemeClr val="tx1"/>
+                </a:solidFill>
+                <a:latin typeface="Consolas" panose="020B0609020204030204" pitchFamily="49" charset="0"/>
+              </a:rPr>
+              <a:t>(</a:t>
+            </a:r>
+            <a:r>
+              <a:rPr lang="en-US" sz="600" i="1" dirty="0" err="1">
+                <a:solidFill>
+                  <a:schemeClr val="tx1"/>
+                </a:solidFill>
+                <a:latin typeface="Consolas" panose="020B0609020204030204" pitchFamily="49" charset="0"/>
+              </a:rPr>
+              <a:t>gitignored</a:t>
+            </a:r>
+            <a:r>
+              <a:rPr lang="en-US" sz="600" i="1" dirty="0">
+                <a:solidFill>
+                  <a:schemeClr val="tx1"/>
+                </a:solidFill>
+                <a:latin typeface="Consolas" panose="020B0609020204030204" pitchFamily="49" charset="0"/>
+              </a:rPr>
+              <a:t>)</a:t>
+            </a:r>
+            <a:endParaRPr lang="en-US" sz="900" i="1" dirty="0">
+              <a:solidFill>
+                <a:schemeClr val="tx1"/>
+              </a:solidFill>
+              <a:latin typeface="Consolas" panose="020B0609020204030204" pitchFamily="49" charset="0"/>
+            </a:endParaRPr>
+          </a:p>
+          <a:p>
+            <a:r>
+              <a:rPr lang="en-US" sz="900" dirty="0">
+                <a:solidFill>
+                  <a:schemeClr val="tx1"/>
+                </a:solidFill>
+                <a:latin typeface="Consolas" panose="020B0609020204030204" pitchFamily="49" charset="0"/>
+              </a:rPr>
+              <a:t>  &gt; </a:t>
+            </a:r>
+            <a:r>
+              <a:rPr lang="en-US" sz="900" b="1" dirty="0">
+                <a:solidFill>
+                  <a:schemeClr val="tx1"/>
+                </a:solidFill>
+                <a:latin typeface="Consolas" panose="020B0609020204030204" pitchFamily="49" charset="0"/>
+              </a:rPr>
+              <a:t>Inputs/Outputs</a:t>
+            </a:r>
+            <a:r>
+              <a:rPr lang="en-US" sz="900" dirty="0">
+                <a:solidFill>
+                  <a:schemeClr val="tx1"/>
+                </a:solidFill>
+                <a:latin typeface="Consolas" panose="020B0609020204030204" pitchFamily="49" charset="0"/>
+              </a:rPr>
+              <a:t> </a:t>
+            </a:r>
+          </a:p>
+          <a:p>
+            <a:r>
+              <a:rPr lang="en-US" sz="900" dirty="0">
+                <a:solidFill>
+                  <a:schemeClr val="tx1"/>
+                </a:solidFill>
+                <a:latin typeface="Consolas" panose="020B0609020204030204" pitchFamily="49" charset="0"/>
+              </a:rPr>
+              <a:t>  - asaproj.json</a:t>
+            </a:r>
+          </a:p>
+          <a:p>
+            <a:r>
+              <a:rPr lang="en-US" sz="900" dirty="0">
+                <a:solidFill>
+                  <a:schemeClr val="tx1"/>
+                </a:solidFill>
+                <a:latin typeface="Consolas" panose="020B0609020204030204" pitchFamily="49" charset="0"/>
+              </a:rPr>
+              <a:t>  - JobConfig.json</a:t>
+            </a:r>
+          </a:p>
+          <a:p>
+            <a:r>
+              <a:rPr lang="en-US" sz="900" dirty="0">
+                <a:solidFill>
+                  <a:schemeClr val="tx1"/>
+                </a:solidFill>
+                <a:latin typeface="Consolas" panose="020B0609020204030204" pitchFamily="49" charset="0"/>
+              </a:rPr>
+              <a:t>  - myASAproject.asaql</a:t>
+            </a:r>
+          </a:p>
+        </p:txBody>
+      </p:sp>
+      <p:pic>
+        <p:nvPicPr>
+          <p:cNvPr id="6" name="Graphic 5">
+            <a:extLst>
+              <a:ext uri="{FF2B5EF4-FFF2-40B4-BE49-F238E27FC236}">
+                <a16:creationId xmlns:a16="http://schemas.microsoft.com/office/drawing/2014/main" id="{53335DB5-B29E-4C4F-A3F6-734C78B95DC2}"/>
+              </a:ext>
+            </a:extLst>
+          </p:cNvPr>
+          <p:cNvPicPr>
+            <a:picLocks noChangeAspect="1"/>
+          </p:cNvPicPr>
+          <p:nvPr/>
+        </p:nvPicPr>
+        <p:blipFill>
+          <a:blip r:embed="rId2">
+            <a:extLst>
+              <a:ext uri="{28A0092B-C50C-407E-A947-70E740481C1C}">
+                <a14:useLocalDpi xmlns:a14="http://schemas.microsoft.com/office/drawing/2010/main" val="0"/>
+              </a:ext>
+              <a:ext uri="{96DAC541-7B7A-43D3-8B79-37D633B846F1}">
+                <asvg:svgBlip xmlns:asvg="http://schemas.microsoft.com/office/drawing/2016/SVG/main" r:embed="rId3"/>
+              </a:ext>
+            </a:extLst>
+          </a:blip>
+          <a:stretch>
+            <a:fillRect/>
+          </a:stretch>
+        </p:blipFill>
+        <p:spPr>
+          <a:xfrm>
+            <a:off x="673395" y="2668720"/>
+            <a:ext cx="274320" cy="274320"/>
+          </a:xfrm>
+          <a:prstGeom prst="rect">
+            <a:avLst/>
+          </a:prstGeom>
+        </p:spPr>
+      </p:pic>
+      <p:pic>
+        <p:nvPicPr>
+          <p:cNvPr id="7" name="Picture 6">
+            <a:extLst>
+              <a:ext uri="{FF2B5EF4-FFF2-40B4-BE49-F238E27FC236}">
+                <a16:creationId xmlns:a16="http://schemas.microsoft.com/office/drawing/2014/main" id="{54D95103-987E-4C92-8D98-5224A442ABA8}"/>
+              </a:ext>
+            </a:extLst>
+          </p:cNvPr>
+          <p:cNvPicPr>
+            <a:picLocks noChangeAspect="1"/>
+          </p:cNvPicPr>
+          <p:nvPr/>
+        </p:nvPicPr>
+        <p:blipFill>
+          <a:blip r:embed="rId4">
+            <a:extLst>
+              <a:ext uri="{28A0092B-C50C-407E-A947-70E740481C1C}">
+                <a14:useLocalDpi xmlns:a14="http://schemas.microsoft.com/office/drawing/2010/main" val="0"/>
+              </a:ext>
+            </a:extLst>
+          </a:blip>
+          <a:stretch>
+            <a:fillRect/>
+          </a:stretch>
+        </p:blipFill>
+        <p:spPr>
+          <a:xfrm>
+            <a:off x="673395" y="5206143"/>
+            <a:ext cx="230284" cy="230284"/>
+          </a:xfrm>
+          <a:prstGeom prst="rect">
+            <a:avLst/>
+          </a:prstGeom>
+        </p:spPr>
+      </p:pic>
+      <p:pic>
+        <p:nvPicPr>
+          <p:cNvPr id="8" name="Graphic 7">
+            <a:extLst>
+              <a:ext uri="{FF2B5EF4-FFF2-40B4-BE49-F238E27FC236}">
+                <a16:creationId xmlns:a16="http://schemas.microsoft.com/office/drawing/2014/main" id="{325441B5-3B4D-4798-8150-3D990171DE2D}"/>
+              </a:ext>
+            </a:extLst>
+          </p:cNvPr>
+          <p:cNvPicPr>
+            <a:picLocks noChangeAspect="1"/>
+          </p:cNvPicPr>
+          <p:nvPr/>
+        </p:nvPicPr>
+        <p:blipFill rotWithShape="1">
+          <a:blip r:embed="rId5">
+            <a:extLst>
+              <a:ext uri="{28A0092B-C50C-407E-A947-70E740481C1C}">
+                <a14:useLocalDpi xmlns:a14="http://schemas.microsoft.com/office/drawing/2010/main" val="0"/>
+              </a:ext>
+              <a:ext uri="{96DAC541-7B7A-43D3-8B79-37D633B846F1}">
+                <asvg:svgBlip xmlns:asvg="http://schemas.microsoft.com/office/drawing/2016/SVG/main" r:embed="rId6"/>
+              </a:ext>
+            </a:extLst>
+          </a:blip>
+          <a:srcRect l="20041" t="24030" r="18471" b="22320"/>
+          <a:stretch/>
+        </p:blipFill>
+        <p:spPr>
+          <a:xfrm>
+            <a:off x="334616" y="4750461"/>
+            <a:ext cx="678116" cy="457200"/>
+          </a:xfrm>
+          <a:prstGeom prst="rect">
+            <a:avLst/>
+          </a:prstGeom>
+        </p:spPr>
+      </p:pic>
+      <p:sp>
+        <p:nvSpPr>
+          <p:cNvPr id="9" name="TextBox 8">
+            <a:extLst>
+              <a:ext uri="{FF2B5EF4-FFF2-40B4-BE49-F238E27FC236}">
+                <a16:creationId xmlns:a16="http://schemas.microsoft.com/office/drawing/2014/main" id="{2E31AEAC-E1F8-400E-9CE1-9D086D3CF8BE}"/>
+              </a:ext>
+            </a:extLst>
+          </p:cNvPr>
+          <p:cNvSpPr txBox="1"/>
+          <p:nvPr/>
+        </p:nvSpPr>
+        <p:spPr>
+          <a:xfrm>
+            <a:off x="140674" y="5826915"/>
+            <a:ext cx="880369" cy="307777"/>
+          </a:xfrm>
+          <a:prstGeom prst="rect">
+            <a:avLst/>
+          </a:prstGeom>
+          <a:noFill/>
+        </p:spPr>
+        <p:txBody>
+          <a:bodyPr wrap="none" rtlCol="0">
+            <a:spAutoFit/>
+          </a:bodyPr>
+          <a:lstStyle>
+            <a:defPPr>
+              <a:defRPr lang="en-US"/>
+            </a:defPPr>
+            <a:lvl1pPr algn="r">
+              <a:defRPr sz="700" b="1">
+                <a:latin typeface="Consolas" panose="020B0609020204030204" pitchFamily="49" charset="0"/>
+              </a:defRPr>
+            </a:lvl1pPr>
+          </a:lstStyle>
+          <a:p>
+            <a:r>
+              <a:rPr lang="en-US" dirty="0">
+                <a:solidFill>
+                  <a:schemeClr val="accent1">
+                    <a:lumMod val="75000"/>
+                  </a:schemeClr>
+                </a:solidFill>
+              </a:rPr>
+              <a:t>ASA</a:t>
+            </a:r>
+          </a:p>
+          <a:p>
+            <a:r>
+              <a:rPr lang="en-US" b="0" dirty="0"/>
+              <a:t>Compile Script</a:t>
+            </a:r>
+          </a:p>
+        </p:txBody>
+      </p:sp>
+      <p:pic>
+        <p:nvPicPr>
+          <p:cNvPr id="10" name="Graphic 9">
+            <a:extLst>
+              <a:ext uri="{FF2B5EF4-FFF2-40B4-BE49-F238E27FC236}">
+                <a16:creationId xmlns:a16="http://schemas.microsoft.com/office/drawing/2014/main" id="{774BAEC1-F0F3-4C67-ADD7-EFB2059D53CE}"/>
+              </a:ext>
+            </a:extLst>
+          </p:cNvPr>
+          <p:cNvPicPr>
+            <a:picLocks noChangeAspect="1"/>
+          </p:cNvPicPr>
+          <p:nvPr/>
+        </p:nvPicPr>
+        <p:blipFill>
+          <a:blip r:embed="rId7">
+            <a:extLst>
+              <a:ext uri="{28A0092B-C50C-407E-A947-70E740481C1C}">
+                <a14:useLocalDpi xmlns:a14="http://schemas.microsoft.com/office/drawing/2010/main" val="0"/>
+              </a:ext>
+              <a:ext uri="{96DAC541-7B7A-43D3-8B79-37D633B846F1}">
+                <asvg:svgBlip xmlns:asvg="http://schemas.microsoft.com/office/drawing/2016/SVG/main" r:embed="rId8"/>
+              </a:ext>
+            </a:extLst>
+          </a:blip>
+          <a:stretch>
+            <a:fillRect/>
+          </a:stretch>
+        </p:blipFill>
+        <p:spPr>
+          <a:xfrm>
+            <a:off x="346661" y="5181364"/>
+            <a:ext cx="274320" cy="274320"/>
+          </a:xfrm>
+          <a:prstGeom prst="rect">
+            <a:avLst/>
+          </a:prstGeom>
+        </p:spPr>
+      </p:pic>
+      <p:sp>
+        <p:nvSpPr>
+          <p:cNvPr id="11" name="TextBox 10">
+            <a:extLst>
+              <a:ext uri="{FF2B5EF4-FFF2-40B4-BE49-F238E27FC236}">
+                <a16:creationId xmlns:a16="http://schemas.microsoft.com/office/drawing/2014/main" id="{1775714E-CB0A-4944-A715-25AB88EA1714}"/>
+              </a:ext>
+            </a:extLst>
+          </p:cNvPr>
+          <p:cNvSpPr txBox="1"/>
+          <p:nvPr/>
+        </p:nvSpPr>
+        <p:spPr>
+          <a:xfrm>
+            <a:off x="987821" y="2657205"/>
+            <a:ext cx="2973326" cy="1615827"/>
+          </a:xfrm>
+          <a:prstGeom prst="rect">
+            <a:avLst/>
+          </a:prstGeom>
+          <a:solidFill>
+            <a:schemeClr val="accent2">
+              <a:alpha val="50000"/>
+            </a:schemeClr>
+          </a:solidFill>
+          <a:ln>
+            <a:noFill/>
+          </a:ln>
+        </p:spPr>
+        <p:style>
+          <a:lnRef idx="0">
+            <a:scrgbClr r="0" g="0" b="0"/>
+          </a:lnRef>
+          <a:fillRef idx="0">
+            <a:scrgbClr r="0" g="0" b="0"/>
+          </a:fillRef>
+          <a:effectRef idx="0">
+            <a:scrgbClr r="0" g="0" b="0"/>
+          </a:effectRef>
+          <a:fontRef idx="minor">
+            <a:schemeClr val="lt1"/>
+          </a:fontRef>
+        </p:style>
+        <p:txBody>
+          <a:bodyPr wrap="square" rtlCol="0">
+            <a:spAutoFit/>
+          </a:bodyPr>
+          <a:lstStyle>
+            <a:defPPr>
+              <a:defRPr lang="en-US"/>
+            </a:defPPr>
+            <a:lvl1pPr>
+              <a:defRPr sz="900" b="1">
+                <a:latin typeface="Consolas" panose="020B0609020204030204" pitchFamily="49" charset="0"/>
+              </a:defRPr>
+            </a:lvl1pPr>
+            <a:lvl2pPr>
+              <a:defRPr>
+                <a:solidFill>
+                  <a:schemeClr val="lt1"/>
+                </a:solidFill>
+              </a:defRPr>
+            </a:lvl2pPr>
+            <a:lvl3pPr>
+              <a:defRPr>
+                <a:solidFill>
+                  <a:schemeClr val="lt1"/>
+                </a:solidFill>
+              </a:defRPr>
+            </a:lvl3pPr>
+            <a:lvl4pPr>
+              <a:defRPr>
+                <a:solidFill>
+                  <a:schemeClr val="lt1"/>
+                </a:solidFill>
+              </a:defRPr>
+            </a:lvl4pPr>
+            <a:lvl5pPr>
+              <a:defRPr>
+                <a:solidFill>
+                  <a:schemeClr val="lt1"/>
+                </a:solidFill>
+              </a:defRPr>
+            </a:lvl5pPr>
+            <a:lvl6pPr>
+              <a:defRPr>
+                <a:solidFill>
+                  <a:schemeClr val="lt1"/>
+                </a:solidFill>
+              </a:defRPr>
+            </a:lvl6pPr>
+            <a:lvl7pPr>
+              <a:defRPr>
+                <a:solidFill>
+                  <a:schemeClr val="lt1"/>
+                </a:solidFill>
+              </a:defRPr>
+            </a:lvl7pPr>
+            <a:lvl8pPr>
+              <a:defRPr>
+                <a:solidFill>
+                  <a:schemeClr val="lt1"/>
+                </a:solidFill>
+              </a:defRPr>
+            </a:lvl8pPr>
+            <a:lvl9pPr>
+              <a:defRPr>
+                <a:solidFill>
+                  <a:schemeClr val="lt1"/>
+                </a:solidFill>
+              </a:defRPr>
+            </a:lvl9pPr>
+          </a:lstStyle>
+          <a:p>
+            <a:r>
+              <a:rPr lang="en-US" dirty="0">
+                <a:solidFill>
+                  <a:schemeClr val="tx1"/>
+                </a:solidFill>
+              </a:rPr>
+              <a:t>Repo</a:t>
+            </a:r>
+          </a:p>
+          <a:p>
+            <a:r>
+              <a:rPr lang="en-US" dirty="0">
+                <a:solidFill>
+                  <a:schemeClr val="bg1">
+                    <a:lumMod val="65000"/>
+                  </a:schemeClr>
+                </a:solidFill>
+              </a:rPr>
+              <a:t>&gt; provisioning</a:t>
+            </a:r>
+          </a:p>
+          <a:p>
+            <a:r>
+              <a:rPr lang="en-US" dirty="0">
+                <a:solidFill>
+                  <a:schemeClr val="tx1"/>
+                </a:solidFill>
+              </a:rPr>
+              <a:t>&gt; myASAproject</a:t>
+            </a:r>
+          </a:p>
+          <a:p>
+            <a:r>
+              <a:rPr lang="en-US" dirty="0">
+                <a:solidFill>
+                  <a:schemeClr val="tx1"/>
+                </a:solidFill>
+              </a:rPr>
+              <a:t>  &gt; Deploy</a:t>
+            </a:r>
+            <a:endParaRPr lang="en-US" b="0" dirty="0">
+              <a:solidFill>
+                <a:schemeClr val="tx1"/>
+              </a:solidFill>
+            </a:endParaRPr>
+          </a:p>
+          <a:p>
+            <a:r>
+              <a:rPr lang="en-US" b="0" dirty="0">
+                <a:solidFill>
+                  <a:schemeClr val="tx1"/>
+                </a:solidFill>
+              </a:rPr>
+              <a:t>    - my.JobTemplate.json</a:t>
+            </a:r>
+          </a:p>
+          <a:p>
+            <a:r>
+              <a:rPr lang="en-US" b="0" dirty="0">
+                <a:solidFill>
+                  <a:schemeClr val="tx1"/>
+                </a:solidFill>
+              </a:rPr>
+              <a:t>    - my.JobTemplate.parameters.json</a:t>
+            </a:r>
+          </a:p>
+          <a:p>
+            <a:r>
+              <a:rPr lang="en-US" dirty="0">
+                <a:solidFill>
+                  <a:schemeClr val="bg1">
+                    <a:lumMod val="65000"/>
+                  </a:schemeClr>
+                </a:solidFill>
+              </a:rPr>
+              <a:t>  &gt; Inputs/Outputs </a:t>
+            </a:r>
+          </a:p>
+          <a:p>
+            <a:r>
+              <a:rPr lang="en-US" b="0" dirty="0">
+                <a:solidFill>
+                  <a:schemeClr val="bg1">
+                    <a:lumMod val="65000"/>
+                  </a:schemeClr>
+                </a:solidFill>
+              </a:rPr>
+              <a:t>  - asaproj.json</a:t>
+            </a:r>
+          </a:p>
+          <a:p>
+            <a:r>
+              <a:rPr lang="en-US" b="0" dirty="0">
+                <a:solidFill>
+                  <a:schemeClr val="bg1">
+                    <a:lumMod val="65000"/>
+                  </a:schemeClr>
+                </a:solidFill>
+              </a:rPr>
+              <a:t>  - JobConfig.json</a:t>
+            </a:r>
+          </a:p>
+          <a:p>
+            <a:r>
+              <a:rPr lang="en-US" b="0" dirty="0">
+                <a:solidFill>
+                  <a:schemeClr val="bg1">
+                    <a:lumMod val="65000"/>
+                  </a:schemeClr>
+                </a:solidFill>
+              </a:rPr>
+              <a:t>  - myASAproject.asaql</a:t>
+            </a:r>
+          </a:p>
+          <a:p>
+            <a:endParaRPr lang="en-US" dirty="0">
+              <a:solidFill>
+                <a:schemeClr val="tx1"/>
+              </a:solidFill>
+            </a:endParaRPr>
+          </a:p>
+        </p:txBody>
+      </p:sp>
+      <p:sp>
+        <p:nvSpPr>
+          <p:cNvPr id="12" name="TextBox 11">
+            <a:extLst>
+              <a:ext uri="{FF2B5EF4-FFF2-40B4-BE49-F238E27FC236}">
+                <a16:creationId xmlns:a16="http://schemas.microsoft.com/office/drawing/2014/main" id="{E6EA2BCA-4B8C-45F8-932F-B63DC78D28C0}"/>
+              </a:ext>
+            </a:extLst>
+          </p:cNvPr>
+          <p:cNvSpPr txBox="1"/>
+          <p:nvPr/>
+        </p:nvSpPr>
+        <p:spPr>
+          <a:xfrm>
+            <a:off x="2486872" y="4503529"/>
+            <a:ext cx="1290738" cy="253916"/>
+          </a:xfrm>
+          <a:prstGeom prst="rect">
+            <a:avLst/>
+          </a:prstGeom>
+          <a:noFill/>
+        </p:spPr>
+        <p:txBody>
+          <a:bodyPr wrap="none" rtlCol="0">
+            <a:spAutoFit/>
+          </a:bodyPr>
+          <a:lstStyle/>
+          <a:p>
+            <a:r>
+              <a:rPr lang="en-US" sz="1050" dirty="0">
+                <a:latin typeface="Consolas" panose="020B0609020204030204" pitchFamily="49" charset="0"/>
+              </a:rPr>
+              <a:t>Git Commit/Push</a:t>
+            </a:r>
+          </a:p>
+        </p:txBody>
+      </p:sp>
+      <p:sp>
+        <p:nvSpPr>
+          <p:cNvPr id="13" name="TextBox 12">
+            <a:extLst>
+              <a:ext uri="{FF2B5EF4-FFF2-40B4-BE49-F238E27FC236}">
+                <a16:creationId xmlns:a16="http://schemas.microsoft.com/office/drawing/2014/main" id="{02F4C688-0EAD-46D5-9D2A-5FF222123C09}"/>
+              </a:ext>
+            </a:extLst>
+          </p:cNvPr>
+          <p:cNvSpPr txBox="1"/>
+          <p:nvPr/>
+        </p:nvSpPr>
+        <p:spPr>
+          <a:xfrm>
+            <a:off x="87574" y="6134693"/>
+            <a:ext cx="930063" cy="415498"/>
+          </a:xfrm>
+          <a:prstGeom prst="rect">
+            <a:avLst/>
+          </a:prstGeom>
+          <a:noFill/>
+        </p:spPr>
+        <p:txBody>
+          <a:bodyPr wrap="none" rtlCol="0">
+            <a:spAutoFit/>
+          </a:bodyPr>
+          <a:lstStyle>
+            <a:defPPr>
+              <a:defRPr lang="en-US"/>
+            </a:defPPr>
+            <a:lvl1pPr>
+              <a:defRPr sz="500">
+                <a:latin typeface="Consolas" panose="020B0609020204030204" pitchFamily="49" charset="0"/>
+              </a:defRPr>
+            </a:lvl1pPr>
+          </a:lstStyle>
+          <a:p>
+            <a:pPr algn="r"/>
+            <a:r>
+              <a:rPr lang="en-US" sz="700" b="1" dirty="0">
+                <a:solidFill>
+                  <a:schemeClr val="accent6">
+                    <a:lumMod val="50000"/>
+                  </a:schemeClr>
+                </a:solidFill>
+              </a:rPr>
+              <a:t>ASA</a:t>
+            </a:r>
+          </a:p>
+          <a:p>
+            <a:pPr algn="r"/>
+            <a:r>
+              <a:rPr lang="en-US" sz="700" dirty="0"/>
+              <a:t>Start Local Run</a:t>
+            </a:r>
+          </a:p>
+          <a:p>
+            <a:pPr algn="r"/>
+            <a:r>
+              <a:rPr lang="en-US" sz="700" dirty="0"/>
+              <a:t>(Unit Tests)</a:t>
+            </a:r>
+          </a:p>
+        </p:txBody>
+      </p:sp>
+      <p:sp>
+        <p:nvSpPr>
+          <p:cNvPr id="14" name="Rectangle: Rounded Corners 13">
+            <a:extLst>
+              <a:ext uri="{FF2B5EF4-FFF2-40B4-BE49-F238E27FC236}">
+                <a16:creationId xmlns:a16="http://schemas.microsoft.com/office/drawing/2014/main" id="{07C757B3-913B-4DBA-A2EE-900FC9D6C714}"/>
+              </a:ext>
+            </a:extLst>
+          </p:cNvPr>
+          <p:cNvSpPr/>
+          <p:nvPr/>
+        </p:nvSpPr>
+        <p:spPr>
+          <a:xfrm>
+            <a:off x="1163030" y="6176112"/>
+            <a:ext cx="2727682" cy="561716"/>
+          </a:xfrm>
+          <a:prstGeom prst="roundRect">
+            <a:avLst>
+              <a:gd name="adj" fmla="val 5253"/>
+            </a:avLst>
+          </a:prstGeom>
+          <a:solidFill>
+            <a:schemeClr val="bg1">
+              <a:alpha val="25098"/>
+            </a:schemeClr>
+          </a:solidFill>
+          <a:ln>
+            <a:noFill/>
+          </a:ln>
+        </p:spPr>
+        <p:style>
+          <a:lnRef idx="0">
+            <a:scrgbClr r="0" g="0" b="0"/>
+          </a:lnRef>
+          <a:fillRef idx="0">
+            <a:scrgbClr r="0" g="0" b="0"/>
+          </a:fillRef>
+          <a:effectRef idx="0">
+            <a:scrgbClr r="0" g="0" b="0"/>
+          </a:effectRef>
+          <a:fontRef idx="minor">
+            <a:schemeClr val="lt1"/>
+          </a:fontRef>
+        </p:style>
+        <p:txBody>
+          <a:bodyPr rtlCol="0" anchor="ctr"/>
+          <a:lstStyle/>
+          <a:p>
+            <a:pPr algn="ctr"/>
+            <a:endParaRPr lang="en-US"/>
+          </a:p>
+        </p:txBody>
+      </p:sp>
+      <p:sp>
+        <p:nvSpPr>
+          <p:cNvPr id="15" name="Rectangle: Rounded Corners 14">
+            <a:extLst>
+              <a:ext uri="{FF2B5EF4-FFF2-40B4-BE49-F238E27FC236}">
+                <a16:creationId xmlns:a16="http://schemas.microsoft.com/office/drawing/2014/main" id="{B3779545-0C6F-40BE-80CF-68BE60C600F4}"/>
+              </a:ext>
+            </a:extLst>
+          </p:cNvPr>
+          <p:cNvSpPr/>
+          <p:nvPr/>
+        </p:nvSpPr>
+        <p:spPr>
+          <a:xfrm>
+            <a:off x="1163030" y="5765850"/>
+            <a:ext cx="2727682" cy="263818"/>
+          </a:xfrm>
+          <a:prstGeom prst="roundRect">
+            <a:avLst>
+              <a:gd name="adj" fmla="val 5253"/>
+            </a:avLst>
+          </a:prstGeom>
+          <a:solidFill>
+            <a:srgbClr val="5B9BD5">
+              <a:alpha val="25098"/>
+            </a:srgbClr>
+          </a:solidFill>
+          <a:ln>
+            <a:noFill/>
+          </a:ln>
+        </p:spPr>
+        <p:style>
+          <a:lnRef idx="0">
+            <a:scrgbClr r="0" g="0" b="0"/>
+          </a:lnRef>
+          <a:fillRef idx="0">
+            <a:scrgbClr r="0" g="0" b="0"/>
+          </a:fillRef>
+          <a:effectRef idx="0">
+            <a:scrgbClr r="0" g="0" b="0"/>
+          </a:effectRef>
+          <a:fontRef idx="minor">
+            <a:schemeClr val="lt1"/>
+          </a:fontRef>
+        </p:style>
+        <p:txBody>
+          <a:bodyPr rtlCol="0" anchor="ctr"/>
+          <a:lstStyle/>
+          <a:p>
+            <a:pPr algn="ctr"/>
+            <a:endParaRPr lang="en-US"/>
+          </a:p>
+        </p:txBody>
+      </p:sp>
+      <p:sp>
+        <p:nvSpPr>
+          <p:cNvPr id="16" name="Rectangle: Rounded Corners 15">
+            <a:extLst>
+              <a:ext uri="{FF2B5EF4-FFF2-40B4-BE49-F238E27FC236}">
+                <a16:creationId xmlns:a16="http://schemas.microsoft.com/office/drawing/2014/main" id="{AF4C6593-712A-4536-A79D-BDD94CD92BE0}"/>
+              </a:ext>
+            </a:extLst>
+          </p:cNvPr>
+          <p:cNvSpPr/>
+          <p:nvPr/>
+        </p:nvSpPr>
+        <p:spPr>
+          <a:xfrm>
+            <a:off x="1163030" y="6046707"/>
+            <a:ext cx="2727682" cy="142039"/>
+          </a:xfrm>
+          <a:prstGeom prst="roundRect">
+            <a:avLst>
+              <a:gd name="adj" fmla="val 5253"/>
+            </a:avLst>
+          </a:prstGeom>
+          <a:solidFill>
+            <a:srgbClr val="92D050">
+              <a:alpha val="25098"/>
+            </a:srgbClr>
+          </a:solidFill>
+          <a:ln>
+            <a:noFill/>
+          </a:ln>
+        </p:spPr>
+        <p:style>
+          <a:lnRef idx="0">
+            <a:scrgbClr r="0" g="0" b="0"/>
+          </a:lnRef>
+          <a:fillRef idx="0">
+            <a:scrgbClr r="0" g="0" b="0"/>
+          </a:fillRef>
+          <a:effectRef idx="0">
+            <a:scrgbClr r="0" g="0" b="0"/>
+          </a:effectRef>
+          <a:fontRef idx="minor">
+            <a:schemeClr val="lt1"/>
+          </a:fontRef>
+        </p:style>
+        <p:txBody>
+          <a:bodyPr rtlCol="0" anchor="ctr"/>
+          <a:lstStyle/>
+          <a:p>
+            <a:pPr algn="ctr"/>
+            <a:endParaRPr lang="en-US"/>
+          </a:p>
+        </p:txBody>
+      </p:sp>
+      <p:cxnSp>
+        <p:nvCxnSpPr>
+          <p:cNvPr id="17" name="Connector: Elbow 16">
+            <a:extLst>
+              <a:ext uri="{FF2B5EF4-FFF2-40B4-BE49-F238E27FC236}">
+                <a16:creationId xmlns:a16="http://schemas.microsoft.com/office/drawing/2014/main" id="{767C93D7-BE22-4CE0-BD6A-5EA0F4A25861}"/>
+              </a:ext>
+            </a:extLst>
+          </p:cNvPr>
+          <p:cNvCxnSpPr>
+            <a:cxnSpLocks/>
+            <a:stCxn id="14" idx="1"/>
+            <a:endCxn id="15" idx="1"/>
+          </p:cNvCxnSpPr>
+          <p:nvPr/>
+        </p:nvCxnSpPr>
+        <p:spPr>
+          <a:xfrm rot="10800000">
+            <a:off x="1163030" y="5897760"/>
+            <a:ext cx="12700" cy="559211"/>
+          </a:xfrm>
+          <a:prstGeom prst="bentConnector3">
+            <a:avLst>
+              <a:gd name="adj1" fmla="val 1576394"/>
+            </a:avLst>
+          </a:prstGeom>
+          <a:ln>
+            <a:tailEnd type="triangle"/>
+          </a:ln>
+        </p:spPr>
+        <p:style>
+          <a:lnRef idx="1">
+            <a:schemeClr val="accent1"/>
+          </a:lnRef>
+          <a:fillRef idx="0">
+            <a:schemeClr val="accent1"/>
+          </a:fillRef>
+          <a:effectRef idx="0">
+            <a:schemeClr val="accent1"/>
+          </a:effectRef>
+          <a:fontRef idx="minor">
+            <a:schemeClr val="tx1"/>
+          </a:fontRef>
+        </p:style>
+      </p:cxnSp>
+      <p:cxnSp>
+        <p:nvCxnSpPr>
+          <p:cNvPr id="18" name="Connector: Elbow 17">
+            <a:extLst>
+              <a:ext uri="{FF2B5EF4-FFF2-40B4-BE49-F238E27FC236}">
+                <a16:creationId xmlns:a16="http://schemas.microsoft.com/office/drawing/2014/main" id="{12FAC978-B011-46D3-8767-2525F9577985}"/>
+              </a:ext>
+            </a:extLst>
+          </p:cNvPr>
+          <p:cNvCxnSpPr>
+            <a:cxnSpLocks/>
+            <a:stCxn id="14" idx="1"/>
+            <a:endCxn id="16" idx="1"/>
+          </p:cNvCxnSpPr>
+          <p:nvPr/>
+        </p:nvCxnSpPr>
+        <p:spPr>
+          <a:xfrm rot="10800000">
+            <a:off x="1163030" y="6117728"/>
+            <a:ext cx="12700" cy="339243"/>
+          </a:xfrm>
+          <a:prstGeom prst="bentConnector3">
+            <a:avLst>
+              <a:gd name="adj1" fmla="val 1800000"/>
+            </a:avLst>
+          </a:prstGeom>
+          <a:ln>
+            <a:solidFill>
+              <a:schemeClr val="accent6">
+                <a:lumMod val="75000"/>
+              </a:schemeClr>
+            </a:solidFill>
+            <a:tailEnd type="triangle"/>
+          </a:ln>
+        </p:spPr>
+        <p:style>
+          <a:lnRef idx="1">
+            <a:schemeClr val="accent1"/>
+          </a:lnRef>
+          <a:fillRef idx="0">
+            <a:schemeClr val="accent1"/>
+          </a:fillRef>
+          <a:effectRef idx="0">
+            <a:schemeClr val="accent1"/>
+          </a:effectRef>
+          <a:fontRef idx="minor">
+            <a:schemeClr val="tx1"/>
+          </a:fontRef>
+        </p:style>
+      </p:cxnSp>
+      <p:sp>
+        <p:nvSpPr>
+          <p:cNvPr id="19" name="Rectangle: Rounded Corners 18">
+            <a:extLst>
+              <a:ext uri="{FF2B5EF4-FFF2-40B4-BE49-F238E27FC236}">
+                <a16:creationId xmlns:a16="http://schemas.microsoft.com/office/drawing/2014/main" id="{F3E3B0FF-461A-4A72-A655-89FBF9F89E36}"/>
+              </a:ext>
+            </a:extLst>
+          </p:cNvPr>
+          <p:cNvSpPr/>
+          <p:nvPr/>
+        </p:nvSpPr>
+        <p:spPr>
+          <a:xfrm>
+            <a:off x="1339994" y="3239858"/>
+            <a:ext cx="2268980" cy="303277"/>
+          </a:xfrm>
+          <a:prstGeom prst="roundRect">
+            <a:avLst>
+              <a:gd name="adj" fmla="val 5253"/>
+            </a:avLst>
+          </a:prstGeom>
+          <a:solidFill>
+            <a:srgbClr val="FFFF00">
+              <a:alpha val="25098"/>
+            </a:srgbClr>
+          </a:solidFill>
+          <a:ln>
+            <a:noFill/>
+          </a:ln>
+        </p:spPr>
+        <p:style>
+          <a:lnRef idx="0">
+            <a:scrgbClr r="0" g="0" b="0"/>
+          </a:lnRef>
+          <a:fillRef idx="0">
+            <a:scrgbClr r="0" g="0" b="0"/>
+          </a:fillRef>
+          <a:effectRef idx="0">
+            <a:scrgbClr r="0" g="0" b="0"/>
+          </a:effectRef>
+          <a:fontRef idx="minor">
+            <a:schemeClr val="lt1"/>
+          </a:fontRef>
+        </p:style>
+        <p:txBody>
+          <a:bodyPr rtlCol="0" anchor="ctr"/>
+          <a:lstStyle/>
+          <a:p>
+            <a:pPr algn="ctr"/>
+            <a:endParaRPr lang="en-US"/>
+          </a:p>
+        </p:txBody>
+      </p:sp>
+      <p:sp>
+        <p:nvSpPr>
+          <p:cNvPr id="20" name="Rectangle: Rounded Corners 19">
+            <a:extLst>
+              <a:ext uri="{FF2B5EF4-FFF2-40B4-BE49-F238E27FC236}">
+                <a16:creationId xmlns:a16="http://schemas.microsoft.com/office/drawing/2014/main" id="{CF6A6DA2-0425-41E8-8DB0-898402BB4E88}"/>
+              </a:ext>
+            </a:extLst>
+          </p:cNvPr>
+          <p:cNvSpPr/>
+          <p:nvPr/>
+        </p:nvSpPr>
+        <p:spPr>
+          <a:xfrm>
+            <a:off x="1179378" y="5078688"/>
+            <a:ext cx="2727682" cy="424368"/>
+          </a:xfrm>
+          <a:prstGeom prst="roundRect">
+            <a:avLst>
+              <a:gd name="adj" fmla="val 5253"/>
+            </a:avLst>
+          </a:prstGeom>
+          <a:solidFill>
+            <a:schemeClr val="bg1">
+              <a:alpha val="25098"/>
+            </a:schemeClr>
+          </a:solidFill>
+          <a:ln>
+            <a:noFill/>
+          </a:ln>
+        </p:spPr>
+        <p:style>
+          <a:lnRef idx="0">
+            <a:scrgbClr r="0" g="0" b="0"/>
+          </a:lnRef>
+          <a:fillRef idx="0">
+            <a:scrgbClr r="0" g="0" b="0"/>
+          </a:fillRef>
+          <a:effectRef idx="0">
+            <a:scrgbClr r="0" g="0" b="0"/>
+          </a:effectRef>
+          <a:fontRef idx="minor">
+            <a:schemeClr val="lt1"/>
+          </a:fontRef>
+        </p:style>
+        <p:txBody>
+          <a:bodyPr rtlCol="0" anchor="ctr"/>
+          <a:lstStyle/>
+          <a:p>
+            <a:pPr algn="ctr"/>
+            <a:endParaRPr lang="en-US"/>
+          </a:p>
+        </p:txBody>
+      </p:sp>
+      <p:pic>
+        <p:nvPicPr>
+          <p:cNvPr id="21" name="Graphic 20">
+            <a:extLst>
+              <a:ext uri="{FF2B5EF4-FFF2-40B4-BE49-F238E27FC236}">
+                <a16:creationId xmlns:a16="http://schemas.microsoft.com/office/drawing/2014/main" id="{9C0D0C73-BF1F-4884-8FBE-53CA215A1D9F}"/>
+              </a:ext>
+            </a:extLst>
+          </p:cNvPr>
+          <p:cNvPicPr>
+            <a:picLocks noChangeAspect="1"/>
+          </p:cNvPicPr>
+          <p:nvPr/>
+        </p:nvPicPr>
+        <p:blipFill>
+          <a:blip r:embed="rId9">
+            <a:extLst>
+              <a:ext uri="{28A0092B-C50C-407E-A947-70E740481C1C}">
+                <a14:useLocalDpi xmlns:a14="http://schemas.microsoft.com/office/drawing/2010/main" val="0"/>
+              </a:ext>
+              <a:ext uri="{96DAC541-7B7A-43D3-8B79-37D633B846F1}">
+                <asvg:svgBlip xmlns:asvg="http://schemas.microsoft.com/office/drawing/2016/SVG/main" r:embed="rId10"/>
+              </a:ext>
+            </a:extLst>
+          </a:blip>
+          <a:stretch>
+            <a:fillRect/>
+          </a:stretch>
+        </p:blipFill>
+        <p:spPr>
+          <a:xfrm>
+            <a:off x="570290" y="2025131"/>
+            <a:ext cx="274320" cy="274320"/>
+          </a:xfrm>
+          <a:prstGeom prst="rect">
+            <a:avLst/>
+          </a:prstGeom>
+        </p:spPr>
+      </p:pic>
+      <p:cxnSp>
+        <p:nvCxnSpPr>
+          <p:cNvPr id="22" name="Straight Arrow Connector 21">
+            <a:extLst>
+              <a:ext uri="{FF2B5EF4-FFF2-40B4-BE49-F238E27FC236}">
+                <a16:creationId xmlns:a16="http://schemas.microsoft.com/office/drawing/2014/main" id="{AD7BFB4D-4220-46F1-800F-EBD04DE4F34A}"/>
+              </a:ext>
+            </a:extLst>
+          </p:cNvPr>
+          <p:cNvCxnSpPr>
+            <a:stCxn id="5" idx="0"/>
+            <a:endCxn id="11" idx="2"/>
+          </p:cNvCxnSpPr>
+          <p:nvPr/>
+        </p:nvCxnSpPr>
+        <p:spPr>
+          <a:xfrm flipV="1">
+            <a:off x="2474484" y="4273032"/>
+            <a:ext cx="0" cy="473924"/>
+          </a:xfrm>
+          <a:prstGeom prst="straightConnector1">
+            <a:avLst/>
+          </a:prstGeom>
+          <a:ln w="38100">
+            <a:solidFill>
+              <a:schemeClr val="accent2">
+                <a:lumMod val="75000"/>
+              </a:schemeClr>
+            </a:solidFill>
+            <a:tailEnd type="triangle"/>
+          </a:ln>
+        </p:spPr>
+        <p:style>
+          <a:lnRef idx="1">
+            <a:schemeClr val="accent1"/>
+          </a:lnRef>
+          <a:fillRef idx="0">
+            <a:schemeClr val="accent1"/>
+          </a:fillRef>
+          <a:effectRef idx="0">
+            <a:schemeClr val="accent1"/>
+          </a:effectRef>
+          <a:fontRef idx="minor">
+            <a:schemeClr val="tx1"/>
+          </a:fontRef>
+        </p:style>
+      </p:cxnSp>
+      <p:sp>
+        <p:nvSpPr>
+          <p:cNvPr id="23" name="TextBox 22">
+            <a:extLst>
+              <a:ext uri="{FF2B5EF4-FFF2-40B4-BE49-F238E27FC236}">
+                <a16:creationId xmlns:a16="http://schemas.microsoft.com/office/drawing/2014/main" id="{247A1EAD-95A6-494C-B328-84FEA230DDEE}"/>
+              </a:ext>
+            </a:extLst>
+          </p:cNvPr>
+          <p:cNvSpPr txBox="1"/>
+          <p:nvPr/>
+        </p:nvSpPr>
+        <p:spPr>
+          <a:xfrm>
+            <a:off x="807491" y="2062574"/>
+            <a:ext cx="1069524" cy="253916"/>
+          </a:xfrm>
+          <a:prstGeom prst="rect">
+            <a:avLst/>
+          </a:prstGeom>
+          <a:noFill/>
+        </p:spPr>
+        <p:txBody>
+          <a:bodyPr wrap="none" rtlCol="0">
+            <a:spAutoFit/>
+          </a:bodyPr>
+          <a:lstStyle/>
+          <a:p>
+            <a:r>
+              <a:rPr lang="en-US" sz="1050" dirty="0">
+                <a:latin typeface="Consolas" panose="020B0609020204030204" pitchFamily="49" charset="0"/>
+              </a:rPr>
+              <a:t>Azure DevOps</a:t>
+            </a:r>
+          </a:p>
+        </p:txBody>
+      </p:sp>
+    </p:spTree>
+    <p:extLst>
+      <p:ext uri="{BB962C8B-B14F-4D97-AF65-F5344CB8AC3E}">
+        <p14:creationId xmlns:p14="http://schemas.microsoft.com/office/powerpoint/2010/main" val="1342806705"/>
       </p:ext>
     </p:extLst>
   </p:cSld>

--- a/_posts/201912_asa_alm101/asa_alm_schemas.pptx
+++ b/_posts/201912_asa_alm101/asa_alm_schemas.pptx
@@ -12907,14 +12907,11 @@
           <a:lstStyle/>
           <a:p>
             <a:r>
-              <a:rPr lang="en-US" sz="1050">
+              <a:rPr lang="en-US" sz="1050" dirty="0">
                 <a:latin typeface="Consolas" panose="020B0609020204030204" pitchFamily="49" charset="0"/>
               </a:rPr>
               <a:t>Git Commit/Push</a:t>
             </a:r>
-            <a:endParaRPr lang="en-US" sz="1050" dirty="0">
-              <a:latin typeface="Consolas" panose="020B0609020204030204" pitchFamily="49" charset="0"/>
-            </a:endParaRPr>
           </a:p>
         </p:txBody>
       </p:sp>
@@ -15105,7 +15102,7 @@
         <p:spPr>
           <a:xfrm>
             <a:off x="987821" y="4746956"/>
-            <a:ext cx="2973326" cy="2031325"/>
+            <a:ext cx="2973326" cy="1338828"/>
           </a:xfrm>
           <a:prstGeom prst="rect">
             <a:avLst/>
@@ -15166,7 +15163,7 @@
                 </a:solidFill>
                 <a:latin typeface="Consolas" panose="020B0609020204030204" pitchFamily="49" charset="0"/>
               </a:rPr>
-              <a:t>provisioning</a:t>
+              <a:t>myASAproject</a:t>
             </a:r>
           </a:p>
           <a:p>
@@ -15177,10 +15174,28 @@
                 </a:solidFill>
                 <a:latin typeface="Consolas" panose="020B0609020204030204" pitchFamily="49" charset="0"/>
               </a:rPr>
-              <a:t>  - provision.azcli</a:t>
-            </a:r>
-          </a:p>
-          <a:p>
+              <a:t>  &gt; </a:t>
+            </a:r>
+            <a:r>
+              <a:rPr lang="en-US" sz="900" b="1" dirty="0">
+                <a:solidFill>
+                  <a:schemeClr val="tx1"/>
+                </a:solidFill>
+                <a:latin typeface="Consolas" panose="020B0609020204030204" pitchFamily="49" charset="0"/>
+              </a:rPr>
+              <a:t>Deploy</a:t>
+            </a:r>
+          </a:p>
+          <a:p>
+            <a:r>
+              <a:rPr lang="en-US" sz="900" b="1" dirty="0">
+                <a:solidFill>
+                  <a:schemeClr val="tx1"/>
+                </a:solidFill>
+                <a:latin typeface="Consolas" panose="020B0609020204030204" pitchFamily="49" charset="0"/>
+              </a:rPr>
+              <a:t>    </a:t>
+            </a:r>
             <a:r>
               <a:rPr lang="en-US" sz="900" dirty="0">
                 <a:solidFill>
@@ -15188,7 +15203,7 @@
                 </a:solidFill>
                 <a:latin typeface="Consolas" panose="020B0609020204030204" pitchFamily="49" charset="0"/>
               </a:rPr>
-              <a:t>  - provision.ps1</a:t>
+              <a:t>- my.JobTemplate.json</a:t>
             </a:r>
           </a:p>
           <a:p>
@@ -15199,7 +15214,7 @@
                 </a:solidFill>
                 <a:latin typeface="Consolas" panose="020B0609020204030204" pitchFamily="49" charset="0"/>
               </a:rPr>
-              <a:t>  - provision.JobTemplate.json</a:t>
+              <a:t>    - my.JobTemplate.parameters.json</a:t>
             </a:r>
           </a:p>
           <a:p>
@@ -15211,139 +15226,6 @@
                 <a:latin typeface="Consolas" panose="020B0609020204030204" pitchFamily="49" charset="0"/>
               </a:rPr>
               <a:t>&gt; </a:t>
-            </a:r>
-            <a:r>
-              <a:rPr lang="en-US" sz="900" b="1" dirty="0">
-                <a:solidFill>
-                  <a:schemeClr val="tx1"/>
-                </a:solidFill>
-                <a:latin typeface="Consolas" panose="020B0609020204030204" pitchFamily="49" charset="0"/>
-              </a:rPr>
-              <a:t>myASAproject</a:t>
-            </a:r>
-          </a:p>
-          <a:p>
-            <a:r>
-              <a:rPr lang="en-US" sz="900" dirty="0">
-                <a:solidFill>
-                  <a:schemeClr val="tx1"/>
-                </a:solidFill>
-                <a:latin typeface="Consolas" panose="020B0609020204030204" pitchFamily="49" charset="0"/>
-              </a:rPr>
-              <a:t>  &gt; </a:t>
-            </a:r>
-            <a:r>
-              <a:rPr lang="en-US" sz="900" b="1" dirty="0">
-                <a:solidFill>
-                  <a:schemeClr val="tx1"/>
-                </a:solidFill>
-                <a:latin typeface="Consolas" panose="020B0609020204030204" pitchFamily="49" charset="0"/>
-              </a:rPr>
-              <a:t>Deploy</a:t>
-            </a:r>
-          </a:p>
-          <a:p>
-            <a:r>
-              <a:rPr lang="en-US" sz="900" b="1" dirty="0">
-                <a:solidFill>
-                  <a:schemeClr val="tx1"/>
-                </a:solidFill>
-                <a:latin typeface="Consolas" panose="020B0609020204030204" pitchFamily="49" charset="0"/>
-              </a:rPr>
-              <a:t>    </a:t>
-            </a:r>
-            <a:r>
-              <a:rPr lang="en-US" sz="900" dirty="0">
-                <a:solidFill>
-                  <a:schemeClr val="tx1"/>
-                </a:solidFill>
-                <a:latin typeface="Consolas" panose="020B0609020204030204" pitchFamily="49" charset="0"/>
-              </a:rPr>
-              <a:t>- my.JobTemplate.json</a:t>
-            </a:r>
-          </a:p>
-          <a:p>
-            <a:r>
-              <a:rPr lang="en-US" sz="900" dirty="0">
-                <a:solidFill>
-                  <a:schemeClr val="tx1"/>
-                </a:solidFill>
-                <a:latin typeface="Consolas" panose="020B0609020204030204" pitchFamily="49" charset="0"/>
-              </a:rPr>
-              <a:t>    - my.JobTemplate.parameters.json</a:t>
-            </a:r>
-          </a:p>
-          <a:p>
-            <a:r>
-              <a:rPr lang="en-US" sz="900" dirty="0">
-                <a:solidFill>
-                  <a:schemeClr val="tx1"/>
-                </a:solidFill>
-                <a:latin typeface="Consolas" panose="020B0609020204030204" pitchFamily="49" charset="0"/>
-              </a:rPr>
-              <a:t>  &gt; </a:t>
-            </a:r>
-            <a:r>
-              <a:rPr lang="en-US" sz="900" b="1" dirty="0" err="1">
-                <a:solidFill>
-                  <a:schemeClr val="tx1"/>
-                </a:solidFill>
-                <a:latin typeface="Consolas" panose="020B0609020204030204" pitchFamily="49" charset="0"/>
-              </a:rPr>
-              <a:t>LocalRunOutputs</a:t>
-            </a:r>
-            <a:r>
-              <a:rPr lang="en-US" sz="900" b="1" dirty="0">
-                <a:solidFill>
-                  <a:schemeClr val="tx1"/>
-                </a:solidFill>
-                <a:latin typeface="Consolas" panose="020B0609020204030204" pitchFamily="49" charset="0"/>
-              </a:rPr>
-              <a:t> </a:t>
-            </a:r>
-            <a:r>
-              <a:rPr lang="en-US" sz="600" i="1" dirty="0">
-                <a:solidFill>
-                  <a:schemeClr val="tx1"/>
-                </a:solidFill>
-                <a:latin typeface="Consolas" panose="020B0609020204030204" pitchFamily="49" charset="0"/>
-              </a:rPr>
-              <a:t>(</a:t>
-            </a:r>
-            <a:r>
-              <a:rPr lang="en-US" sz="600" i="1" dirty="0" err="1">
-                <a:solidFill>
-                  <a:schemeClr val="tx1"/>
-                </a:solidFill>
-                <a:latin typeface="Consolas" panose="020B0609020204030204" pitchFamily="49" charset="0"/>
-              </a:rPr>
-              <a:t>gitignored</a:t>
-            </a:r>
-            <a:r>
-              <a:rPr lang="en-US" sz="600" i="1" dirty="0">
-                <a:solidFill>
-                  <a:schemeClr val="tx1"/>
-                </a:solidFill>
-                <a:latin typeface="Consolas" panose="020B0609020204030204" pitchFamily="49" charset="0"/>
-              </a:rPr>
-              <a:t>)</a:t>
-            </a:r>
-            <a:endParaRPr lang="en-US" sz="900" i="1" dirty="0">
-              <a:solidFill>
-                <a:schemeClr val="tx1"/>
-              </a:solidFill>
-              <a:latin typeface="Consolas" panose="020B0609020204030204" pitchFamily="49" charset="0"/>
-            </a:endParaRPr>
-          </a:p>
-          <a:p>
-            <a:r>
-              <a:rPr lang="en-US" sz="900" dirty="0">
-                <a:solidFill>
-                  <a:schemeClr val="tx1"/>
-                </a:solidFill>
-                <a:latin typeface="Consolas" panose="020B0609020204030204" pitchFamily="49" charset="0"/>
-              </a:rPr>
-              <a:t>  &gt; </a:t>
             </a:r>
             <a:r>
               <a:rPr lang="en-US" sz="900" b="1" dirty="0">
@@ -15526,7 +15408,7 @@
         </p:nvSpPr>
         <p:spPr>
           <a:xfrm>
-            <a:off x="140674" y="5826915"/>
+            <a:off x="4108836" y="5301039"/>
             <a:ext cx="880369" cy="307777"/>
           </a:xfrm>
           <a:prstGeom prst="rect">
@@ -15549,6 +15431,7 @@
             </a:lvl1pPr>
           </a:lstStyle>
           <a:p>
+            <a:pPr algn="l"/>
             <a:r>
               <a:rPr lang="en-US" dirty="0">
                 <a:solidFill>
@@ -15561,6 +15444,7 @@
             </a:r>
           </a:p>
           <a:p>
+            <a:pPr algn="l"/>
             <a:r>
               <a:rPr lang="en-US" b="0" dirty="0"/>
               <a:t>Compile Script</a:t>
@@ -15622,7 +15506,7 @@
         <p:spPr>
           <a:xfrm>
             <a:off x="987821" y="2657205"/>
-            <a:ext cx="2973326" cy="1615827"/>
+            <a:ext cx="2973326" cy="1477328"/>
           </a:xfrm>
           <a:prstGeom prst="rect">
             <a:avLst/>
@@ -15734,18 +15618,6 @@
             <a:r>
               <a:rPr lang="en-US" dirty="0">
                 <a:solidFill>
-                  <a:schemeClr val="bg1">
-                    <a:lumMod val="65000"/>
-                  </a:schemeClr>
-                </a:solidFill>
-              </a:rPr>
-              <a:t>&gt; provisioning</a:t>
-            </a:r>
-          </a:p>
-          <a:p>
-            <a:r>
-              <a:rPr lang="en-US" dirty="0">
-                <a:solidFill>
                   <a:schemeClr val="tx1"/>
                 </a:solidFill>
               </a:rPr>
@@ -15883,75 +15755,10 @@
       </p:sp>
       <p:sp>
         <p:nvSpPr>
-          <p:cNvPr id="13" name="TextBox 12">
-            <a:extLst>
-              <a:ext uri="{FF2B5EF4-FFF2-40B4-BE49-F238E27FC236}">
-                <a16:creationId xmlns:a16="http://schemas.microsoft.com/office/drawing/2014/main" id="{02F4C688-0EAD-46D5-9D2A-5FF222123C09}"/>
-              </a:ext>
-            </a:extLst>
-          </p:cNvPr>
-          <p:cNvSpPr txBox="1"/>
-          <p:nvPr/>
-        </p:nvSpPr>
-        <p:spPr>
-          <a:xfrm>
-            <a:off x="87574" y="6134693"/>
-            <a:ext cx="930063" cy="415498"/>
-          </a:xfrm>
-          <a:prstGeom prst="rect">
-            <a:avLst/>
-          </a:prstGeom>
-          <a:noFill/>
-        </p:spPr>
-        <p:txBody>
-          <a:bodyPr wrap="none" rtlCol="0">
-            <a:spAutoFit/>
-          </a:bodyPr>
-          <a:lstStyle>
-            <a:defPPr>
-              <a:defRPr lang="en-US"/>
-            </a:defPPr>
-            <a:lvl1pPr>
-              <a:defRPr sz="500">
-                <a:latin typeface="Consolas" panose="020B0609020204030204" pitchFamily="49" charset="0"/>
-              </a:defRPr>
-            </a:lvl1pPr>
-          </a:lstStyle>
-          <a:p>
-            <a:pPr algn="r"/>
-            <a:r>
-              <a:rPr lang="en-US" sz="700" b="1" dirty="0">
-                <a:solidFill>
-                  <a:schemeClr val="accent6">
-                    <a:lumMod val="50000"/>
-                  </a:schemeClr>
-                </a:solidFill>
-              </a:rPr>
-              <a:t>ASA</a:t>
-            </a:r>
-          </a:p>
-          <a:p>
-            <a:pPr algn="r"/>
-            <a:r>
-              <a:rPr lang="en-US" sz="700" dirty="0"/>
-              <a:t>Start Local Run</a:t>
-            </a:r>
-          </a:p>
-          <a:p>
-            <a:pPr algn="r"/>
-            <a:r>
-              <a:rPr lang="en-US" sz="700" dirty="0"/>
-              <a:t>(Unit Tests)</a:t>
-            </a:r>
-          </a:p>
-        </p:txBody>
-      </p:sp>
-      <p:sp>
-        <p:nvSpPr>
-          <p:cNvPr id="14" name="Rectangle: Rounded Corners 13">
-            <a:extLst>
-              <a:ext uri="{FF2B5EF4-FFF2-40B4-BE49-F238E27FC236}">
-                <a16:creationId xmlns:a16="http://schemas.microsoft.com/office/drawing/2014/main" id="{07C757B3-913B-4DBA-A2EE-900FC9D6C714}"/>
+          <p:cNvPr id="15" name="Rectangle: Rounded Corners 14">
+            <a:extLst>
+              <a:ext uri="{FF2B5EF4-FFF2-40B4-BE49-F238E27FC236}">
+                <a16:creationId xmlns:a16="http://schemas.microsoft.com/office/drawing/2014/main" id="{B3779545-0C6F-40BE-80CF-68BE60C600F4}"/>
               </a:ext>
             </a:extLst>
           </p:cNvPr>
@@ -15960,61 +15767,7 @@
         </p:nvSpPr>
         <p:spPr>
           <a:xfrm>
-            <a:off x="1163030" y="6176112"/>
-            <a:ext cx="2727682" cy="561716"/>
-          </a:xfrm>
-          <a:prstGeom prst="roundRect">
-            <a:avLst>
-              <a:gd name="adj" fmla="val 5253"/>
-            </a:avLst>
-          </a:prstGeom>
-          <a:solidFill>
-            <a:schemeClr val="bg1">
-              <a:alpha val="25098"/>
-            </a:schemeClr>
-          </a:solidFill>
-          <a:ln>
-            <a:noFill/>
-          </a:ln>
-        </p:spPr>
-        <p:style>
-          <a:lnRef idx="0">
-            <a:scrgbClr r="0" g="0" b="0"/>
-          </a:lnRef>
-          <a:fillRef idx="0">
-            <a:scrgbClr r="0" g="0" b="0"/>
-          </a:fillRef>
-          <a:effectRef idx="0">
-            <a:scrgbClr r="0" g="0" b="0"/>
-          </a:effectRef>
-          <a:fontRef idx="minor">
-            <a:schemeClr val="lt1"/>
-          </a:fontRef>
-        </p:style>
-        <p:txBody>
-          <a:bodyPr rtlCol="0" anchor="ctr"/>
-          <a:lstStyle/>
-          <a:p>
-            <a:pPr algn="ctr"/>
-            <a:endParaRPr lang="en-US"/>
-          </a:p>
-        </p:txBody>
-      </p:sp>
-      <p:sp>
-        <p:nvSpPr>
-          <p:cNvPr id="15" name="Rectangle: Rounded Corners 14">
-            <a:extLst>
-              <a:ext uri="{FF2B5EF4-FFF2-40B4-BE49-F238E27FC236}">
-                <a16:creationId xmlns:a16="http://schemas.microsoft.com/office/drawing/2014/main" id="{B3779545-0C6F-40BE-80CF-68BE60C600F4}"/>
-              </a:ext>
-            </a:extLst>
-          </p:cNvPr>
-          <p:cNvSpPr/>
-          <p:nvPr/>
-        </p:nvSpPr>
-        <p:spPr>
-          <a:xfrm>
-            <a:off x="1163030" y="5765850"/>
+            <a:off x="1163030" y="5213035"/>
             <a:ext cx="2727682" cy="263818"/>
           </a:xfrm>
           <a:prstGeom prst="roundRect">
@@ -16054,60 +15807,6 @@
           </a:p>
         </p:txBody>
       </p:sp>
-      <p:sp>
-        <p:nvSpPr>
-          <p:cNvPr id="16" name="Rectangle: Rounded Corners 15">
-            <a:extLst>
-              <a:ext uri="{FF2B5EF4-FFF2-40B4-BE49-F238E27FC236}">
-                <a16:creationId xmlns:a16="http://schemas.microsoft.com/office/drawing/2014/main" id="{AF4C6593-712A-4536-A79D-BDD94CD92BE0}"/>
-              </a:ext>
-            </a:extLst>
-          </p:cNvPr>
-          <p:cNvSpPr/>
-          <p:nvPr/>
-        </p:nvSpPr>
-        <p:spPr>
-          <a:xfrm>
-            <a:off x="1163030" y="6046707"/>
-            <a:ext cx="2727682" cy="142039"/>
-          </a:xfrm>
-          <a:prstGeom prst="roundRect">
-            <a:avLst>
-              <a:gd name="adj" fmla="val 5253"/>
-            </a:avLst>
-          </a:prstGeom>
-          <a:solidFill>
-            <a:srgbClr val="92D050">
-              <a:alpha val="25098"/>
-            </a:srgbClr>
-          </a:solidFill>
-          <a:ln>
-            <a:noFill/>
-          </a:ln>
-        </p:spPr>
-        <p:style>
-          <a:lnRef idx="0">
-            <a:scrgbClr r="0" g="0" b="0"/>
-          </a:lnRef>
-          <a:fillRef idx="0">
-            <a:scrgbClr r="0" g="0" b="0"/>
-          </a:fillRef>
-          <a:effectRef idx="0">
-            <a:scrgbClr r="0" g="0" b="0"/>
-          </a:effectRef>
-          <a:fontRef idx="minor">
-            <a:schemeClr val="lt1"/>
-          </a:fontRef>
-        </p:style>
-        <p:txBody>
-          <a:bodyPr rtlCol="0" anchor="ctr"/>
-          <a:lstStyle/>
-          <a:p>
-            <a:pPr algn="ctr"/>
-            <a:endParaRPr lang="en-US"/>
-          </a:p>
-        </p:txBody>
-      </p:sp>
       <p:cxnSp>
         <p:nvCxnSpPr>
           <p:cNvPr id="17" name="Connector: Elbow 16">
@@ -16119,19 +15818,19 @@
           </p:cNvPr>
           <p:cNvCxnSpPr>
             <a:cxnSpLocks/>
-            <a:stCxn id="14" idx="1"/>
-            <a:endCxn id="15" idx="1"/>
+            <a:stCxn id="88" idx="3"/>
+            <a:endCxn id="15" idx="3"/>
           </p:cNvCxnSpPr>
           <p:nvPr/>
         </p:nvCxnSpPr>
         <p:spPr>
-          <a:xfrm rot="10800000">
-            <a:off x="1163030" y="5897760"/>
-            <a:ext cx="12700" cy="559211"/>
+          <a:xfrm flipV="1">
+            <a:off x="3890712" y="5344944"/>
+            <a:ext cx="12700" cy="489057"/>
           </a:xfrm>
           <a:prstGeom prst="bentConnector3">
             <a:avLst>
-              <a:gd name="adj1" fmla="val 1576394"/>
+              <a:gd name="adj1" fmla="val 1800000"/>
             </a:avLst>
           </a:prstGeom>
           <a:ln>
@@ -16153,35 +15852,125 @@
           </a:fontRef>
         </p:style>
       </p:cxnSp>
+      <p:sp>
+        <p:nvSpPr>
+          <p:cNvPr id="19" name="Rectangle: Rounded Corners 18">
+            <a:extLst>
+              <a:ext uri="{FF2B5EF4-FFF2-40B4-BE49-F238E27FC236}">
+                <a16:creationId xmlns:a16="http://schemas.microsoft.com/office/drawing/2014/main" id="{F3E3B0FF-461A-4A72-A655-89FBF9F89E36}"/>
+              </a:ext>
+            </a:extLst>
+          </p:cNvPr>
+          <p:cNvSpPr/>
+          <p:nvPr/>
+        </p:nvSpPr>
+        <p:spPr>
+          <a:xfrm>
+            <a:off x="1339994" y="3098648"/>
+            <a:ext cx="2268980" cy="303277"/>
+          </a:xfrm>
+          <a:prstGeom prst="roundRect">
+            <a:avLst>
+              <a:gd name="adj" fmla="val 5253"/>
+            </a:avLst>
+          </a:prstGeom>
+          <a:solidFill>
+            <a:srgbClr val="FFFF00">
+              <a:alpha val="25098"/>
+            </a:srgbClr>
+          </a:solidFill>
+          <a:ln>
+            <a:noFill/>
+          </a:ln>
+        </p:spPr>
+        <p:style>
+          <a:lnRef idx="0">
+            <a:scrgbClr r="0" g="0" b="0"/>
+          </a:lnRef>
+          <a:fillRef idx="0">
+            <a:scrgbClr r="0" g="0" b="0"/>
+          </a:fillRef>
+          <a:effectRef idx="0">
+            <a:scrgbClr r="0" g="0" b="0"/>
+          </a:effectRef>
+          <a:fontRef idx="minor">
+            <a:schemeClr val="lt1"/>
+          </a:fontRef>
+        </p:style>
+        <p:txBody>
+          <a:bodyPr rtlCol="0" anchor="ctr"/>
+          <a:lstStyle/>
+          <a:p>
+            <a:pPr algn="ctr"/>
+            <a:endParaRPr lang="en-US"/>
+          </a:p>
+        </p:txBody>
+      </p:sp>
+      <p:pic>
+        <p:nvPicPr>
+          <p:cNvPr id="21" name="Graphic 20">
+            <a:extLst>
+              <a:ext uri="{FF2B5EF4-FFF2-40B4-BE49-F238E27FC236}">
+                <a16:creationId xmlns:a16="http://schemas.microsoft.com/office/drawing/2014/main" id="{9C0D0C73-BF1F-4884-8FBE-53CA215A1D9F}"/>
+              </a:ext>
+            </a:extLst>
+          </p:cNvPr>
+          <p:cNvPicPr>
+            <a:picLocks noChangeAspect="1"/>
+          </p:cNvPicPr>
+          <p:nvPr/>
+        </p:nvPicPr>
+        <p:blipFill>
+          <a:blip r:embed="rId9">
+            <a:extLst>
+              <a:ext uri="{28A0092B-C50C-407E-A947-70E740481C1C}">
+                <a14:useLocalDpi xmlns:a14="http://schemas.microsoft.com/office/drawing/2010/main" val="0"/>
+              </a:ext>
+              <a:ext uri="{96DAC541-7B7A-43D3-8B79-37D633B846F1}">
+                <asvg:svgBlip xmlns:asvg="http://schemas.microsoft.com/office/drawing/2016/SVG/main" r:embed="rId10"/>
+              </a:ext>
+            </a:extLst>
+          </a:blip>
+          <a:stretch>
+            <a:fillRect/>
+          </a:stretch>
+        </p:blipFill>
+        <p:spPr>
+          <a:xfrm>
+            <a:off x="570290" y="2085273"/>
+            <a:ext cx="274320" cy="274320"/>
+          </a:xfrm>
+          <a:prstGeom prst="rect">
+            <a:avLst/>
+          </a:prstGeom>
+        </p:spPr>
+      </p:pic>
       <p:cxnSp>
         <p:nvCxnSpPr>
-          <p:cNvPr id="18" name="Connector: Elbow 17">
-            <a:extLst>
-              <a:ext uri="{FF2B5EF4-FFF2-40B4-BE49-F238E27FC236}">
-                <a16:creationId xmlns:a16="http://schemas.microsoft.com/office/drawing/2014/main" id="{12FAC978-B011-46D3-8767-2525F9577985}"/>
+          <p:cNvPr id="22" name="Straight Arrow Connector 21">
+            <a:extLst>
+              <a:ext uri="{FF2B5EF4-FFF2-40B4-BE49-F238E27FC236}">
+                <a16:creationId xmlns:a16="http://schemas.microsoft.com/office/drawing/2014/main" id="{AD7BFB4D-4220-46F1-800F-EBD04DE4F34A}"/>
               </a:ext>
             </a:extLst>
           </p:cNvPr>
           <p:cNvCxnSpPr>
-            <a:cxnSpLocks/>
-            <a:stCxn id="14" idx="1"/>
-            <a:endCxn id="16" idx="1"/>
+            <a:stCxn id="5" idx="0"/>
+            <a:endCxn id="11" idx="2"/>
           </p:cNvCxnSpPr>
           <p:nvPr/>
         </p:nvCxnSpPr>
         <p:spPr>
-          <a:xfrm rot="10800000">
-            <a:off x="1163030" y="6117728"/>
-            <a:ext cx="12700" cy="339243"/>
-          </a:xfrm>
-          <a:prstGeom prst="bentConnector3">
-            <a:avLst>
-              <a:gd name="adj1" fmla="val 1800000"/>
-            </a:avLst>
-          </a:prstGeom>
-          <a:ln>
+          <a:xfrm flipV="1">
+            <a:off x="2474484" y="4134533"/>
+            <a:ext cx="0" cy="612423"/>
+          </a:xfrm>
+          <a:prstGeom prst="straightConnector1">
+            <a:avLst/>
+          </a:prstGeom>
+          <a:ln w="38100">
             <a:solidFill>
-              <a:schemeClr val="accent6">
+              <a:schemeClr val="accent2">
                 <a:lumMod val="75000"/>
               </a:schemeClr>
             </a:solidFill>
@@ -16205,10 +15994,47 @@
       </p:cxnSp>
       <p:sp>
         <p:nvSpPr>
-          <p:cNvPr id="19" name="Rectangle: Rounded Corners 18">
-            <a:extLst>
-              <a:ext uri="{FF2B5EF4-FFF2-40B4-BE49-F238E27FC236}">
-                <a16:creationId xmlns:a16="http://schemas.microsoft.com/office/drawing/2014/main" id="{F3E3B0FF-461A-4A72-A655-89FBF9F89E36}"/>
+          <p:cNvPr id="23" name="TextBox 22">
+            <a:extLst>
+              <a:ext uri="{FF2B5EF4-FFF2-40B4-BE49-F238E27FC236}">
+                <a16:creationId xmlns:a16="http://schemas.microsoft.com/office/drawing/2014/main" id="{247A1EAD-95A6-494C-B328-84FEA230DDEE}"/>
+              </a:ext>
+            </a:extLst>
+          </p:cNvPr>
+          <p:cNvSpPr txBox="1"/>
+          <p:nvPr/>
+        </p:nvSpPr>
+        <p:spPr>
+          <a:xfrm>
+            <a:off x="807491" y="2122716"/>
+            <a:ext cx="1069524" cy="253916"/>
+          </a:xfrm>
+          <a:prstGeom prst="rect">
+            <a:avLst/>
+          </a:prstGeom>
+          <a:noFill/>
+        </p:spPr>
+        <p:txBody>
+          <a:bodyPr wrap="none" rtlCol="0">
+            <a:spAutoFit/>
+          </a:bodyPr>
+          <a:lstStyle/>
+          <a:p>
+            <a:r>
+              <a:rPr lang="en-US" sz="1050" dirty="0">
+                <a:latin typeface="Consolas" panose="020B0609020204030204" pitchFamily="49" charset="0"/>
+              </a:rPr>
+              <a:t>Azure DevOps</a:t>
+            </a:r>
+          </a:p>
+        </p:txBody>
+      </p:sp>
+      <p:sp>
+        <p:nvSpPr>
+          <p:cNvPr id="66" name="Rectangle 65">
+            <a:extLst>
+              <a:ext uri="{FF2B5EF4-FFF2-40B4-BE49-F238E27FC236}">
+                <a16:creationId xmlns:a16="http://schemas.microsoft.com/office/drawing/2014/main" id="{23F391C4-760D-4692-83A1-4FDBC63FB12B}"/>
               </a:ext>
             </a:extLst>
           </p:cNvPr>
@@ -16217,18 +16043,74 @@
         </p:nvSpPr>
         <p:spPr>
           <a:xfrm>
-            <a:off x="1339994" y="3239858"/>
-            <a:ext cx="2268980" cy="303277"/>
-          </a:xfrm>
-          <a:prstGeom prst="roundRect">
-            <a:avLst>
-              <a:gd name="adj" fmla="val 5253"/>
-            </a:avLst>
+            <a:off x="6232303" y="2403773"/>
+            <a:ext cx="3538546" cy="1922324"/>
+          </a:xfrm>
+          <a:prstGeom prst="rect">
+            <a:avLst/>
           </a:prstGeom>
           <a:solidFill>
-            <a:srgbClr val="FFFF00">
-              <a:alpha val="25098"/>
-            </a:srgbClr>
+            <a:schemeClr val="bg1">
+              <a:lumMod val="95000"/>
+            </a:schemeClr>
+          </a:solidFill>
+          <a:ln w="6350" cap="flat" cmpd="sng" algn="ctr">
+            <a:solidFill>
+              <a:schemeClr val="accent3"/>
+            </a:solidFill>
+            <a:prstDash val="dash"/>
+            <a:round/>
+            <a:headEnd type="none" w="med" len="med"/>
+            <a:tailEnd type="none" w="med" len="med"/>
+          </a:ln>
+        </p:spPr>
+        <p:style>
+          <a:lnRef idx="0">
+            <a:scrgbClr r="0" g="0" b="0"/>
+          </a:lnRef>
+          <a:fillRef idx="0">
+            <a:scrgbClr r="0" g="0" b="0"/>
+          </a:fillRef>
+          <a:effectRef idx="0">
+            <a:scrgbClr r="0" g="0" b="0"/>
+          </a:effectRef>
+          <a:fontRef idx="minor">
+            <a:schemeClr val="accent3"/>
+          </a:fontRef>
+        </p:style>
+        <p:txBody>
+          <a:bodyPr rtlCol="0" anchor="ctr"/>
+          <a:lstStyle/>
+          <a:p>
+            <a:pPr algn="ctr"/>
+            <a:endParaRPr lang="en-US"/>
+          </a:p>
+        </p:txBody>
+      </p:sp>
+      <p:sp>
+        <p:nvSpPr>
+          <p:cNvPr id="67" name="TextBox 66">
+            <a:extLst>
+              <a:ext uri="{FF2B5EF4-FFF2-40B4-BE49-F238E27FC236}">
+                <a16:creationId xmlns:a16="http://schemas.microsoft.com/office/drawing/2014/main" id="{495ECE2F-5F60-4BAC-95BB-098BEF899B18}"/>
+              </a:ext>
+            </a:extLst>
+          </p:cNvPr>
+          <p:cNvSpPr txBox="1"/>
+          <p:nvPr/>
+        </p:nvSpPr>
+        <p:spPr>
+          <a:xfrm>
+            <a:off x="6649834" y="4637955"/>
+            <a:ext cx="2973326" cy="1477328"/>
+          </a:xfrm>
+          <a:prstGeom prst="rect">
+            <a:avLst/>
+          </a:prstGeom>
+          <a:solidFill>
+            <a:schemeClr val="accent3">
+              <a:alpha val="50000"/>
+            </a:schemeClr>
           </a:solidFill>
           <a:ln>
             <a:noFill/>
@@ -16249,20 +16131,696 @@
           </a:fontRef>
         </p:style>
         <p:txBody>
-          <a:bodyPr rtlCol="0" anchor="ctr"/>
+          <a:bodyPr wrap="square" rtlCol="0">
+            <a:spAutoFit/>
+          </a:bodyPr>
           <a:lstStyle/>
           <a:p>
-            <a:pPr algn="ctr"/>
-            <a:endParaRPr lang="en-US"/>
-          </a:p>
-        </p:txBody>
-      </p:sp>
-      <p:sp>
-        <p:nvSpPr>
-          <p:cNvPr id="20" name="Rectangle: Rounded Corners 19">
-            <a:extLst>
-              <a:ext uri="{FF2B5EF4-FFF2-40B4-BE49-F238E27FC236}">
-                <a16:creationId xmlns:a16="http://schemas.microsoft.com/office/drawing/2014/main" id="{CF6A6DA2-0425-41E8-8DB0-898402BB4E88}"/>
+            <a:r>
+              <a:rPr lang="en-US" sz="900" b="1" dirty="0">
+                <a:solidFill>
+                  <a:schemeClr val="tx1"/>
+                </a:solidFill>
+                <a:latin typeface="Consolas" panose="020B0609020204030204" pitchFamily="49" charset="0"/>
+              </a:rPr>
+              <a:t>myASAsolution</a:t>
+            </a:r>
+          </a:p>
+          <a:p>
+            <a:r>
+              <a:rPr lang="en-US" sz="900" dirty="0">
+                <a:solidFill>
+                  <a:schemeClr val="tx1"/>
+                </a:solidFill>
+                <a:latin typeface="Consolas" panose="020B0609020204030204" pitchFamily="49" charset="0"/>
+              </a:rPr>
+              <a:t>&gt; </a:t>
+            </a:r>
+            <a:r>
+              <a:rPr lang="en-US" sz="900" b="1" dirty="0">
+                <a:solidFill>
+                  <a:schemeClr val="tx1"/>
+                </a:solidFill>
+                <a:latin typeface="Consolas" panose="020B0609020204030204" pitchFamily="49" charset="0"/>
+              </a:rPr>
+              <a:t>myASAproject</a:t>
+            </a:r>
+          </a:p>
+          <a:p>
+            <a:r>
+              <a:rPr lang="en-US" sz="900" dirty="0">
+                <a:solidFill>
+                  <a:schemeClr val="tx1"/>
+                </a:solidFill>
+                <a:latin typeface="Consolas" panose="020B0609020204030204" pitchFamily="49" charset="0"/>
+              </a:rPr>
+              <a:t>  &gt; </a:t>
+            </a:r>
+            <a:r>
+              <a:rPr lang="en-US" sz="900" b="1" dirty="0">
+                <a:solidFill>
+                  <a:schemeClr val="tx1"/>
+                </a:solidFill>
+                <a:latin typeface="Consolas" panose="020B0609020204030204" pitchFamily="49" charset="0"/>
+              </a:rPr>
+              <a:t>Deploy</a:t>
+            </a:r>
+          </a:p>
+          <a:p>
+            <a:r>
+              <a:rPr lang="en-US" sz="900" b="1" dirty="0">
+                <a:solidFill>
+                  <a:schemeClr val="tx1"/>
+                </a:solidFill>
+                <a:latin typeface="Consolas" panose="020B0609020204030204" pitchFamily="49" charset="0"/>
+              </a:rPr>
+              <a:t>    </a:t>
+            </a:r>
+            <a:r>
+              <a:rPr lang="en-US" sz="900" dirty="0">
+                <a:solidFill>
+                  <a:schemeClr val="tx1"/>
+                </a:solidFill>
+                <a:latin typeface="Consolas" panose="020B0609020204030204" pitchFamily="49" charset="0"/>
+              </a:rPr>
+              <a:t>- my.JobTemplate.json</a:t>
+            </a:r>
+          </a:p>
+          <a:p>
+            <a:r>
+              <a:rPr lang="en-US" sz="900" dirty="0">
+                <a:solidFill>
+                  <a:schemeClr val="tx1"/>
+                </a:solidFill>
+                <a:latin typeface="Consolas" panose="020B0609020204030204" pitchFamily="49" charset="0"/>
+              </a:rPr>
+              <a:t>    - my.JobTemplate.parameters.json</a:t>
+            </a:r>
+          </a:p>
+          <a:p>
+            <a:r>
+              <a:rPr lang="en-US" sz="900" dirty="0">
+                <a:solidFill>
+                  <a:schemeClr val="tx1"/>
+                </a:solidFill>
+                <a:latin typeface="Consolas" panose="020B0609020204030204" pitchFamily="49" charset="0"/>
+              </a:rPr>
+              <a:t>  &gt; </a:t>
+            </a:r>
+            <a:r>
+              <a:rPr lang="en-US" sz="900" b="1" dirty="0" err="1">
+                <a:solidFill>
+                  <a:schemeClr val="tx1"/>
+                </a:solidFill>
+                <a:latin typeface="Consolas" panose="020B0609020204030204" pitchFamily="49" charset="0"/>
+              </a:rPr>
+              <a:t>LocalRunOutputs</a:t>
+            </a:r>
+            <a:r>
+              <a:rPr lang="en-US" sz="900" b="1" dirty="0">
+                <a:solidFill>
+                  <a:schemeClr val="tx1"/>
+                </a:solidFill>
+                <a:latin typeface="Consolas" panose="020B0609020204030204" pitchFamily="49" charset="0"/>
+              </a:rPr>
+              <a:t> </a:t>
+            </a:r>
+            <a:r>
+              <a:rPr lang="en-US" sz="600" i="1" dirty="0">
+                <a:solidFill>
+                  <a:schemeClr val="tx1"/>
+                </a:solidFill>
+                <a:latin typeface="Consolas" panose="020B0609020204030204" pitchFamily="49" charset="0"/>
+              </a:rPr>
+              <a:t>(</a:t>
+            </a:r>
+            <a:r>
+              <a:rPr lang="en-US" sz="600" i="1" dirty="0" err="1">
+                <a:solidFill>
+                  <a:schemeClr val="tx1"/>
+                </a:solidFill>
+                <a:latin typeface="Consolas" panose="020B0609020204030204" pitchFamily="49" charset="0"/>
+              </a:rPr>
+              <a:t>gitignored</a:t>
+            </a:r>
+            <a:r>
+              <a:rPr lang="en-US" sz="600" i="1" dirty="0">
+                <a:solidFill>
+                  <a:schemeClr val="tx1"/>
+                </a:solidFill>
+                <a:latin typeface="Consolas" panose="020B0609020204030204" pitchFamily="49" charset="0"/>
+              </a:rPr>
+              <a:t>)</a:t>
+            </a:r>
+            <a:endParaRPr lang="en-US" sz="900" i="1" dirty="0">
+              <a:solidFill>
+                <a:schemeClr val="tx1"/>
+              </a:solidFill>
+              <a:latin typeface="Consolas" panose="020B0609020204030204" pitchFamily="49" charset="0"/>
+            </a:endParaRPr>
+          </a:p>
+          <a:p>
+            <a:r>
+              <a:rPr lang="en-US" sz="900" dirty="0">
+                <a:solidFill>
+                  <a:schemeClr val="tx1"/>
+                </a:solidFill>
+                <a:latin typeface="Consolas" panose="020B0609020204030204" pitchFamily="49" charset="0"/>
+              </a:rPr>
+              <a:t>  &gt; </a:t>
+            </a:r>
+            <a:r>
+              <a:rPr lang="en-US" sz="900" b="1" dirty="0">
+                <a:solidFill>
+                  <a:schemeClr val="tx1"/>
+                </a:solidFill>
+                <a:latin typeface="Consolas" panose="020B0609020204030204" pitchFamily="49" charset="0"/>
+              </a:rPr>
+              <a:t>Inputs/Outputs</a:t>
+            </a:r>
+            <a:r>
+              <a:rPr lang="en-US" sz="900" dirty="0">
+                <a:solidFill>
+                  <a:schemeClr val="tx1"/>
+                </a:solidFill>
+                <a:latin typeface="Consolas" panose="020B0609020204030204" pitchFamily="49" charset="0"/>
+              </a:rPr>
+              <a:t> </a:t>
+            </a:r>
+          </a:p>
+          <a:p>
+            <a:r>
+              <a:rPr lang="en-US" sz="900" dirty="0">
+                <a:solidFill>
+                  <a:schemeClr val="tx1"/>
+                </a:solidFill>
+                <a:latin typeface="Consolas" panose="020B0609020204030204" pitchFamily="49" charset="0"/>
+              </a:rPr>
+              <a:t>  - asaproj.json</a:t>
+            </a:r>
+          </a:p>
+          <a:p>
+            <a:r>
+              <a:rPr lang="en-US" sz="900" dirty="0">
+                <a:solidFill>
+                  <a:schemeClr val="tx1"/>
+                </a:solidFill>
+                <a:latin typeface="Consolas" panose="020B0609020204030204" pitchFamily="49" charset="0"/>
+              </a:rPr>
+              <a:t>  - JobConfig.json</a:t>
+            </a:r>
+          </a:p>
+          <a:p>
+            <a:r>
+              <a:rPr lang="en-US" sz="900" dirty="0">
+                <a:solidFill>
+                  <a:schemeClr val="tx1"/>
+                </a:solidFill>
+                <a:latin typeface="Consolas" panose="020B0609020204030204" pitchFamily="49" charset="0"/>
+              </a:rPr>
+              <a:t>  - myASAproject.asaql</a:t>
+            </a:r>
+          </a:p>
+        </p:txBody>
+      </p:sp>
+      <p:pic>
+        <p:nvPicPr>
+          <p:cNvPr id="68" name="Graphic 67">
+            <a:extLst>
+              <a:ext uri="{FF2B5EF4-FFF2-40B4-BE49-F238E27FC236}">
+                <a16:creationId xmlns:a16="http://schemas.microsoft.com/office/drawing/2014/main" id="{B70B7EC6-5829-4433-A5FF-A1AB708698F9}"/>
+              </a:ext>
+            </a:extLst>
+          </p:cNvPr>
+          <p:cNvPicPr>
+            <a:picLocks noChangeAspect="1"/>
+          </p:cNvPicPr>
+          <p:nvPr/>
+        </p:nvPicPr>
+        <p:blipFill>
+          <a:blip r:embed="rId2">
+            <a:extLst>
+              <a:ext uri="{28A0092B-C50C-407E-A947-70E740481C1C}">
+                <a14:useLocalDpi xmlns:a14="http://schemas.microsoft.com/office/drawing/2010/main" val="0"/>
+              </a:ext>
+              <a:ext uri="{96DAC541-7B7A-43D3-8B79-37D633B846F1}">
+                <asvg:svgBlip xmlns:asvg="http://schemas.microsoft.com/office/drawing/2016/SVG/main" r:embed="rId3"/>
+              </a:ext>
+            </a:extLst>
+          </a:blip>
+          <a:stretch>
+            <a:fillRect/>
+          </a:stretch>
+        </p:blipFill>
+        <p:spPr>
+          <a:xfrm>
+            <a:off x="6335408" y="2559719"/>
+            <a:ext cx="274320" cy="274320"/>
+          </a:xfrm>
+          <a:prstGeom prst="rect">
+            <a:avLst/>
+          </a:prstGeom>
+        </p:spPr>
+      </p:pic>
+      <p:pic>
+        <p:nvPicPr>
+          <p:cNvPr id="69" name="Picture 68">
+            <a:extLst>
+              <a:ext uri="{FF2B5EF4-FFF2-40B4-BE49-F238E27FC236}">
+                <a16:creationId xmlns:a16="http://schemas.microsoft.com/office/drawing/2014/main" id="{7465EBA8-881C-43FD-B2CE-18CC47BA8D64}"/>
+              </a:ext>
+            </a:extLst>
+          </p:cNvPr>
+          <p:cNvPicPr>
+            <a:picLocks noChangeAspect="1"/>
+          </p:cNvPicPr>
+          <p:nvPr/>
+        </p:nvPicPr>
+        <p:blipFill>
+          <a:blip r:embed="rId4">
+            <a:extLst>
+              <a:ext uri="{28A0092B-C50C-407E-A947-70E740481C1C}">
+                <a14:useLocalDpi xmlns:a14="http://schemas.microsoft.com/office/drawing/2010/main" val="0"/>
+              </a:ext>
+            </a:extLst>
+          </a:blip>
+          <a:stretch>
+            <a:fillRect/>
+          </a:stretch>
+        </p:blipFill>
+        <p:spPr>
+          <a:xfrm>
+            <a:off x="6335408" y="5097142"/>
+            <a:ext cx="230284" cy="230284"/>
+          </a:xfrm>
+          <a:prstGeom prst="rect">
+            <a:avLst/>
+          </a:prstGeom>
+        </p:spPr>
+      </p:pic>
+      <p:pic>
+        <p:nvPicPr>
+          <p:cNvPr id="70" name="Graphic 69">
+            <a:extLst>
+              <a:ext uri="{FF2B5EF4-FFF2-40B4-BE49-F238E27FC236}">
+                <a16:creationId xmlns:a16="http://schemas.microsoft.com/office/drawing/2014/main" id="{0F64920C-F29C-4859-8FDB-D27C864FDE6B}"/>
+              </a:ext>
+            </a:extLst>
+          </p:cNvPr>
+          <p:cNvPicPr>
+            <a:picLocks noChangeAspect="1"/>
+          </p:cNvPicPr>
+          <p:nvPr/>
+        </p:nvPicPr>
+        <p:blipFill rotWithShape="1">
+          <a:blip r:embed="rId5">
+            <a:extLst>
+              <a:ext uri="{28A0092B-C50C-407E-A947-70E740481C1C}">
+                <a14:useLocalDpi xmlns:a14="http://schemas.microsoft.com/office/drawing/2010/main" val="0"/>
+              </a:ext>
+              <a:ext uri="{96DAC541-7B7A-43D3-8B79-37D633B846F1}">
+                <asvg:svgBlip xmlns:asvg="http://schemas.microsoft.com/office/drawing/2016/SVG/main" r:embed="rId6"/>
+              </a:ext>
+            </a:extLst>
+          </a:blip>
+          <a:srcRect l="20041" t="24030" r="18471" b="22320"/>
+          <a:stretch/>
+        </p:blipFill>
+        <p:spPr>
+          <a:xfrm>
+            <a:off x="5996629" y="4641460"/>
+            <a:ext cx="678116" cy="457200"/>
+          </a:xfrm>
+          <a:prstGeom prst="rect">
+            <a:avLst/>
+          </a:prstGeom>
+        </p:spPr>
+      </p:pic>
+      <p:pic>
+        <p:nvPicPr>
+          <p:cNvPr id="72" name="Graphic 71">
+            <a:extLst>
+              <a:ext uri="{FF2B5EF4-FFF2-40B4-BE49-F238E27FC236}">
+                <a16:creationId xmlns:a16="http://schemas.microsoft.com/office/drawing/2014/main" id="{ECE86F1A-FE95-405C-B1EB-954224F6AE94}"/>
+              </a:ext>
+            </a:extLst>
+          </p:cNvPr>
+          <p:cNvPicPr>
+            <a:picLocks noChangeAspect="1"/>
+          </p:cNvPicPr>
+          <p:nvPr/>
+        </p:nvPicPr>
+        <p:blipFill>
+          <a:blip r:embed="rId7">
+            <a:extLst>
+              <a:ext uri="{28A0092B-C50C-407E-A947-70E740481C1C}">
+                <a14:useLocalDpi xmlns:a14="http://schemas.microsoft.com/office/drawing/2010/main" val="0"/>
+              </a:ext>
+              <a:ext uri="{96DAC541-7B7A-43D3-8B79-37D633B846F1}">
+                <asvg:svgBlip xmlns:asvg="http://schemas.microsoft.com/office/drawing/2016/SVG/main" r:embed="rId8"/>
+              </a:ext>
+            </a:extLst>
+          </a:blip>
+          <a:stretch>
+            <a:fillRect/>
+          </a:stretch>
+        </p:blipFill>
+        <p:spPr>
+          <a:xfrm>
+            <a:off x="6008674" y="5072363"/>
+            <a:ext cx="274320" cy="274320"/>
+          </a:xfrm>
+          <a:prstGeom prst="rect">
+            <a:avLst/>
+          </a:prstGeom>
+        </p:spPr>
+      </p:pic>
+      <p:sp>
+        <p:nvSpPr>
+          <p:cNvPr id="73" name="TextBox 72">
+            <a:extLst>
+              <a:ext uri="{FF2B5EF4-FFF2-40B4-BE49-F238E27FC236}">
+                <a16:creationId xmlns:a16="http://schemas.microsoft.com/office/drawing/2014/main" id="{74A9E9E7-B2AB-44C8-BA6B-924A498EE743}"/>
+              </a:ext>
+            </a:extLst>
+          </p:cNvPr>
+          <p:cNvSpPr txBox="1"/>
+          <p:nvPr/>
+        </p:nvSpPr>
+        <p:spPr>
+          <a:xfrm>
+            <a:off x="6649834" y="2548204"/>
+            <a:ext cx="2973326" cy="1477328"/>
+          </a:xfrm>
+          <a:prstGeom prst="rect">
+            <a:avLst/>
+          </a:prstGeom>
+          <a:solidFill>
+            <a:schemeClr val="accent2">
+              <a:alpha val="50000"/>
+            </a:schemeClr>
+          </a:solidFill>
+          <a:ln>
+            <a:noFill/>
+          </a:ln>
+        </p:spPr>
+        <p:style>
+          <a:lnRef idx="0">
+            <a:scrgbClr r="0" g="0" b="0"/>
+          </a:lnRef>
+          <a:fillRef idx="0">
+            <a:scrgbClr r="0" g="0" b="0"/>
+          </a:fillRef>
+          <a:effectRef idx="0">
+            <a:scrgbClr r="0" g="0" b="0"/>
+          </a:effectRef>
+          <a:fontRef idx="minor">
+            <a:schemeClr val="lt1"/>
+          </a:fontRef>
+        </p:style>
+        <p:txBody>
+          <a:bodyPr wrap="square" rtlCol="0">
+            <a:spAutoFit/>
+          </a:bodyPr>
+          <a:lstStyle>
+            <a:defPPr>
+              <a:defRPr lang="en-US"/>
+            </a:defPPr>
+            <a:lvl1pPr>
+              <a:defRPr sz="900" b="1">
+                <a:latin typeface="Consolas" panose="020B0609020204030204" pitchFamily="49" charset="0"/>
+              </a:defRPr>
+            </a:lvl1pPr>
+            <a:lvl2pPr>
+              <a:defRPr>
+                <a:solidFill>
+                  <a:schemeClr val="lt1"/>
+                </a:solidFill>
+              </a:defRPr>
+            </a:lvl2pPr>
+            <a:lvl3pPr>
+              <a:defRPr>
+                <a:solidFill>
+                  <a:schemeClr val="lt1"/>
+                </a:solidFill>
+              </a:defRPr>
+            </a:lvl3pPr>
+            <a:lvl4pPr>
+              <a:defRPr>
+                <a:solidFill>
+                  <a:schemeClr val="lt1"/>
+                </a:solidFill>
+              </a:defRPr>
+            </a:lvl4pPr>
+            <a:lvl5pPr>
+              <a:defRPr>
+                <a:solidFill>
+                  <a:schemeClr val="lt1"/>
+                </a:solidFill>
+              </a:defRPr>
+            </a:lvl5pPr>
+            <a:lvl6pPr>
+              <a:defRPr>
+                <a:solidFill>
+                  <a:schemeClr val="lt1"/>
+                </a:solidFill>
+              </a:defRPr>
+            </a:lvl6pPr>
+            <a:lvl7pPr>
+              <a:defRPr>
+                <a:solidFill>
+                  <a:schemeClr val="lt1"/>
+                </a:solidFill>
+              </a:defRPr>
+            </a:lvl7pPr>
+            <a:lvl8pPr>
+              <a:defRPr>
+                <a:solidFill>
+                  <a:schemeClr val="lt1"/>
+                </a:solidFill>
+              </a:defRPr>
+            </a:lvl8pPr>
+            <a:lvl9pPr>
+              <a:defRPr>
+                <a:solidFill>
+                  <a:schemeClr val="lt1"/>
+                </a:solidFill>
+              </a:defRPr>
+            </a:lvl9pPr>
+          </a:lstStyle>
+          <a:p>
+            <a:r>
+              <a:rPr lang="en-US" dirty="0">
+                <a:solidFill>
+                  <a:schemeClr val="tx1"/>
+                </a:solidFill>
+              </a:rPr>
+              <a:t>Repo</a:t>
+            </a:r>
+          </a:p>
+          <a:p>
+            <a:r>
+              <a:rPr lang="en-US" dirty="0">
+                <a:solidFill>
+                  <a:schemeClr val="tx1"/>
+                </a:solidFill>
+              </a:rPr>
+              <a:t>&gt; myASAproject</a:t>
+            </a:r>
+          </a:p>
+          <a:p>
+            <a:r>
+              <a:rPr lang="en-US" dirty="0">
+                <a:solidFill>
+                  <a:schemeClr val="tx1"/>
+                </a:solidFill>
+              </a:rPr>
+              <a:t>  &gt; Deploy</a:t>
+            </a:r>
+            <a:endParaRPr lang="en-US" b="0" dirty="0">
+              <a:solidFill>
+                <a:schemeClr val="tx1"/>
+              </a:solidFill>
+            </a:endParaRPr>
+          </a:p>
+          <a:p>
+            <a:r>
+              <a:rPr lang="en-US" b="0" dirty="0">
+                <a:solidFill>
+                  <a:schemeClr val="tx1"/>
+                </a:solidFill>
+              </a:rPr>
+              <a:t>    - my.JobTemplate.json</a:t>
+            </a:r>
+          </a:p>
+          <a:p>
+            <a:r>
+              <a:rPr lang="en-US" b="0" dirty="0">
+                <a:solidFill>
+                  <a:schemeClr val="tx1"/>
+                </a:solidFill>
+              </a:rPr>
+              <a:t>    - my.JobTemplate.parameters.json</a:t>
+            </a:r>
+          </a:p>
+          <a:p>
+            <a:r>
+              <a:rPr lang="en-US" dirty="0">
+                <a:solidFill>
+                  <a:schemeClr val="bg1">
+                    <a:lumMod val="65000"/>
+                  </a:schemeClr>
+                </a:solidFill>
+              </a:rPr>
+              <a:t>  &gt; Inputs/Outputs </a:t>
+            </a:r>
+          </a:p>
+          <a:p>
+            <a:r>
+              <a:rPr lang="en-US" b="0" dirty="0">
+                <a:solidFill>
+                  <a:schemeClr val="bg1">
+                    <a:lumMod val="65000"/>
+                  </a:schemeClr>
+                </a:solidFill>
+              </a:rPr>
+              <a:t>  - asaproj.json</a:t>
+            </a:r>
+          </a:p>
+          <a:p>
+            <a:r>
+              <a:rPr lang="en-US" b="0" dirty="0">
+                <a:solidFill>
+                  <a:schemeClr val="bg1">
+                    <a:lumMod val="65000"/>
+                  </a:schemeClr>
+                </a:solidFill>
+              </a:rPr>
+              <a:t>  - JobConfig.json</a:t>
+            </a:r>
+          </a:p>
+          <a:p>
+            <a:r>
+              <a:rPr lang="en-US" b="0" dirty="0">
+                <a:solidFill>
+                  <a:schemeClr val="bg1">
+                    <a:lumMod val="65000"/>
+                  </a:schemeClr>
+                </a:solidFill>
+              </a:rPr>
+              <a:t>  - myASAproject.asaql</a:t>
+            </a:r>
+          </a:p>
+          <a:p>
+            <a:endParaRPr lang="en-US" dirty="0">
+              <a:solidFill>
+                <a:schemeClr val="tx1"/>
+              </a:solidFill>
+            </a:endParaRPr>
+          </a:p>
+        </p:txBody>
+      </p:sp>
+      <p:sp>
+        <p:nvSpPr>
+          <p:cNvPr id="74" name="TextBox 73">
+            <a:extLst>
+              <a:ext uri="{FF2B5EF4-FFF2-40B4-BE49-F238E27FC236}">
+                <a16:creationId xmlns:a16="http://schemas.microsoft.com/office/drawing/2014/main" id="{B112472A-F562-46A0-A280-E0AF620010D6}"/>
+              </a:ext>
+            </a:extLst>
+          </p:cNvPr>
+          <p:cNvSpPr txBox="1"/>
+          <p:nvPr/>
+        </p:nvSpPr>
+        <p:spPr>
+          <a:xfrm>
+            <a:off x="8148885" y="4394528"/>
+            <a:ext cx="1290738" cy="253916"/>
+          </a:xfrm>
+          <a:prstGeom prst="rect">
+            <a:avLst/>
+          </a:prstGeom>
+          <a:noFill/>
+        </p:spPr>
+        <p:txBody>
+          <a:bodyPr wrap="none" rtlCol="0">
+            <a:spAutoFit/>
+          </a:bodyPr>
+          <a:lstStyle/>
+          <a:p>
+            <a:r>
+              <a:rPr lang="en-US" sz="1050" dirty="0">
+                <a:latin typeface="Consolas" panose="020B0609020204030204" pitchFamily="49" charset="0"/>
+              </a:rPr>
+              <a:t>Git Commit/Push</a:t>
+            </a:r>
+          </a:p>
+        </p:txBody>
+      </p:sp>
+      <p:sp>
+        <p:nvSpPr>
+          <p:cNvPr id="75" name="TextBox 74">
+            <a:extLst>
+              <a:ext uri="{FF2B5EF4-FFF2-40B4-BE49-F238E27FC236}">
+                <a16:creationId xmlns:a16="http://schemas.microsoft.com/office/drawing/2014/main" id="{EAA582FE-F20F-421F-8B14-BAEA99E5E6D1}"/>
+              </a:ext>
+            </a:extLst>
+          </p:cNvPr>
+          <p:cNvSpPr txBox="1"/>
+          <p:nvPr/>
+        </p:nvSpPr>
+        <p:spPr>
+          <a:xfrm>
+            <a:off x="5677701" y="5567708"/>
+            <a:ext cx="930062" cy="307777"/>
+          </a:xfrm>
+          <a:prstGeom prst="rect">
+            <a:avLst/>
+          </a:prstGeom>
+          <a:noFill/>
+        </p:spPr>
+        <p:txBody>
+          <a:bodyPr wrap="none" rtlCol="0">
+            <a:spAutoFit/>
+          </a:bodyPr>
+          <a:lstStyle>
+            <a:defPPr>
+              <a:defRPr lang="en-US"/>
+            </a:defPPr>
+            <a:lvl1pPr>
+              <a:defRPr sz="500">
+                <a:latin typeface="Consolas" panose="020B0609020204030204" pitchFamily="49" charset="0"/>
+              </a:defRPr>
+            </a:lvl1pPr>
+          </a:lstStyle>
+          <a:p>
+            <a:pPr algn="r"/>
+            <a:r>
+              <a:rPr lang="en-US" sz="700" b="1" dirty="0">
+                <a:solidFill>
+                  <a:schemeClr val="accent6">
+                    <a:lumMod val="50000"/>
+                  </a:schemeClr>
+                </a:solidFill>
+              </a:rPr>
+              <a:t>ASA</a:t>
+            </a:r>
+          </a:p>
+          <a:p>
+            <a:pPr algn="r"/>
+            <a:r>
+              <a:rPr lang="en-US" sz="700" dirty="0"/>
+              <a:t>Start Local Run</a:t>
+            </a:r>
+          </a:p>
+        </p:txBody>
+      </p:sp>
+      <p:sp>
+        <p:nvSpPr>
+          <p:cNvPr id="76" name="Rectangle: Rounded Corners 75">
+            <a:extLst>
+              <a:ext uri="{FF2B5EF4-FFF2-40B4-BE49-F238E27FC236}">
+                <a16:creationId xmlns:a16="http://schemas.microsoft.com/office/drawing/2014/main" id="{4C0E1456-59F7-46DA-94CD-4E0A40D401AE}"/>
               </a:ext>
             </a:extLst>
           </p:cNvPr>
@@ -16271,8 +16829,8 @@
         </p:nvSpPr>
         <p:spPr>
           <a:xfrm>
-            <a:off x="1179378" y="5078688"/>
-            <a:ext cx="2727682" cy="424368"/>
+            <a:off x="6827598" y="5647946"/>
+            <a:ext cx="2727682" cy="437838"/>
           </a:xfrm>
           <a:prstGeom prst="roundRect">
             <a:avLst>
@@ -16311,71 +16869,143 @@
           </a:p>
         </p:txBody>
       </p:sp>
-      <p:pic>
-        <p:nvPicPr>
-          <p:cNvPr id="21" name="Graphic 20">
-            <a:extLst>
-              <a:ext uri="{FF2B5EF4-FFF2-40B4-BE49-F238E27FC236}">
-                <a16:creationId xmlns:a16="http://schemas.microsoft.com/office/drawing/2014/main" id="{9C0D0C73-BF1F-4884-8FBE-53CA215A1D9F}"/>
-              </a:ext>
-            </a:extLst>
-          </p:cNvPr>
-          <p:cNvPicPr>
-            <a:picLocks noChangeAspect="1"/>
-          </p:cNvPicPr>
-          <p:nvPr/>
-        </p:nvPicPr>
-        <p:blipFill>
-          <a:blip r:embed="rId9">
-            <a:extLst>
-              <a:ext uri="{28A0092B-C50C-407E-A947-70E740481C1C}">
-                <a14:useLocalDpi xmlns:a14="http://schemas.microsoft.com/office/drawing/2010/main" val="0"/>
-              </a:ext>
-              <a:ext uri="{96DAC541-7B7A-43D3-8B79-37D633B846F1}">
-                <asvg:svgBlip xmlns:asvg="http://schemas.microsoft.com/office/drawing/2016/SVG/main" r:embed="rId10"/>
-              </a:ext>
-            </a:extLst>
-          </a:blip>
-          <a:stretch>
-            <a:fillRect/>
-          </a:stretch>
-        </p:blipFill>
-        <p:spPr>
-          <a:xfrm>
-            <a:off x="570290" y="2025131"/>
-            <a:ext cx="274320" cy="274320"/>
-          </a:xfrm>
-          <a:prstGeom prst="rect">
-            <a:avLst/>
-          </a:prstGeom>
-        </p:spPr>
-      </p:pic>
+      <p:sp>
+        <p:nvSpPr>
+          <p:cNvPr id="77" name="Rectangle: Rounded Corners 76">
+            <a:extLst>
+              <a:ext uri="{FF2B5EF4-FFF2-40B4-BE49-F238E27FC236}">
+                <a16:creationId xmlns:a16="http://schemas.microsoft.com/office/drawing/2014/main" id="{E32FA01E-909D-43D6-B799-26264F7217C6}"/>
+              </a:ext>
+            </a:extLst>
+          </p:cNvPr>
+          <p:cNvSpPr/>
+          <p:nvPr/>
+        </p:nvSpPr>
+        <p:spPr>
+          <a:xfrm>
+            <a:off x="6806303" y="5100992"/>
+            <a:ext cx="2727682" cy="263818"/>
+          </a:xfrm>
+          <a:prstGeom prst="roundRect">
+            <a:avLst>
+              <a:gd name="adj" fmla="val 5253"/>
+            </a:avLst>
+          </a:prstGeom>
+          <a:solidFill>
+            <a:srgbClr val="5B9BD5">
+              <a:alpha val="25098"/>
+            </a:srgbClr>
+          </a:solidFill>
+          <a:ln>
+            <a:noFill/>
+          </a:ln>
+        </p:spPr>
+        <p:style>
+          <a:lnRef idx="0">
+            <a:scrgbClr r="0" g="0" b="0"/>
+          </a:lnRef>
+          <a:fillRef idx="0">
+            <a:scrgbClr r="0" g="0" b="0"/>
+          </a:fillRef>
+          <a:effectRef idx="0">
+            <a:scrgbClr r="0" g="0" b="0"/>
+          </a:effectRef>
+          <a:fontRef idx="minor">
+            <a:schemeClr val="lt1"/>
+          </a:fontRef>
+        </p:style>
+        <p:txBody>
+          <a:bodyPr rtlCol="0" anchor="ctr"/>
+          <a:lstStyle/>
+          <a:p>
+            <a:pPr algn="ctr"/>
+            <a:endParaRPr lang="en-US"/>
+          </a:p>
+        </p:txBody>
+      </p:sp>
+      <p:sp>
+        <p:nvSpPr>
+          <p:cNvPr id="78" name="Rectangle: Rounded Corners 77">
+            <a:extLst>
+              <a:ext uri="{FF2B5EF4-FFF2-40B4-BE49-F238E27FC236}">
+                <a16:creationId xmlns:a16="http://schemas.microsoft.com/office/drawing/2014/main" id="{6B0CF9D3-E69C-4086-988F-6D0EE91077B2}"/>
+              </a:ext>
+            </a:extLst>
+          </p:cNvPr>
+          <p:cNvSpPr/>
+          <p:nvPr/>
+        </p:nvSpPr>
+        <p:spPr>
+          <a:xfrm>
+            <a:off x="6806303" y="5377836"/>
+            <a:ext cx="2727682" cy="142039"/>
+          </a:xfrm>
+          <a:prstGeom prst="roundRect">
+            <a:avLst>
+              <a:gd name="adj" fmla="val 5253"/>
+            </a:avLst>
+          </a:prstGeom>
+          <a:solidFill>
+            <a:srgbClr val="92D050">
+              <a:alpha val="25098"/>
+            </a:srgbClr>
+          </a:solidFill>
+          <a:ln>
+            <a:noFill/>
+          </a:ln>
+        </p:spPr>
+        <p:style>
+          <a:lnRef idx="0">
+            <a:scrgbClr r="0" g="0" b="0"/>
+          </a:lnRef>
+          <a:fillRef idx="0">
+            <a:scrgbClr r="0" g="0" b="0"/>
+          </a:fillRef>
+          <a:effectRef idx="0">
+            <a:scrgbClr r="0" g="0" b="0"/>
+          </a:effectRef>
+          <a:fontRef idx="minor">
+            <a:schemeClr val="lt1"/>
+          </a:fontRef>
+        </p:style>
+        <p:txBody>
+          <a:bodyPr rtlCol="0" anchor="ctr"/>
+          <a:lstStyle/>
+          <a:p>
+            <a:pPr algn="ctr"/>
+            <a:endParaRPr lang="en-US"/>
+          </a:p>
+        </p:txBody>
+      </p:sp>
       <p:cxnSp>
         <p:nvCxnSpPr>
-          <p:cNvPr id="22" name="Straight Arrow Connector 21">
-            <a:extLst>
-              <a:ext uri="{FF2B5EF4-FFF2-40B4-BE49-F238E27FC236}">
-                <a16:creationId xmlns:a16="http://schemas.microsoft.com/office/drawing/2014/main" id="{AD7BFB4D-4220-46F1-800F-EBD04DE4F34A}"/>
+          <p:cNvPr id="80" name="Connector: Elbow 79">
+            <a:extLst>
+              <a:ext uri="{FF2B5EF4-FFF2-40B4-BE49-F238E27FC236}">
+                <a16:creationId xmlns:a16="http://schemas.microsoft.com/office/drawing/2014/main" id="{9B3C9C42-7ADC-4258-93D2-22F8F7688711}"/>
               </a:ext>
             </a:extLst>
           </p:cNvPr>
           <p:cNvCxnSpPr>
-            <a:stCxn id="5" idx="0"/>
-            <a:endCxn id="11" idx="2"/>
+            <a:cxnSpLocks/>
+            <a:stCxn id="76" idx="1"/>
+            <a:endCxn id="78" idx="1"/>
           </p:cNvCxnSpPr>
           <p:nvPr/>
         </p:nvCxnSpPr>
         <p:spPr>
-          <a:xfrm flipV="1">
-            <a:off x="2474484" y="4273032"/>
-            <a:ext cx="0" cy="473924"/>
-          </a:xfrm>
-          <a:prstGeom prst="straightConnector1">
-            <a:avLst/>
-          </a:prstGeom>
-          <a:ln w="38100">
+          <a:xfrm rot="10800000">
+            <a:off x="6806304" y="5448857"/>
+            <a:ext cx="21295" cy="418009"/>
+          </a:xfrm>
+          <a:prstGeom prst="bentConnector3">
+            <a:avLst>
+              <a:gd name="adj1" fmla="val 1173491"/>
+            </a:avLst>
+          </a:prstGeom>
+          <a:ln>
             <a:solidFill>
-              <a:schemeClr val="accent2">
+              <a:schemeClr val="accent6">
                 <a:lumMod val="75000"/>
               </a:schemeClr>
             </a:solidFill>
@@ -16399,10 +17029,150 @@
       </p:cxnSp>
       <p:sp>
         <p:nvSpPr>
-          <p:cNvPr id="23" name="TextBox 22">
-            <a:extLst>
-              <a:ext uri="{FF2B5EF4-FFF2-40B4-BE49-F238E27FC236}">
-                <a16:creationId xmlns:a16="http://schemas.microsoft.com/office/drawing/2014/main" id="{247A1EAD-95A6-494C-B328-84FEA230DDEE}"/>
+          <p:cNvPr id="81" name="Rectangle: Rounded Corners 80">
+            <a:extLst>
+              <a:ext uri="{FF2B5EF4-FFF2-40B4-BE49-F238E27FC236}">
+                <a16:creationId xmlns:a16="http://schemas.microsoft.com/office/drawing/2014/main" id="{AF5B92B3-58A4-41AC-9748-9AEB4CAFBEFD}"/>
+              </a:ext>
+            </a:extLst>
+          </p:cNvPr>
+          <p:cNvSpPr/>
+          <p:nvPr/>
+        </p:nvSpPr>
+        <p:spPr>
+          <a:xfrm>
+            <a:off x="7002007" y="2994274"/>
+            <a:ext cx="2268980" cy="303277"/>
+          </a:xfrm>
+          <a:prstGeom prst="roundRect">
+            <a:avLst>
+              <a:gd name="adj" fmla="val 5253"/>
+            </a:avLst>
+          </a:prstGeom>
+          <a:solidFill>
+            <a:srgbClr val="FFFF00">
+              <a:alpha val="25098"/>
+            </a:srgbClr>
+          </a:solidFill>
+          <a:ln>
+            <a:noFill/>
+          </a:ln>
+        </p:spPr>
+        <p:style>
+          <a:lnRef idx="0">
+            <a:scrgbClr r="0" g="0" b="0"/>
+          </a:lnRef>
+          <a:fillRef idx="0">
+            <a:scrgbClr r="0" g="0" b="0"/>
+          </a:fillRef>
+          <a:effectRef idx="0">
+            <a:scrgbClr r="0" g="0" b="0"/>
+          </a:effectRef>
+          <a:fontRef idx="minor">
+            <a:schemeClr val="lt1"/>
+          </a:fontRef>
+        </p:style>
+        <p:txBody>
+          <a:bodyPr rtlCol="0" anchor="ctr"/>
+          <a:lstStyle/>
+          <a:p>
+            <a:pPr algn="ctr"/>
+            <a:endParaRPr lang="en-US"/>
+          </a:p>
+        </p:txBody>
+      </p:sp>
+      <p:pic>
+        <p:nvPicPr>
+          <p:cNvPr id="83" name="Graphic 82">
+            <a:extLst>
+              <a:ext uri="{FF2B5EF4-FFF2-40B4-BE49-F238E27FC236}">
+                <a16:creationId xmlns:a16="http://schemas.microsoft.com/office/drawing/2014/main" id="{DE133234-F14C-43D6-B24A-151E6376480E}"/>
+              </a:ext>
+            </a:extLst>
+          </p:cNvPr>
+          <p:cNvPicPr>
+            <a:picLocks noChangeAspect="1"/>
+          </p:cNvPicPr>
+          <p:nvPr/>
+        </p:nvPicPr>
+        <p:blipFill>
+          <a:blip r:embed="rId9">
+            <a:extLst>
+              <a:ext uri="{28A0092B-C50C-407E-A947-70E740481C1C}">
+                <a14:useLocalDpi xmlns:a14="http://schemas.microsoft.com/office/drawing/2010/main" val="0"/>
+              </a:ext>
+              <a:ext uri="{96DAC541-7B7A-43D3-8B79-37D633B846F1}">
+                <asvg:svgBlip xmlns:asvg="http://schemas.microsoft.com/office/drawing/2016/SVG/main" r:embed="rId10"/>
+              </a:ext>
+            </a:extLst>
+          </a:blip>
+          <a:stretch>
+            <a:fillRect/>
+          </a:stretch>
+        </p:blipFill>
+        <p:spPr>
+          <a:xfrm>
+            <a:off x="6230044" y="2091915"/>
+            <a:ext cx="274320" cy="274320"/>
+          </a:xfrm>
+          <a:prstGeom prst="rect">
+            <a:avLst/>
+          </a:prstGeom>
+        </p:spPr>
+      </p:pic>
+      <p:cxnSp>
+        <p:nvCxnSpPr>
+          <p:cNvPr id="84" name="Straight Arrow Connector 83">
+            <a:extLst>
+              <a:ext uri="{FF2B5EF4-FFF2-40B4-BE49-F238E27FC236}">
+                <a16:creationId xmlns:a16="http://schemas.microsoft.com/office/drawing/2014/main" id="{B341B53F-C5D3-42AF-B832-641ED64FD1D8}"/>
+              </a:ext>
+            </a:extLst>
+          </p:cNvPr>
+          <p:cNvCxnSpPr>
+            <a:stCxn id="67" idx="0"/>
+            <a:endCxn id="73" idx="2"/>
+          </p:cNvCxnSpPr>
+          <p:nvPr/>
+        </p:nvCxnSpPr>
+        <p:spPr>
+          <a:xfrm flipV="1">
+            <a:off x="8136497" y="4025532"/>
+            <a:ext cx="0" cy="612423"/>
+          </a:xfrm>
+          <a:prstGeom prst="straightConnector1">
+            <a:avLst/>
+          </a:prstGeom>
+          <a:ln w="38100">
+            <a:solidFill>
+              <a:schemeClr val="accent2">
+                <a:lumMod val="75000"/>
+              </a:schemeClr>
+            </a:solidFill>
+            <a:tailEnd type="triangle"/>
+          </a:ln>
+        </p:spPr>
+        <p:style>
+          <a:lnRef idx="1">
+            <a:schemeClr val="accent1"/>
+          </a:lnRef>
+          <a:fillRef idx="0">
+            <a:schemeClr val="accent1"/>
+          </a:fillRef>
+          <a:effectRef idx="0">
+            <a:schemeClr val="accent1"/>
+          </a:effectRef>
+          <a:fontRef idx="minor">
+            <a:schemeClr val="tx1"/>
+          </a:fontRef>
+        </p:style>
+      </p:cxnSp>
+      <p:sp>
+        <p:nvSpPr>
+          <p:cNvPr id="85" name="TextBox 84">
+            <a:extLst>
+              <a:ext uri="{FF2B5EF4-FFF2-40B4-BE49-F238E27FC236}">
+                <a16:creationId xmlns:a16="http://schemas.microsoft.com/office/drawing/2014/main" id="{2E7FFEE4-0828-49F4-AA9F-14F6969E726C}"/>
               </a:ext>
             </a:extLst>
           </p:cNvPr>
@@ -16411,7 +17181,7 @@
         </p:nvSpPr>
         <p:spPr>
           <a:xfrm>
-            <a:off x="807491" y="2062574"/>
+            <a:off x="6467245" y="2129358"/>
             <a:ext cx="1069524" cy="253916"/>
           </a:xfrm>
           <a:prstGeom prst="rect">
@@ -16430,6 +17200,163 @@
                 <a:latin typeface="Consolas" panose="020B0609020204030204" pitchFamily="49" charset="0"/>
               </a:rPr>
               <a:t>Azure DevOps</a:t>
+            </a:r>
+          </a:p>
+        </p:txBody>
+      </p:sp>
+      <p:sp>
+        <p:nvSpPr>
+          <p:cNvPr id="88" name="Rectangle: Rounded Corners 87">
+            <a:extLst>
+              <a:ext uri="{FF2B5EF4-FFF2-40B4-BE49-F238E27FC236}">
+                <a16:creationId xmlns:a16="http://schemas.microsoft.com/office/drawing/2014/main" id="{EB0AC97D-76FC-4D02-BEF0-C54032F9F93A}"/>
+              </a:ext>
+            </a:extLst>
+          </p:cNvPr>
+          <p:cNvSpPr/>
+          <p:nvPr/>
+        </p:nvSpPr>
+        <p:spPr>
+          <a:xfrm>
+            <a:off x="1163030" y="5608762"/>
+            <a:ext cx="2727682" cy="450478"/>
+          </a:xfrm>
+          <a:prstGeom prst="roundRect">
+            <a:avLst>
+              <a:gd name="adj" fmla="val 5253"/>
+            </a:avLst>
+          </a:prstGeom>
+          <a:solidFill>
+            <a:schemeClr val="bg1">
+              <a:alpha val="25098"/>
+            </a:schemeClr>
+          </a:solidFill>
+          <a:ln>
+            <a:noFill/>
+          </a:ln>
+        </p:spPr>
+        <p:style>
+          <a:lnRef idx="0">
+            <a:scrgbClr r="0" g="0" b="0"/>
+          </a:lnRef>
+          <a:fillRef idx="0">
+            <a:scrgbClr r="0" g="0" b="0"/>
+          </a:fillRef>
+          <a:effectRef idx="0">
+            <a:scrgbClr r="0" g="0" b="0"/>
+          </a:effectRef>
+          <a:fontRef idx="minor">
+            <a:schemeClr val="lt1"/>
+          </a:fontRef>
+        </p:style>
+        <p:txBody>
+          <a:bodyPr rtlCol="0" anchor="ctr"/>
+          <a:lstStyle/>
+          <a:p>
+            <a:pPr algn="ctr"/>
+            <a:endParaRPr lang="en-US"/>
+          </a:p>
+        </p:txBody>
+      </p:sp>
+      <p:cxnSp>
+        <p:nvCxnSpPr>
+          <p:cNvPr id="95" name="Connector: Elbow 94">
+            <a:extLst>
+              <a:ext uri="{FF2B5EF4-FFF2-40B4-BE49-F238E27FC236}">
+                <a16:creationId xmlns:a16="http://schemas.microsoft.com/office/drawing/2014/main" id="{C637DFC9-6ADD-4AE1-AE00-1BEA993B4030}"/>
+              </a:ext>
+            </a:extLst>
+          </p:cNvPr>
+          <p:cNvCxnSpPr>
+            <a:cxnSpLocks/>
+            <a:stCxn id="76" idx="3"/>
+            <a:endCxn id="77" idx="3"/>
+          </p:cNvCxnSpPr>
+          <p:nvPr/>
+        </p:nvCxnSpPr>
+        <p:spPr>
+          <a:xfrm flipH="1" flipV="1">
+            <a:off x="9533985" y="5232901"/>
+            <a:ext cx="21295" cy="633964"/>
+          </a:xfrm>
+          <a:prstGeom prst="bentConnector3">
+            <a:avLst>
+              <a:gd name="adj1" fmla="val -1073491"/>
+            </a:avLst>
+          </a:prstGeom>
+          <a:ln>
+            <a:tailEnd type="triangle"/>
+          </a:ln>
+        </p:spPr>
+        <p:style>
+          <a:lnRef idx="1">
+            <a:schemeClr val="accent1"/>
+          </a:lnRef>
+          <a:fillRef idx="0">
+            <a:schemeClr val="accent1"/>
+          </a:fillRef>
+          <a:effectRef idx="0">
+            <a:schemeClr val="accent1"/>
+          </a:effectRef>
+          <a:fontRef idx="minor">
+            <a:schemeClr val="tx1"/>
+          </a:fontRef>
+        </p:style>
+      </p:cxnSp>
+      <p:sp>
+        <p:nvSpPr>
+          <p:cNvPr id="101" name="TextBox 100">
+            <a:extLst>
+              <a:ext uri="{FF2B5EF4-FFF2-40B4-BE49-F238E27FC236}">
+                <a16:creationId xmlns:a16="http://schemas.microsoft.com/office/drawing/2014/main" id="{E9A4CA2E-C21E-4C60-AA92-C270A2817A25}"/>
+              </a:ext>
+            </a:extLst>
+          </p:cNvPr>
+          <p:cNvSpPr txBox="1"/>
+          <p:nvPr/>
+        </p:nvSpPr>
+        <p:spPr>
+          <a:xfrm>
+            <a:off x="9754718" y="5230724"/>
+            <a:ext cx="880369" cy="307777"/>
+          </a:xfrm>
+          <a:prstGeom prst="rect">
+            <a:avLst/>
+          </a:prstGeom>
+          <a:noFill/>
+        </p:spPr>
+        <p:txBody>
+          <a:bodyPr wrap="none" rtlCol="0">
+            <a:spAutoFit/>
+          </a:bodyPr>
+          <a:lstStyle>
+            <a:defPPr>
+              <a:defRPr lang="en-US"/>
+            </a:defPPr>
+            <a:lvl1pPr algn="r">
+              <a:defRPr sz="700" b="1">
+                <a:latin typeface="Consolas" panose="020B0609020204030204" pitchFamily="49" charset="0"/>
+              </a:defRPr>
+            </a:lvl1pPr>
+          </a:lstStyle>
+          <a:p>
+            <a:pPr algn="l"/>
+            <a:r>
+              <a:rPr lang="en-US" dirty="0">
+                <a:solidFill>
+                  <a:schemeClr val="accent1">
+                    <a:lumMod val="75000"/>
+                  </a:schemeClr>
+                </a:solidFill>
+              </a:rPr>
+              <a:t>ASA</a:t>
+            </a:r>
+          </a:p>
+          <a:p>
+            <a:pPr algn="l"/>
+            <a:r>
+              <a:rPr lang="en-US" b="0" dirty="0"/>
+              <a:t>Compile Script</a:t>
             </a:r>
           </a:p>
         </p:txBody>

--- a/_posts/201912_asa_alm101/asa_alm_schemas.pptx
+++ b/_posts/201912_asa_alm101/asa_alm_schemas.pptx
@@ -10,8 +10,9 @@
     <p:sldId id="260" r:id="rId4"/>
     <p:sldId id="257" r:id="rId5"/>
     <p:sldId id="258" r:id="rId6"/>
-    <p:sldId id="259" r:id="rId7"/>
-    <p:sldId id="262" r:id="rId8"/>
+    <p:sldId id="263" r:id="rId7"/>
+    <p:sldId id="259" r:id="rId8"/>
+    <p:sldId id="262" r:id="rId9"/>
   </p:sldIdLst>
   <p:sldSz cx="12192000" cy="6858000"/>
   <p:notesSz cx="6858000" cy="9144000"/>
@@ -265,7 +266,7 @@
           <a:p>
             <a:fld id="{EFE3DC24-D59A-4959-A2E7-76F4E9EDD6B7}" type="datetimeFigureOut">
               <a:rPr lang="en-US" smtClean="0"/>
-              <a:t>12/13/2019</a:t>
+              <a:t>12/23/2019</a:t>
             </a:fld>
             <a:endParaRPr lang="en-US"/>
           </a:p>
@@ -463,7 +464,7 @@
           <a:p>
             <a:fld id="{EFE3DC24-D59A-4959-A2E7-76F4E9EDD6B7}" type="datetimeFigureOut">
               <a:rPr lang="en-US" smtClean="0"/>
-              <a:t>12/13/2019</a:t>
+              <a:t>12/23/2019</a:t>
             </a:fld>
             <a:endParaRPr lang="en-US"/>
           </a:p>
@@ -671,7 +672,7 @@
           <a:p>
             <a:fld id="{EFE3DC24-D59A-4959-A2E7-76F4E9EDD6B7}" type="datetimeFigureOut">
               <a:rPr lang="en-US" smtClean="0"/>
-              <a:t>12/13/2019</a:t>
+              <a:t>12/23/2019</a:t>
             </a:fld>
             <a:endParaRPr lang="en-US"/>
           </a:p>
@@ -869,7 +870,7 @@
           <a:p>
             <a:fld id="{EFE3DC24-D59A-4959-A2E7-76F4E9EDD6B7}" type="datetimeFigureOut">
               <a:rPr lang="en-US" smtClean="0"/>
-              <a:t>12/13/2019</a:t>
+              <a:t>12/23/2019</a:t>
             </a:fld>
             <a:endParaRPr lang="en-US"/>
           </a:p>
@@ -1144,7 +1145,7 @@
           <a:p>
             <a:fld id="{EFE3DC24-D59A-4959-A2E7-76F4E9EDD6B7}" type="datetimeFigureOut">
               <a:rPr lang="en-US" smtClean="0"/>
-              <a:t>12/13/2019</a:t>
+              <a:t>12/23/2019</a:t>
             </a:fld>
             <a:endParaRPr lang="en-US"/>
           </a:p>
@@ -1409,7 +1410,7 @@
           <a:p>
             <a:fld id="{EFE3DC24-D59A-4959-A2E7-76F4E9EDD6B7}" type="datetimeFigureOut">
               <a:rPr lang="en-US" smtClean="0"/>
-              <a:t>12/13/2019</a:t>
+              <a:t>12/23/2019</a:t>
             </a:fld>
             <a:endParaRPr lang="en-US"/>
           </a:p>
@@ -1821,7 +1822,7 @@
           <a:p>
             <a:fld id="{EFE3DC24-D59A-4959-A2E7-76F4E9EDD6B7}" type="datetimeFigureOut">
               <a:rPr lang="en-US" smtClean="0"/>
-              <a:t>12/13/2019</a:t>
+              <a:t>12/23/2019</a:t>
             </a:fld>
             <a:endParaRPr lang="en-US"/>
           </a:p>
@@ -1962,7 +1963,7 @@
           <a:p>
             <a:fld id="{EFE3DC24-D59A-4959-A2E7-76F4E9EDD6B7}" type="datetimeFigureOut">
               <a:rPr lang="en-US" smtClean="0"/>
-              <a:t>12/13/2019</a:t>
+              <a:t>12/23/2019</a:t>
             </a:fld>
             <a:endParaRPr lang="en-US"/>
           </a:p>
@@ -2075,7 +2076,7 @@
           <a:p>
             <a:fld id="{EFE3DC24-D59A-4959-A2E7-76F4E9EDD6B7}" type="datetimeFigureOut">
               <a:rPr lang="en-US" smtClean="0"/>
-              <a:t>12/13/2019</a:t>
+              <a:t>12/23/2019</a:t>
             </a:fld>
             <a:endParaRPr lang="en-US"/>
           </a:p>
@@ -2386,7 +2387,7 @@
           <a:p>
             <a:fld id="{EFE3DC24-D59A-4959-A2E7-76F4E9EDD6B7}" type="datetimeFigureOut">
               <a:rPr lang="en-US" smtClean="0"/>
-              <a:t>12/13/2019</a:t>
+              <a:t>12/23/2019</a:t>
             </a:fld>
             <a:endParaRPr lang="en-US"/>
           </a:p>
@@ -2674,7 +2675,7 @@
           <a:p>
             <a:fld id="{EFE3DC24-D59A-4959-A2E7-76F4E9EDD6B7}" type="datetimeFigureOut">
               <a:rPr lang="en-US" smtClean="0"/>
-              <a:t>12/13/2019</a:t>
+              <a:t>12/23/2019</a:t>
             </a:fld>
             <a:endParaRPr lang="en-US"/>
           </a:p>
@@ -2915,7 +2916,7 @@
           <a:p>
             <a:fld id="{EFE3DC24-D59A-4959-A2E7-76F4E9EDD6B7}" type="datetimeFigureOut">
               <a:rPr lang="en-US" smtClean="0"/>
-              <a:t>12/13/2019</a:t>
+              <a:t>12/23/2019</a:t>
             </a:fld>
             <a:endParaRPr lang="en-US"/>
           </a:p>
@@ -11843,6 +11844,745 @@
       </p:grpSpPr>
       <p:sp>
         <p:nvSpPr>
+          <p:cNvPr id="4" name="Rectangle 3">
+            <a:extLst>
+              <a:ext uri="{FF2B5EF4-FFF2-40B4-BE49-F238E27FC236}">
+                <a16:creationId xmlns:a16="http://schemas.microsoft.com/office/drawing/2014/main" id="{840BC0B9-762D-4CB0-9524-DE2849328E1A}"/>
+              </a:ext>
+            </a:extLst>
+          </p:cNvPr>
+          <p:cNvSpPr/>
+          <p:nvPr/>
+        </p:nvSpPr>
+        <p:spPr>
+          <a:xfrm>
+            <a:off x="4161254" y="3713051"/>
+            <a:ext cx="5263856" cy="1060064"/>
+          </a:xfrm>
+          <a:prstGeom prst="rect">
+            <a:avLst/>
+          </a:prstGeom>
+          <a:solidFill>
+            <a:schemeClr val="accent1">
+              <a:lumMod val="40000"/>
+              <a:lumOff val="60000"/>
+              <a:alpha val="50000"/>
+            </a:schemeClr>
+          </a:solidFill>
+          <a:ln>
+            <a:noFill/>
+          </a:ln>
+        </p:spPr>
+        <p:style>
+          <a:lnRef idx="0">
+            <a:scrgbClr r="0" g="0" b="0"/>
+          </a:lnRef>
+          <a:fillRef idx="0">
+            <a:scrgbClr r="0" g="0" b="0"/>
+          </a:fillRef>
+          <a:effectRef idx="0">
+            <a:scrgbClr r="0" g="0" b="0"/>
+          </a:effectRef>
+          <a:fontRef idx="minor">
+            <a:schemeClr val="lt1"/>
+          </a:fontRef>
+        </p:style>
+        <p:txBody>
+          <a:bodyPr rtlCol="0" anchor="ctr"/>
+          <a:lstStyle/>
+          <a:p>
+            <a:pPr algn="ctr"/>
+            <a:endParaRPr lang="en-US"/>
+          </a:p>
+        </p:txBody>
+      </p:sp>
+      <p:sp>
+        <p:nvSpPr>
+          <p:cNvPr id="5" name="Rectangle 4">
+            <a:extLst>
+              <a:ext uri="{FF2B5EF4-FFF2-40B4-BE49-F238E27FC236}">
+                <a16:creationId xmlns:a16="http://schemas.microsoft.com/office/drawing/2014/main" id="{D3DC08BC-0C42-45F2-94BA-A35999D60CD2}"/>
+              </a:ext>
+            </a:extLst>
+          </p:cNvPr>
+          <p:cNvSpPr/>
+          <p:nvPr/>
+        </p:nvSpPr>
+        <p:spPr>
+          <a:xfrm>
+            <a:off x="4161255" y="1940560"/>
+            <a:ext cx="5263855" cy="1060064"/>
+          </a:xfrm>
+          <a:prstGeom prst="rect">
+            <a:avLst/>
+          </a:prstGeom>
+          <a:solidFill>
+            <a:schemeClr val="accent1">
+              <a:lumMod val="40000"/>
+              <a:lumOff val="60000"/>
+              <a:alpha val="50000"/>
+            </a:schemeClr>
+          </a:solidFill>
+          <a:ln>
+            <a:noFill/>
+          </a:ln>
+        </p:spPr>
+        <p:style>
+          <a:lnRef idx="0">
+            <a:scrgbClr r="0" g="0" b="0"/>
+          </a:lnRef>
+          <a:fillRef idx="0">
+            <a:scrgbClr r="0" g="0" b="0"/>
+          </a:fillRef>
+          <a:effectRef idx="0">
+            <a:scrgbClr r="0" g="0" b="0"/>
+          </a:effectRef>
+          <a:fontRef idx="minor">
+            <a:schemeClr val="lt1"/>
+          </a:fontRef>
+        </p:style>
+        <p:txBody>
+          <a:bodyPr rtlCol="0" anchor="ctr"/>
+          <a:lstStyle/>
+          <a:p>
+            <a:pPr algn="ctr"/>
+            <a:endParaRPr lang="en-US"/>
+          </a:p>
+        </p:txBody>
+      </p:sp>
+      <p:pic>
+        <p:nvPicPr>
+          <p:cNvPr id="6" name="Graphic 5">
+            <a:extLst>
+              <a:ext uri="{FF2B5EF4-FFF2-40B4-BE49-F238E27FC236}">
+                <a16:creationId xmlns:a16="http://schemas.microsoft.com/office/drawing/2014/main" id="{45C87245-DCEE-4B63-95B2-DA9E32172273}"/>
+              </a:ext>
+            </a:extLst>
+          </p:cNvPr>
+          <p:cNvPicPr>
+            <a:picLocks noChangeAspect="1"/>
+          </p:cNvPicPr>
+          <p:nvPr/>
+        </p:nvPicPr>
+        <p:blipFill>
+          <a:blip r:embed="rId2">
+            <a:extLst>
+              <a:ext uri="{28A0092B-C50C-407E-A947-70E740481C1C}">
+                <a14:useLocalDpi xmlns:a14="http://schemas.microsoft.com/office/drawing/2010/main" val="0"/>
+              </a:ext>
+              <a:ext uri="{96DAC541-7B7A-43D3-8B79-37D633B846F1}">
+                <asvg:svgBlip xmlns:asvg="http://schemas.microsoft.com/office/drawing/2016/SVG/main" r:embed="rId3"/>
+              </a:ext>
+            </a:extLst>
+          </a:blip>
+          <a:stretch>
+            <a:fillRect/>
+          </a:stretch>
+        </p:blipFill>
+        <p:spPr>
+          <a:xfrm>
+            <a:off x="7804920" y="2297780"/>
+            <a:ext cx="380847" cy="380847"/>
+          </a:xfrm>
+          <a:prstGeom prst="rect">
+            <a:avLst/>
+          </a:prstGeom>
+        </p:spPr>
+      </p:pic>
+      <p:pic>
+        <p:nvPicPr>
+          <p:cNvPr id="7" name="Graphic 6">
+            <a:extLst>
+              <a:ext uri="{FF2B5EF4-FFF2-40B4-BE49-F238E27FC236}">
+                <a16:creationId xmlns:a16="http://schemas.microsoft.com/office/drawing/2014/main" id="{0BD87FD4-4C18-4377-BBBE-988DE1409E6A}"/>
+              </a:ext>
+            </a:extLst>
+          </p:cNvPr>
+          <p:cNvPicPr>
+            <a:picLocks noChangeAspect="1"/>
+          </p:cNvPicPr>
+          <p:nvPr/>
+        </p:nvPicPr>
+        <p:blipFill>
+          <a:blip r:embed="rId4">
+            <a:extLst>
+              <a:ext uri="{28A0092B-C50C-407E-A947-70E740481C1C}">
+                <a14:useLocalDpi xmlns:a14="http://schemas.microsoft.com/office/drawing/2010/main" val="0"/>
+              </a:ext>
+              <a:ext uri="{96DAC541-7B7A-43D3-8B79-37D633B846F1}">
+                <asvg:svgBlip xmlns:asvg="http://schemas.microsoft.com/office/drawing/2016/SVG/main" r:embed="rId5"/>
+              </a:ext>
+            </a:extLst>
+          </a:blip>
+          <a:stretch>
+            <a:fillRect/>
+          </a:stretch>
+        </p:blipFill>
+        <p:spPr>
+          <a:xfrm>
+            <a:off x="8741883" y="3483477"/>
+            <a:ext cx="457200" cy="457200"/>
+          </a:xfrm>
+          <a:prstGeom prst="rect">
+            <a:avLst/>
+          </a:prstGeom>
+        </p:spPr>
+      </p:pic>
+      <p:pic>
+        <p:nvPicPr>
+          <p:cNvPr id="8" name="Graphic 7">
+            <a:extLst>
+              <a:ext uri="{FF2B5EF4-FFF2-40B4-BE49-F238E27FC236}">
+                <a16:creationId xmlns:a16="http://schemas.microsoft.com/office/drawing/2014/main" id="{C4E00388-9D6D-4221-BDA6-5FEBF17031D7}"/>
+              </a:ext>
+            </a:extLst>
+          </p:cNvPr>
+          <p:cNvPicPr>
+            <a:picLocks noChangeAspect="1"/>
+          </p:cNvPicPr>
+          <p:nvPr/>
+        </p:nvPicPr>
+        <p:blipFill>
+          <a:blip r:embed="rId6">
+            <a:extLst>
+              <a:ext uri="{28A0092B-C50C-407E-A947-70E740481C1C}">
+                <a14:useLocalDpi xmlns:a14="http://schemas.microsoft.com/office/drawing/2010/main" val="0"/>
+              </a:ext>
+              <a:ext uri="{96DAC541-7B7A-43D3-8B79-37D633B846F1}">
+                <asvg:svgBlip xmlns:asvg="http://schemas.microsoft.com/office/drawing/2016/SVG/main" r:embed="rId7"/>
+              </a:ext>
+            </a:extLst>
+          </a:blip>
+          <a:stretch>
+            <a:fillRect/>
+          </a:stretch>
+        </p:blipFill>
+        <p:spPr>
+          <a:xfrm>
+            <a:off x="4670957" y="4034103"/>
+            <a:ext cx="457200" cy="457200"/>
+          </a:xfrm>
+          <a:prstGeom prst="rect">
+            <a:avLst/>
+          </a:prstGeom>
+        </p:spPr>
+      </p:pic>
+      <p:pic>
+        <p:nvPicPr>
+          <p:cNvPr id="9" name="Graphic 8">
+            <a:extLst>
+              <a:ext uri="{FF2B5EF4-FFF2-40B4-BE49-F238E27FC236}">
+                <a16:creationId xmlns:a16="http://schemas.microsoft.com/office/drawing/2014/main" id="{FEEDFDB7-1C21-4ECA-BCE2-FA1AB01D5753}"/>
+              </a:ext>
+            </a:extLst>
+          </p:cNvPr>
+          <p:cNvPicPr>
+            <a:picLocks noChangeAspect="1"/>
+          </p:cNvPicPr>
+          <p:nvPr/>
+        </p:nvPicPr>
+        <p:blipFill>
+          <a:blip r:embed="rId4">
+            <a:extLst>
+              <a:ext uri="{28A0092B-C50C-407E-A947-70E740481C1C}">
+                <a14:useLocalDpi xmlns:a14="http://schemas.microsoft.com/office/drawing/2010/main" val="0"/>
+              </a:ext>
+              <a:ext uri="{96DAC541-7B7A-43D3-8B79-37D633B846F1}">
+                <asvg:svgBlip xmlns:asvg="http://schemas.microsoft.com/office/drawing/2016/SVG/main" r:embed="rId5"/>
+              </a:ext>
+            </a:extLst>
+          </a:blip>
+          <a:stretch>
+            <a:fillRect/>
+          </a:stretch>
+        </p:blipFill>
+        <p:spPr>
+          <a:xfrm>
+            <a:off x="8741883" y="1710986"/>
+            <a:ext cx="457200" cy="457200"/>
+          </a:xfrm>
+          <a:prstGeom prst="rect">
+            <a:avLst/>
+          </a:prstGeom>
+        </p:spPr>
+      </p:pic>
+      <p:pic>
+        <p:nvPicPr>
+          <p:cNvPr id="10" name="Graphic 9">
+            <a:extLst>
+              <a:ext uri="{FF2B5EF4-FFF2-40B4-BE49-F238E27FC236}">
+                <a16:creationId xmlns:a16="http://schemas.microsoft.com/office/drawing/2014/main" id="{C684B160-94B6-4EE9-A356-6034592182AA}"/>
+              </a:ext>
+            </a:extLst>
+          </p:cNvPr>
+          <p:cNvPicPr>
+            <a:picLocks noChangeAspect="1"/>
+          </p:cNvPicPr>
+          <p:nvPr/>
+        </p:nvPicPr>
+        <p:blipFill>
+          <a:blip r:embed="rId8">
+            <a:extLst>
+              <a:ext uri="{28A0092B-C50C-407E-A947-70E740481C1C}">
+                <a14:useLocalDpi xmlns:a14="http://schemas.microsoft.com/office/drawing/2010/main" val="0"/>
+              </a:ext>
+              <a:ext uri="{96DAC541-7B7A-43D3-8B79-37D633B846F1}">
+                <asvg:svgBlip xmlns:asvg="http://schemas.microsoft.com/office/drawing/2016/SVG/main" r:embed="rId9"/>
+              </a:ext>
+            </a:extLst>
+          </a:blip>
+          <a:stretch>
+            <a:fillRect/>
+          </a:stretch>
+        </p:blipFill>
+        <p:spPr>
+          <a:xfrm>
+            <a:off x="5984206" y="2136501"/>
+            <a:ext cx="669818" cy="669818"/>
+          </a:xfrm>
+          <a:prstGeom prst="rect">
+            <a:avLst/>
+          </a:prstGeom>
+        </p:spPr>
+      </p:pic>
+      <p:pic>
+        <p:nvPicPr>
+          <p:cNvPr id="11" name="Picture 10">
+            <a:extLst>
+              <a:ext uri="{FF2B5EF4-FFF2-40B4-BE49-F238E27FC236}">
+                <a16:creationId xmlns:a16="http://schemas.microsoft.com/office/drawing/2014/main" id="{36E6FF6A-AEF5-4BAD-B987-A14E9CE2A374}"/>
+              </a:ext>
+            </a:extLst>
+          </p:cNvPr>
+          <p:cNvPicPr>
+            <a:picLocks noChangeAspect="1"/>
+          </p:cNvPicPr>
+          <p:nvPr/>
+        </p:nvPicPr>
+        <p:blipFill>
+          <a:blip r:embed="rId10"/>
+          <a:stretch>
+            <a:fillRect/>
+          </a:stretch>
+        </p:blipFill>
+        <p:spPr>
+          <a:xfrm>
+            <a:off x="2746650" y="5191748"/>
+            <a:ext cx="854276" cy="669831"/>
+          </a:xfrm>
+          <a:prstGeom prst="rect">
+            <a:avLst/>
+          </a:prstGeom>
+        </p:spPr>
+      </p:pic>
+      <p:sp>
+        <p:nvSpPr>
+          <p:cNvPr id="12" name="Arrow: Bent 11">
+            <a:extLst>
+              <a:ext uri="{FF2B5EF4-FFF2-40B4-BE49-F238E27FC236}">
+                <a16:creationId xmlns:a16="http://schemas.microsoft.com/office/drawing/2014/main" id="{E1FE4EB3-17C0-4E4F-A288-C881A91D3203}"/>
+              </a:ext>
+            </a:extLst>
+          </p:cNvPr>
+          <p:cNvSpPr/>
+          <p:nvPr/>
+        </p:nvSpPr>
+        <p:spPr>
+          <a:xfrm>
+            <a:off x="4813581" y="2297780"/>
+            <a:ext cx="1048852" cy="1580534"/>
+          </a:xfrm>
+          <a:prstGeom prst="bentArrow">
+            <a:avLst/>
+          </a:prstGeom>
+          <a:solidFill>
+            <a:schemeClr val="accent6">
+              <a:alpha val="50000"/>
+            </a:schemeClr>
+          </a:solidFill>
+          <a:ln>
+            <a:noFill/>
+          </a:ln>
+        </p:spPr>
+        <p:style>
+          <a:lnRef idx="0">
+            <a:scrgbClr r="0" g="0" b="0"/>
+          </a:lnRef>
+          <a:fillRef idx="0">
+            <a:scrgbClr r="0" g="0" b="0"/>
+          </a:fillRef>
+          <a:effectRef idx="0">
+            <a:scrgbClr r="0" g="0" b="0"/>
+          </a:effectRef>
+          <a:fontRef idx="minor">
+            <a:schemeClr val="lt1"/>
+          </a:fontRef>
+        </p:style>
+        <p:txBody>
+          <a:bodyPr rot="0" spcFirstLastPara="0" vertOverflow="overflow" horzOverflow="overflow" vert="horz" wrap="square" lIns="91440" tIns="45720" rIns="91440" bIns="45720" numCol="1" spcCol="0" rtlCol="0" fromWordArt="0" anchor="ctr" anchorCtr="0" forceAA="0" compatLnSpc="1">
+            <a:prstTxWarp prst="textNoShape">
+              <a:avLst/>
+            </a:prstTxWarp>
+            <a:noAutofit/>
+          </a:bodyPr>
+          <a:lstStyle/>
+          <a:p>
+            <a:pPr algn="ctr"/>
+            <a:endParaRPr lang="en-US"/>
+          </a:p>
+        </p:txBody>
+      </p:sp>
+      <p:sp>
+        <p:nvSpPr>
+          <p:cNvPr id="13" name="Arrow: Right 12">
+            <a:extLst>
+              <a:ext uri="{FF2B5EF4-FFF2-40B4-BE49-F238E27FC236}">
+                <a16:creationId xmlns:a16="http://schemas.microsoft.com/office/drawing/2014/main" id="{05B24228-5A9F-49CD-AEA0-FA7F1C348BC8}"/>
+              </a:ext>
+            </a:extLst>
+          </p:cNvPr>
+          <p:cNvSpPr/>
+          <p:nvPr/>
+        </p:nvSpPr>
+        <p:spPr>
+          <a:xfrm>
+            <a:off x="6786416" y="2280868"/>
+            <a:ext cx="860935" cy="435841"/>
+          </a:xfrm>
+          <a:prstGeom prst="rightArrow">
+            <a:avLst/>
+          </a:prstGeom>
+          <a:solidFill>
+            <a:schemeClr val="accent6">
+              <a:alpha val="50000"/>
+            </a:schemeClr>
+          </a:solidFill>
+          <a:ln>
+            <a:noFill/>
+          </a:ln>
+        </p:spPr>
+        <p:style>
+          <a:lnRef idx="0">
+            <a:scrgbClr r="0" g="0" b="0"/>
+          </a:lnRef>
+          <a:fillRef idx="0">
+            <a:scrgbClr r="0" g="0" b="0"/>
+          </a:fillRef>
+          <a:effectRef idx="0">
+            <a:scrgbClr r="0" g="0" b="0"/>
+          </a:effectRef>
+          <a:fontRef idx="minor">
+            <a:schemeClr val="lt1"/>
+          </a:fontRef>
+        </p:style>
+        <p:txBody>
+          <a:bodyPr rtlCol="0" anchor="ctr"/>
+          <a:lstStyle/>
+          <a:p>
+            <a:pPr algn="ctr"/>
+            <a:endParaRPr lang="en-US"/>
+          </a:p>
+        </p:txBody>
+      </p:sp>
+      <p:sp>
+        <p:nvSpPr>
+          <p:cNvPr id="14" name="TextBox 13">
+            <a:extLst>
+              <a:ext uri="{FF2B5EF4-FFF2-40B4-BE49-F238E27FC236}">
+                <a16:creationId xmlns:a16="http://schemas.microsoft.com/office/drawing/2014/main" id="{AE648F8A-1AD2-4D3F-BA53-B0D45DEE57CB}"/>
+              </a:ext>
+            </a:extLst>
+          </p:cNvPr>
+          <p:cNvSpPr txBox="1"/>
+          <p:nvPr/>
+        </p:nvSpPr>
+        <p:spPr>
+          <a:xfrm>
+            <a:off x="2444344" y="4765416"/>
+            <a:ext cx="1228221" cy="415498"/>
+          </a:xfrm>
+          <a:prstGeom prst="rect">
+            <a:avLst/>
+          </a:prstGeom>
+          <a:noFill/>
+        </p:spPr>
+        <p:txBody>
+          <a:bodyPr wrap="none" rtlCol="0">
+            <a:spAutoFit/>
+          </a:bodyPr>
+          <a:lstStyle/>
+          <a:p>
+            <a:pPr algn="r"/>
+            <a:r>
+              <a:rPr lang="en-US" sz="700" dirty="0">
+                <a:latin typeface="Consolas" panose="020B0609020204030204" pitchFamily="49" charset="0"/>
+              </a:rPr>
+              <a:t>Raspberry Pi</a:t>
+            </a:r>
+          </a:p>
+          <a:p>
+            <a:pPr algn="r"/>
+            <a:r>
+              <a:rPr lang="en-US" sz="700" dirty="0">
+                <a:latin typeface="Consolas" panose="020B0609020204030204" pitchFamily="49" charset="0"/>
+              </a:rPr>
+              <a:t>Azure IoT Simulator</a:t>
+            </a:r>
+          </a:p>
+          <a:p>
+            <a:pPr algn="r"/>
+            <a:r>
+              <a:rPr lang="en-US" sz="700" dirty="0">
+                <a:latin typeface="Consolas" panose="020B0609020204030204" pitchFamily="49" charset="0"/>
+              </a:rPr>
+              <a:t> </a:t>
+            </a:r>
+            <a:r>
+              <a:rPr lang="en-US" sz="700" b="1" dirty="0">
+                <a:latin typeface="Consolas" panose="020B0609020204030204" pitchFamily="49" charset="0"/>
+              </a:rPr>
+              <a:t>Start/Stop necessary</a:t>
+            </a:r>
+          </a:p>
+        </p:txBody>
+      </p:sp>
+      <p:sp>
+        <p:nvSpPr>
+          <p:cNvPr id="15" name="TextBox 14">
+            <a:extLst>
+              <a:ext uri="{FF2B5EF4-FFF2-40B4-BE49-F238E27FC236}">
+                <a16:creationId xmlns:a16="http://schemas.microsoft.com/office/drawing/2014/main" id="{3C5FEC41-E039-46C3-9107-35D3B6D529BD}"/>
+              </a:ext>
+            </a:extLst>
+          </p:cNvPr>
+          <p:cNvSpPr txBox="1"/>
+          <p:nvPr/>
+        </p:nvSpPr>
+        <p:spPr>
+          <a:xfrm>
+            <a:off x="8529219" y="2151250"/>
+            <a:ext cx="922047" cy="253916"/>
+          </a:xfrm>
+          <a:prstGeom prst="rect">
+            <a:avLst/>
+          </a:prstGeom>
+          <a:noFill/>
+        </p:spPr>
+        <p:txBody>
+          <a:bodyPr wrap="none" rtlCol="0">
+            <a:spAutoFit/>
+          </a:bodyPr>
+          <a:lstStyle/>
+          <a:p>
+            <a:r>
+              <a:rPr lang="en-US" sz="1050" dirty="0">
+                <a:latin typeface="Consolas" panose="020B0609020204030204" pitchFamily="49" charset="0"/>
+              </a:rPr>
+              <a:t>rg-staging</a:t>
+            </a:r>
+          </a:p>
+        </p:txBody>
+      </p:sp>
+      <p:sp>
+        <p:nvSpPr>
+          <p:cNvPr id="16" name="TextBox 15">
+            <a:extLst>
+              <a:ext uri="{FF2B5EF4-FFF2-40B4-BE49-F238E27FC236}">
+                <a16:creationId xmlns:a16="http://schemas.microsoft.com/office/drawing/2014/main" id="{211268DA-85CF-4242-A82E-031FC304B823}"/>
+              </a:ext>
+            </a:extLst>
+          </p:cNvPr>
+          <p:cNvSpPr txBox="1"/>
+          <p:nvPr/>
+        </p:nvSpPr>
+        <p:spPr>
+          <a:xfrm>
+            <a:off x="8578165" y="3939014"/>
+            <a:ext cx="848309" cy="253916"/>
+          </a:xfrm>
+          <a:prstGeom prst="rect">
+            <a:avLst/>
+          </a:prstGeom>
+          <a:noFill/>
+        </p:spPr>
+        <p:txBody>
+          <a:bodyPr wrap="none" rtlCol="0">
+            <a:spAutoFit/>
+          </a:bodyPr>
+          <a:lstStyle/>
+          <a:p>
+            <a:r>
+              <a:rPr lang="en-US" sz="1050" dirty="0">
+                <a:latin typeface="Consolas" panose="020B0609020204030204" pitchFamily="49" charset="0"/>
+              </a:rPr>
+              <a:t>rg-shared</a:t>
+            </a:r>
+          </a:p>
+        </p:txBody>
+      </p:sp>
+      <p:sp>
+        <p:nvSpPr>
+          <p:cNvPr id="17" name="TextBox 16">
+            <a:extLst>
+              <a:ext uri="{FF2B5EF4-FFF2-40B4-BE49-F238E27FC236}">
+                <a16:creationId xmlns:a16="http://schemas.microsoft.com/office/drawing/2014/main" id="{CAFB82DF-C5BA-47EF-B04B-C10C8F198D91}"/>
+              </a:ext>
+            </a:extLst>
+          </p:cNvPr>
+          <p:cNvSpPr txBox="1"/>
+          <p:nvPr/>
+        </p:nvSpPr>
+        <p:spPr>
+          <a:xfrm>
+            <a:off x="4302176" y="4520173"/>
+            <a:ext cx="1364476" cy="253916"/>
+          </a:xfrm>
+          <a:prstGeom prst="rect">
+            <a:avLst/>
+          </a:prstGeom>
+          <a:noFill/>
+        </p:spPr>
+        <p:txBody>
+          <a:bodyPr wrap="none" rtlCol="0">
+            <a:spAutoFit/>
+          </a:bodyPr>
+          <a:lstStyle/>
+          <a:p>
+            <a:r>
+              <a:rPr lang="en-US" sz="1050" dirty="0">
+                <a:latin typeface="Consolas" panose="020B0609020204030204" pitchFamily="49" charset="0"/>
+              </a:rPr>
+              <a:t>IoT Hub - Device</a:t>
+            </a:r>
+          </a:p>
+        </p:txBody>
+      </p:sp>
+      <p:sp>
+        <p:nvSpPr>
+          <p:cNvPr id="18" name="TextBox 17">
+            <a:extLst>
+              <a:ext uri="{FF2B5EF4-FFF2-40B4-BE49-F238E27FC236}">
+                <a16:creationId xmlns:a16="http://schemas.microsoft.com/office/drawing/2014/main" id="{69094D66-92E2-46D5-9579-5178EAC37A25}"/>
+              </a:ext>
+            </a:extLst>
+          </p:cNvPr>
+          <p:cNvSpPr txBox="1"/>
+          <p:nvPr/>
+        </p:nvSpPr>
+        <p:spPr>
+          <a:xfrm>
+            <a:off x="7442916" y="2718229"/>
+            <a:ext cx="1290738" cy="253916"/>
+          </a:xfrm>
+          <a:prstGeom prst="rect">
+            <a:avLst/>
+          </a:prstGeom>
+          <a:noFill/>
+        </p:spPr>
+        <p:txBody>
+          <a:bodyPr wrap="none" rtlCol="0">
+            <a:spAutoFit/>
+          </a:bodyPr>
+          <a:lstStyle/>
+          <a:p>
+            <a:r>
+              <a:rPr lang="en-US" sz="1050" dirty="0">
+                <a:latin typeface="Consolas" panose="020B0609020204030204" pitchFamily="49" charset="0"/>
+              </a:rPr>
+              <a:t>Storage Account</a:t>
+            </a:r>
+          </a:p>
+        </p:txBody>
+      </p:sp>
+      <p:sp>
+        <p:nvSpPr>
+          <p:cNvPr id="19" name="Arrow: Bent 18">
+            <a:extLst>
+              <a:ext uri="{FF2B5EF4-FFF2-40B4-BE49-F238E27FC236}">
+                <a16:creationId xmlns:a16="http://schemas.microsoft.com/office/drawing/2014/main" id="{F83B6358-46FB-464F-B639-DD46BED2C8F1}"/>
+              </a:ext>
+            </a:extLst>
+          </p:cNvPr>
+          <p:cNvSpPr/>
+          <p:nvPr/>
+        </p:nvSpPr>
+        <p:spPr>
+          <a:xfrm rot="16200000" flipV="1">
+            <a:off x="3895588" y="4528943"/>
+            <a:ext cx="1048852" cy="1580534"/>
+          </a:xfrm>
+          <a:prstGeom prst="bentArrow">
+            <a:avLst/>
+          </a:prstGeom>
+          <a:solidFill>
+            <a:schemeClr val="accent6">
+              <a:alpha val="50000"/>
+            </a:schemeClr>
+          </a:solidFill>
+          <a:ln>
+            <a:noFill/>
+          </a:ln>
+        </p:spPr>
+        <p:style>
+          <a:lnRef idx="0">
+            <a:scrgbClr r="0" g="0" b="0"/>
+          </a:lnRef>
+          <a:fillRef idx="0">
+            <a:scrgbClr r="0" g="0" b="0"/>
+          </a:fillRef>
+          <a:effectRef idx="0">
+            <a:scrgbClr r="0" g="0" b="0"/>
+          </a:effectRef>
+          <a:fontRef idx="minor">
+            <a:schemeClr val="lt1"/>
+          </a:fontRef>
+        </p:style>
+        <p:txBody>
+          <a:bodyPr rot="0" spcFirstLastPara="0" vertOverflow="overflow" horzOverflow="overflow" vert="horz" wrap="square" lIns="91440" tIns="45720" rIns="91440" bIns="45720" numCol="1" spcCol="0" rtlCol="0" fromWordArt="0" anchor="ctr" anchorCtr="0" forceAA="0" compatLnSpc="1">
+            <a:prstTxWarp prst="textNoShape">
+              <a:avLst/>
+            </a:prstTxWarp>
+            <a:noAutofit/>
+          </a:bodyPr>
+          <a:lstStyle/>
+          <a:p>
+            <a:pPr algn="ctr"/>
+            <a:endParaRPr lang="en-US"/>
+          </a:p>
+        </p:txBody>
+      </p:sp>
+    </p:spTree>
+    <p:extLst>
+      <p:ext uri="{BB962C8B-B14F-4D97-AF65-F5344CB8AC3E}">
+        <p14:creationId xmlns:p14="http://schemas.microsoft.com/office/powerpoint/2010/main" val="2481572032"/>
+      </p:ext>
+    </p:extLst>
+  </p:cSld>
+  <p:clrMapOvr>
+    <a:masterClrMapping/>
+  </p:clrMapOvr>
+</p:sld>
+</file>
+
+<file path=ppt/slides/slide7.xml><?xml version="1.0" encoding="utf-8"?>
+<p:sld xmlns:a="http://schemas.openxmlformats.org/drawingml/2006/main" xmlns:r="http://schemas.openxmlformats.org/officeDocument/2006/relationships" xmlns:p="http://schemas.openxmlformats.org/presentationml/2006/main">
+  <p:cSld>
+    <p:spTree>
+      <p:nvGrpSpPr>
+        <p:cNvPr id="1" name=""/>
+        <p:cNvGrpSpPr/>
+        <p:nvPr/>
+      </p:nvGrpSpPr>
+      <p:grpSpPr>
+        <a:xfrm>
+          <a:off x="0" y="0"/>
+          <a:ext cx="0" cy="0"/>
+          <a:chOff x="0" y="0"/>
+          <a:chExt cx="0" cy="0"/>
+        </a:xfrm>
+      </p:grpSpPr>
+      <p:sp>
+        <p:nvSpPr>
           <p:cNvPr id="145" name="Rectangle 144">
             <a:extLst>
               <a:ext uri="{FF2B5EF4-FFF2-40B4-BE49-F238E27FC236}">
@@ -15012,7 +15752,7 @@
 </p:sld>
 </file>
 
-<file path=ppt/slides/slide7.xml><?xml version="1.0" encoding="utf-8"?>
+<file path=ppt/slides/slide8.xml><?xml version="1.0" encoding="utf-8"?>
 <p:sld xmlns:a="http://schemas.openxmlformats.org/drawingml/2006/main" xmlns:r="http://schemas.openxmlformats.org/officeDocument/2006/relationships" xmlns:p="http://schemas.openxmlformats.org/presentationml/2006/main">
   <p:cSld>
     <p:spTree>

--- a/_posts/201912_asa_alm101/asa_alm_schemas.pptx
+++ b/_posts/201912_asa_alm101/asa_alm_schemas.pptx
@@ -13,6 +13,7 @@
     <p:sldId id="263" r:id="rId7"/>
     <p:sldId id="259" r:id="rId8"/>
     <p:sldId id="262" r:id="rId9"/>
+    <p:sldId id="264" r:id="rId10"/>
   </p:sldIdLst>
   <p:sldSz cx="12192000" cy="6858000"/>
   <p:notesSz cx="6858000" cy="9144000"/>
@@ -266,7 +267,7 @@
           <a:p>
             <a:fld id="{EFE3DC24-D59A-4959-A2E7-76F4E9EDD6B7}" type="datetimeFigureOut">
               <a:rPr lang="en-US" smtClean="0"/>
-              <a:t>12/23/2019</a:t>
+              <a:t>3/2/2020</a:t>
             </a:fld>
             <a:endParaRPr lang="en-US"/>
           </a:p>
@@ -464,7 +465,7 @@
           <a:p>
             <a:fld id="{EFE3DC24-D59A-4959-A2E7-76F4E9EDD6B7}" type="datetimeFigureOut">
               <a:rPr lang="en-US" smtClean="0"/>
-              <a:t>12/23/2019</a:t>
+              <a:t>3/2/2020</a:t>
             </a:fld>
             <a:endParaRPr lang="en-US"/>
           </a:p>
@@ -672,7 +673,7 @@
           <a:p>
             <a:fld id="{EFE3DC24-D59A-4959-A2E7-76F4E9EDD6B7}" type="datetimeFigureOut">
               <a:rPr lang="en-US" smtClean="0"/>
-              <a:t>12/23/2019</a:t>
+              <a:t>3/2/2020</a:t>
             </a:fld>
             <a:endParaRPr lang="en-US"/>
           </a:p>
@@ -870,7 +871,7 @@
           <a:p>
             <a:fld id="{EFE3DC24-D59A-4959-A2E7-76F4E9EDD6B7}" type="datetimeFigureOut">
               <a:rPr lang="en-US" smtClean="0"/>
-              <a:t>12/23/2019</a:t>
+              <a:t>3/2/2020</a:t>
             </a:fld>
             <a:endParaRPr lang="en-US"/>
           </a:p>
@@ -1145,7 +1146,7 @@
           <a:p>
             <a:fld id="{EFE3DC24-D59A-4959-A2E7-76F4E9EDD6B7}" type="datetimeFigureOut">
               <a:rPr lang="en-US" smtClean="0"/>
-              <a:t>12/23/2019</a:t>
+              <a:t>3/2/2020</a:t>
             </a:fld>
             <a:endParaRPr lang="en-US"/>
           </a:p>
@@ -1410,7 +1411,7 @@
           <a:p>
             <a:fld id="{EFE3DC24-D59A-4959-A2E7-76F4E9EDD6B7}" type="datetimeFigureOut">
               <a:rPr lang="en-US" smtClean="0"/>
-              <a:t>12/23/2019</a:t>
+              <a:t>3/2/2020</a:t>
             </a:fld>
             <a:endParaRPr lang="en-US"/>
           </a:p>
@@ -1822,7 +1823,7 @@
           <a:p>
             <a:fld id="{EFE3DC24-D59A-4959-A2E7-76F4E9EDD6B7}" type="datetimeFigureOut">
               <a:rPr lang="en-US" smtClean="0"/>
-              <a:t>12/23/2019</a:t>
+              <a:t>3/2/2020</a:t>
             </a:fld>
             <a:endParaRPr lang="en-US"/>
           </a:p>
@@ -1963,7 +1964,7 @@
           <a:p>
             <a:fld id="{EFE3DC24-D59A-4959-A2E7-76F4E9EDD6B7}" type="datetimeFigureOut">
               <a:rPr lang="en-US" smtClean="0"/>
-              <a:t>12/23/2019</a:t>
+              <a:t>3/2/2020</a:t>
             </a:fld>
             <a:endParaRPr lang="en-US"/>
           </a:p>
@@ -2076,7 +2077,7 @@
           <a:p>
             <a:fld id="{EFE3DC24-D59A-4959-A2E7-76F4E9EDD6B7}" type="datetimeFigureOut">
               <a:rPr lang="en-US" smtClean="0"/>
-              <a:t>12/23/2019</a:t>
+              <a:t>3/2/2020</a:t>
             </a:fld>
             <a:endParaRPr lang="en-US"/>
           </a:p>
@@ -2387,7 +2388,7 @@
           <a:p>
             <a:fld id="{EFE3DC24-D59A-4959-A2E7-76F4E9EDD6B7}" type="datetimeFigureOut">
               <a:rPr lang="en-US" smtClean="0"/>
-              <a:t>12/23/2019</a:t>
+              <a:t>3/2/2020</a:t>
             </a:fld>
             <a:endParaRPr lang="en-US"/>
           </a:p>
@@ -2675,7 +2676,7 @@
           <a:p>
             <a:fld id="{EFE3DC24-D59A-4959-A2E7-76F4E9EDD6B7}" type="datetimeFigureOut">
               <a:rPr lang="en-US" smtClean="0"/>
-              <a:t>12/23/2019</a:t>
+              <a:t>3/2/2020</a:t>
             </a:fld>
             <a:endParaRPr lang="en-US"/>
           </a:p>
@@ -2916,7 +2917,7 @@
           <a:p>
             <a:fld id="{EFE3DC24-D59A-4959-A2E7-76F4E9EDD6B7}" type="datetimeFigureOut">
               <a:rPr lang="en-US" smtClean="0"/>
-              <a:t>12/23/2019</a:t>
+              <a:t>3/2/2020</a:t>
             </a:fld>
             <a:endParaRPr lang="en-US"/>
           </a:p>
@@ -18114,6 +18115,812 @@
 </p:sld>
 </file>
 
+<file path=ppt/slides/slide9.xml><?xml version="1.0" encoding="utf-8"?>
+<p:sld xmlns:a="http://schemas.openxmlformats.org/drawingml/2006/main" xmlns:r="http://schemas.openxmlformats.org/officeDocument/2006/relationships" xmlns:p="http://schemas.openxmlformats.org/presentationml/2006/main">
+  <p:cSld>
+    <p:spTree>
+      <p:nvGrpSpPr>
+        <p:cNvPr id="1" name=""/>
+        <p:cNvGrpSpPr/>
+        <p:nvPr/>
+      </p:nvGrpSpPr>
+      <p:grpSpPr>
+        <a:xfrm>
+          <a:off x="0" y="0"/>
+          <a:ext cx="0" cy="0"/>
+          <a:chOff x="0" y="0"/>
+          <a:chExt cx="0" cy="0"/>
+        </a:xfrm>
+      </p:grpSpPr>
+      <p:pic>
+        <p:nvPicPr>
+          <p:cNvPr id="4" name="Picture 3">
+            <a:extLst>
+              <a:ext uri="{FF2B5EF4-FFF2-40B4-BE49-F238E27FC236}">
+                <a16:creationId xmlns:a16="http://schemas.microsoft.com/office/drawing/2014/main" id="{F89A6322-5049-4AFC-B4EA-9E49FF89AFF3}"/>
+              </a:ext>
+            </a:extLst>
+          </p:cNvPr>
+          <p:cNvPicPr>
+            <a:picLocks noChangeAspect="1"/>
+          </p:cNvPicPr>
+          <p:nvPr/>
+        </p:nvPicPr>
+        <p:blipFill rotWithShape="1">
+          <a:blip r:embed="rId2"/>
+          <a:srcRect t="10521" r="4302"/>
+          <a:stretch/>
+        </p:blipFill>
+        <p:spPr>
+          <a:xfrm>
+            <a:off x="131794" y="2369182"/>
+            <a:ext cx="5338564" cy="2874152"/>
+          </a:xfrm>
+          <a:prstGeom prst="rect">
+            <a:avLst/>
+          </a:prstGeom>
+        </p:spPr>
+      </p:pic>
+      <p:pic>
+        <p:nvPicPr>
+          <p:cNvPr id="5" name="Picture 4">
+            <a:extLst>
+              <a:ext uri="{FF2B5EF4-FFF2-40B4-BE49-F238E27FC236}">
+                <a16:creationId xmlns:a16="http://schemas.microsoft.com/office/drawing/2014/main" id="{FAA4F3A3-99BA-4BDB-9CED-0D2C6680DC41}"/>
+              </a:ext>
+            </a:extLst>
+          </p:cNvPr>
+          <p:cNvPicPr>
+            <a:picLocks noChangeAspect="1"/>
+          </p:cNvPicPr>
+          <p:nvPr/>
+        </p:nvPicPr>
+        <p:blipFill>
+          <a:blip r:embed="rId3"/>
+          <a:stretch>
+            <a:fillRect/>
+          </a:stretch>
+        </p:blipFill>
+        <p:spPr>
+          <a:xfrm>
+            <a:off x="7103074" y="2031256"/>
+            <a:ext cx="4864116" cy="1750850"/>
+          </a:xfrm>
+          <a:prstGeom prst="rect">
+            <a:avLst/>
+          </a:prstGeom>
+        </p:spPr>
+      </p:pic>
+      <p:sp>
+        <p:nvSpPr>
+          <p:cNvPr id="6" name="Rectangle 5">
+            <a:extLst>
+              <a:ext uri="{FF2B5EF4-FFF2-40B4-BE49-F238E27FC236}">
+                <a16:creationId xmlns:a16="http://schemas.microsoft.com/office/drawing/2014/main" id="{FF037C7A-A9F3-445A-B82C-2C5F6B7CBF3C}"/>
+              </a:ext>
+            </a:extLst>
+          </p:cNvPr>
+          <p:cNvSpPr/>
+          <p:nvPr/>
+        </p:nvSpPr>
+        <p:spPr>
+          <a:xfrm>
+            <a:off x="243906" y="4956028"/>
+            <a:ext cx="1894114" cy="169425"/>
+          </a:xfrm>
+          <a:prstGeom prst="rect">
+            <a:avLst/>
+          </a:prstGeom>
+          <a:solidFill>
+            <a:srgbClr val="4472C4">
+              <a:alpha val="20000"/>
+            </a:srgbClr>
+          </a:solidFill>
+          <a:ln>
+            <a:solidFill>
+              <a:schemeClr val="accent1"/>
+            </a:solidFill>
+          </a:ln>
+        </p:spPr>
+        <p:style>
+          <a:lnRef idx="0">
+            <a:scrgbClr r="0" g="0" b="0"/>
+          </a:lnRef>
+          <a:fillRef idx="0">
+            <a:scrgbClr r="0" g="0" b="0"/>
+          </a:fillRef>
+          <a:effectRef idx="0">
+            <a:scrgbClr r="0" g="0" b="0"/>
+          </a:effectRef>
+          <a:fontRef idx="minor">
+            <a:schemeClr val="lt1"/>
+          </a:fontRef>
+        </p:style>
+        <p:txBody>
+          <a:bodyPr rtlCol="0" anchor="ctr"/>
+          <a:lstStyle/>
+          <a:p>
+            <a:pPr algn="ctr"/>
+            <a:endParaRPr lang="en-US"/>
+          </a:p>
+        </p:txBody>
+      </p:sp>
+      <p:sp>
+        <p:nvSpPr>
+          <p:cNvPr id="7" name="Rectangle 6">
+            <a:extLst>
+              <a:ext uri="{FF2B5EF4-FFF2-40B4-BE49-F238E27FC236}">
+                <a16:creationId xmlns:a16="http://schemas.microsoft.com/office/drawing/2014/main" id="{50E6031A-5A09-4690-B23E-F91F0124C7DD}"/>
+              </a:ext>
+            </a:extLst>
+          </p:cNvPr>
+          <p:cNvSpPr/>
+          <p:nvPr/>
+        </p:nvSpPr>
+        <p:spPr>
+          <a:xfrm>
+            <a:off x="243906" y="4130842"/>
+            <a:ext cx="1894114" cy="585537"/>
+          </a:xfrm>
+          <a:prstGeom prst="rect">
+            <a:avLst/>
+          </a:prstGeom>
+          <a:solidFill>
+            <a:srgbClr val="4472C4">
+              <a:alpha val="20000"/>
+            </a:srgbClr>
+          </a:solidFill>
+          <a:ln>
+            <a:solidFill>
+              <a:schemeClr val="accent1"/>
+            </a:solidFill>
+          </a:ln>
+        </p:spPr>
+        <p:style>
+          <a:lnRef idx="0">
+            <a:scrgbClr r="0" g="0" b="0"/>
+          </a:lnRef>
+          <a:fillRef idx="0">
+            <a:scrgbClr r="0" g="0" b="0"/>
+          </a:fillRef>
+          <a:effectRef idx="0">
+            <a:scrgbClr r="0" g="0" b="0"/>
+          </a:effectRef>
+          <a:fontRef idx="minor">
+            <a:schemeClr val="lt1"/>
+          </a:fontRef>
+        </p:style>
+        <p:txBody>
+          <a:bodyPr rtlCol="0" anchor="ctr"/>
+          <a:lstStyle/>
+          <a:p>
+            <a:pPr algn="ctr"/>
+            <a:endParaRPr lang="en-US"/>
+          </a:p>
+        </p:txBody>
+      </p:sp>
+      <p:sp>
+        <p:nvSpPr>
+          <p:cNvPr id="8" name="Rectangle 7">
+            <a:extLst>
+              <a:ext uri="{FF2B5EF4-FFF2-40B4-BE49-F238E27FC236}">
+                <a16:creationId xmlns:a16="http://schemas.microsoft.com/office/drawing/2014/main" id="{015BCF18-3969-4ED4-A10F-232DF6D0FE20}"/>
+              </a:ext>
+            </a:extLst>
+          </p:cNvPr>
+          <p:cNvSpPr/>
+          <p:nvPr/>
+        </p:nvSpPr>
+        <p:spPr>
+          <a:xfrm>
+            <a:off x="243906" y="3144254"/>
+            <a:ext cx="1894114" cy="746940"/>
+          </a:xfrm>
+          <a:prstGeom prst="rect">
+            <a:avLst/>
+          </a:prstGeom>
+          <a:solidFill>
+            <a:srgbClr val="4472C4">
+              <a:alpha val="20000"/>
+            </a:srgbClr>
+          </a:solidFill>
+          <a:ln>
+            <a:solidFill>
+              <a:schemeClr val="accent1"/>
+            </a:solidFill>
+          </a:ln>
+        </p:spPr>
+        <p:style>
+          <a:lnRef idx="0">
+            <a:scrgbClr r="0" g="0" b="0"/>
+          </a:lnRef>
+          <a:fillRef idx="0">
+            <a:scrgbClr r="0" g="0" b="0"/>
+          </a:fillRef>
+          <a:effectRef idx="0">
+            <a:scrgbClr r="0" g="0" b="0"/>
+          </a:effectRef>
+          <a:fontRef idx="minor">
+            <a:schemeClr val="lt1"/>
+          </a:fontRef>
+        </p:style>
+        <p:txBody>
+          <a:bodyPr rtlCol="0" anchor="ctr"/>
+          <a:lstStyle/>
+          <a:p>
+            <a:pPr algn="ctr"/>
+            <a:endParaRPr lang="en-US"/>
+          </a:p>
+        </p:txBody>
+      </p:sp>
+      <p:sp>
+        <p:nvSpPr>
+          <p:cNvPr id="9" name="Rectangle 8">
+            <a:extLst>
+              <a:ext uri="{FF2B5EF4-FFF2-40B4-BE49-F238E27FC236}">
+                <a16:creationId xmlns:a16="http://schemas.microsoft.com/office/drawing/2014/main" id="{365A9EAB-EBAB-4AD8-89A3-4750B24E142D}"/>
+              </a:ext>
+            </a:extLst>
+          </p:cNvPr>
+          <p:cNvSpPr/>
+          <p:nvPr/>
+        </p:nvSpPr>
+        <p:spPr>
+          <a:xfrm>
+            <a:off x="7246284" y="2843463"/>
+            <a:ext cx="1894114" cy="204537"/>
+          </a:xfrm>
+          <a:prstGeom prst="rect">
+            <a:avLst/>
+          </a:prstGeom>
+          <a:solidFill>
+            <a:srgbClr val="4472C4">
+              <a:alpha val="20000"/>
+            </a:srgbClr>
+          </a:solidFill>
+          <a:ln>
+            <a:solidFill>
+              <a:schemeClr val="accent1"/>
+            </a:solidFill>
+          </a:ln>
+        </p:spPr>
+        <p:style>
+          <a:lnRef idx="0">
+            <a:scrgbClr r="0" g="0" b="0"/>
+          </a:lnRef>
+          <a:fillRef idx="0">
+            <a:scrgbClr r="0" g="0" b="0"/>
+          </a:fillRef>
+          <a:effectRef idx="0">
+            <a:scrgbClr r="0" g="0" b="0"/>
+          </a:effectRef>
+          <a:fontRef idx="minor">
+            <a:schemeClr val="lt1"/>
+          </a:fontRef>
+        </p:style>
+        <p:txBody>
+          <a:bodyPr rtlCol="0" anchor="ctr"/>
+          <a:lstStyle/>
+          <a:p>
+            <a:pPr algn="ctr"/>
+            <a:endParaRPr lang="en-US"/>
+          </a:p>
+        </p:txBody>
+      </p:sp>
+      <p:cxnSp>
+        <p:nvCxnSpPr>
+          <p:cNvPr id="10" name="Connector: Elbow 9">
+            <a:extLst>
+              <a:ext uri="{FF2B5EF4-FFF2-40B4-BE49-F238E27FC236}">
+                <a16:creationId xmlns:a16="http://schemas.microsoft.com/office/drawing/2014/main" id="{7651325D-915B-411C-835A-5F972437C4ED}"/>
+              </a:ext>
+            </a:extLst>
+          </p:cNvPr>
+          <p:cNvCxnSpPr>
+            <a:stCxn id="8" idx="3"/>
+            <a:endCxn id="9" idx="1"/>
+          </p:cNvCxnSpPr>
+          <p:nvPr/>
+        </p:nvCxnSpPr>
+        <p:spPr>
+          <a:xfrm flipV="1">
+            <a:off x="2138020" y="2945732"/>
+            <a:ext cx="5108264" cy="571992"/>
+          </a:xfrm>
+          <a:prstGeom prst="bentConnector3">
+            <a:avLst>
+              <a:gd name="adj1" fmla="val 67586"/>
+            </a:avLst>
+          </a:prstGeom>
+          <a:ln>
+            <a:tailEnd type="triangle"/>
+          </a:ln>
+        </p:spPr>
+        <p:style>
+          <a:lnRef idx="1">
+            <a:schemeClr val="accent1"/>
+          </a:lnRef>
+          <a:fillRef idx="0">
+            <a:schemeClr val="accent1"/>
+          </a:fillRef>
+          <a:effectRef idx="0">
+            <a:schemeClr val="accent1"/>
+          </a:effectRef>
+          <a:fontRef idx="minor">
+            <a:schemeClr val="tx1"/>
+          </a:fontRef>
+        </p:style>
+      </p:cxnSp>
+      <p:cxnSp>
+        <p:nvCxnSpPr>
+          <p:cNvPr id="11" name="Connector: Elbow 10">
+            <a:extLst>
+              <a:ext uri="{FF2B5EF4-FFF2-40B4-BE49-F238E27FC236}">
+                <a16:creationId xmlns:a16="http://schemas.microsoft.com/office/drawing/2014/main" id="{A6ACE253-86FB-431E-B312-E36564DF7A43}"/>
+              </a:ext>
+            </a:extLst>
+          </p:cNvPr>
+          <p:cNvCxnSpPr>
+            <a:stCxn id="7" idx="3"/>
+          </p:cNvCxnSpPr>
+          <p:nvPr/>
+        </p:nvCxnSpPr>
+        <p:spPr>
+          <a:xfrm flipV="1">
+            <a:off x="2138020" y="2932187"/>
+            <a:ext cx="5108264" cy="1491424"/>
+          </a:xfrm>
+          <a:prstGeom prst="bentConnector3">
+            <a:avLst>
+              <a:gd name="adj1" fmla="val 70727"/>
+            </a:avLst>
+          </a:prstGeom>
+          <a:ln>
+            <a:tailEnd type="triangle"/>
+          </a:ln>
+        </p:spPr>
+        <p:style>
+          <a:lnRef idx="1">
+            <a:schemeClr val="accent1"/>
+          </a:lnRef>
+          <a:fillRef idx="0">
+            <a:schemeClr val="accent1"/>
+          </a:fillRef>
+          <a:effectRef idx="0">
+            <a:schemeClr val="accent1"/>
+          </a:effectRef>
+          <a:fontRef idx="minor">
+            <a:schemeClr val="tx1"/>
+          </a:fontRef>
+        </p:style>
+      </p:cxnSp>
+      <p:cxnSp>
+        <p:nvCxnSpPr>
+          <p:cNvPr id="12" name="Connector: Elbow 11">
+            <a:extLst>
+              <a:ext uri="{FF2B5EF4-FFF2-40B4-BE49-F238E27FC236}">
+                <a16:creationId xmlns:a16="http://schemas.microsoft.com/office/drawing/2014/main" id="{250A1905-1EB2-465B-8984-2307C9866B57}"/>
+              </a:ext>
+            </a:extLst>
+          </p:cNvPr>
+          <p:cNvCxnSpPr>
+            <a:endCxn id="9" idx="1"/>
+          </p:cNvCxnSpPr>
+          <p:nvPr/>
+        </p:nvCxnSpPr>
+        <p:spPr>
+          <a:xfrm flipV="1">
+            <a:off x="2138020" y="2945732"/>
+            <a:ext cx="5108264" cy="2123573"/>
+          </a:xfrm>
+          <a:prstGeom prst="bentConnector3">
+            <a:avLst>
+              <a:gd name="adj1" fmla="val 74338"/>
+            </a:avLst>
+          </a:prstGeom>
+          <a:ln>
+            <a:tailEnd type="triangle"/>
+          </a:ln>
+        </p:spPr>
+        <p:style>
+          <a:lnRef idx="1">
+            <a:schemeClr val="accent1"/>
+          </a:lnRef>
+          <a:fillRef idx="0">
+            <a:schemeClr val="accent1"/>
+          </a:fillRef>
+          <a:effectRef idx="0">
+            <a:schemeClr val="accent1"/>
+          </a:effectRef>
+          <a:fontRef idx="minor">
+            <a:schemeClr val="tx1"/>
+          </a:fontRef>
+        </p:style>
+      </p:cxnSp>
+      <p:pic>
+        <p:nvPicPr>
+          <p:cNvPr id="13" name="Picture 12">
+            <a:extLst>
+              <a:ext uri="{FF2B5EF4-FFF2-40B4-BE49-F238E27FC236}">
+                <a16:creationId xmlns:a16="http://schemas.microsoft.com/office/drawing/2014/main" id="{39531BD2-193D-4D8F-8469-339BA166DCA4}"/>
+              </a:ext>
+            </a:extLst>
+          </p:cNvPr>
+          <p:cNvPicPr>
+            <a:picLocks noChangeAspect="1"/>
+          </p:cNvPicPr>
+          <p:nvPr/>
+        </p:nvPicPr>
+        <p:blipFill>
+          <a:blip r:embed="rId4"/>
+          <a:stretch>
+            <a:fillRect/>
+          </a:stretch>
+        </p:blipFill>
+        <p:spPr>
+          <a:xfrm>
+            <a:off x="6782232" y="4956028"/>
+            <a:ext cx="3781494" cy="1659883"/>
+          </a:xfrm>
+          <a:prstGeom prst="rect">
+            <a:avLst/>
+          </a:prstGeom>
+        </p:spPr>
+      </p:pic>
+      <p:sp>
+        <p:nvSpPr>
+          <p:cNvPr id="14" name="Rectangle 13">
+            <a:extLst>
+              <a:ext uri="{FF2B5EF4-FFF2-40B4-BE49-F238E27FC236}">
+                <a16:creationId xmlns:a16="http://schemas.microsoft.com/office/drawing/2014/main" id="{948DCA3B-F829-4023-97AD-30B5CC5A841D}"/>
+              </a:ext>
+            </a:extLst>
+          </p:cNvPr>
+          <p:cNvSpPr/>
+          <p:nvPr/>
+        </p:nvSpPr>
+        <p:spPr>
+          <a:xfrm>
+            <a:off x="7246284" y="3415455"/>
+            <a:ext cx="1894114" cy="204537"/>
+          </a:xfrm>
+          <a:prstGeom prst="rect">
+            <a:avLst/>
+          </a:prstGeom>
+          <a:solidFill>
+            <a:srgbClr val="FFC000">
+              <a:alpha val="20000"/>
+            </a:srgbClr>
+          </a:solidFill>
+          <a:ln>
+            <a:solidFill>
+              <a:srgbClr val="FFFF00"/>
+            </a:solidFill>
+          </a:ln>
+        </p:spPr>
+        <p:style>
+          <a:lnRef idx="0">
+            <a:scrgbClr r="0" g="0" b="0"/>
+          </a:lnRef>
+          <a:fillRef idx="0">
+            <a:scrgbClr r="0" g="0" b="0"/>
+          </a:fillRef>
+          <a:effectRef idx="0">
+            <a:scrgbClr r="0" g="0" b="0"/>
+          </a:effectRef>
+          <a:fontRef idx="minor">
+            <a:schemeClr val="lt1"/>
+          </a:fontRef>
+        </p:style>
+        <p:txBody>
+          <a:bodyPr rtlCol="0" anchor="ctr"/>
+          <a:lstStyle/>
+          <a:p>
+            <a:pPr algn="ctr"/>
+            <a:endParaRPr lang="en-US"/>
+          </a:p>
+        </p:txBody>
+      </p:sp>
+      <p:sp>
+        <p:nvSpPr>
+          <p:cNvPr id="15" name="Rectangle 14">
+            <a:extLst>
+              <a:ext uri="{FF2B5EF4-FFF2-40B4-BE49-F238E27FC236}">
+                <a16:creationId xmlns:a16="http://schemas.microsoft.com/office/drawing/2014/main" id="{5673D1F0-C423-499A-8573-E515260DC9D3}"/>
+              </a:ext>
+            </a:extLst>
+          </p:cNvPr>
+          <p:cNvSpPr/>
+          <p:nvPr/>
+        </p:nvSpPr>
+        <p:spPr>
+          <a:xfrm>
+            <a:off x="6917421" y="5942087"/>
+            <a:ext cx="1894114" cy="204537"/>
+          </a:xfrm>
+          <a:prstGeom prst="rect">
+            <a:avLst/>
+          </a:prstGeom>
+          <a:solidFill>
+            <a:srgbClr val="FFC000">
+              <a:alpha val="20000"/>
+            </a:srgbClr>
+          </a:solidFill>
+          <a:ln>
+            <a:solidFill>
+              <a:srgbClr val="FFFF00"/>
+            </a:solidFill>
+          </a:ln>
+        </p:spPr>
+        <p:style>
+          <a:lnRef idx="0">
+            <a:scrgbClr r="0" g="0" b="0"/>
+          </a:lnRef>
+          <a:fillRef idx="0">
+            <a:scrgbClr r="0" g="0" b="0"/>
+          </a:fillRef>
+          <a:effectRef idx="0">
+            <a:scrgbClr r="0" g="0" b="0"/>
+          </a:effectRef>
+          <a:fontRef idx="minor">
+            <a:schemeClr val="lt1"/>
+          </a:fontRef>
+        </p:style>
+        <p:txBody>
+          <a:bodyPr rtlCol="0" anchor="ctr"/>
+          <a:lstStyle/>
+          <a:p>
+            <a:pPr algn="ctr"/>
+            <a:endParaRPr lang="en-US"/>
+          </a:p>
+        </p:txBody>
+      </p:sp>
+      <p:cxnSp>
+        <p:nvCxnSpPr>
+          <p:cNvPr id="16" name="Connector: Elbow 15">
+            <a:extLst>
+              <a:ext uri="{FF2B5EF4-FFF2-40B4-BE49-F238E27FC236}">
+                <a16:creationId xmlns:a16="http://schemas.microsoft.com/office/drawing/2014/main" id="{103A401E-665B-460E-9F5A-AA07BAF946B1}"/>
+              </a:ext>
+            </a:extLst>
+          </p:cNvPr>
+          <p:cNvCxnSpPr>
+            <a:stCxn id="15" idx="1"/>
+            <a:endCxn id="14" idx="1"/>
+          </p:cNvCxnSpPr>
+          <p:nvPr/>
+        </p:nvCxnSpPr>
+        <p:spPr>
+          <a:xfrm rot="10800000" flipH="1">
+            <a:off x="6917420" y="3517724"/>
+            <a:ext cx="328863" cy="2526632"/>
+          </a:xfrm>
+          <a:prstGeom prst="bentConnector3">
+            <a:avLst>
+              <a:gd name="adj1" fmla="val -69512"/>
+            </a:avLst>
+          </a:prstGeom>
+          <a:ln>
+            <a:solidFill>
+              <a:srgbClr val="FFC000"/>
+            </a:solidFill>
+            <a:tailEnd type="triangle"/>
+          </a:ln>
+        </p:spPr>
+        <p:style>
+          <a:lnRef idx="1">
+            <a:schemeClr val="accent1"/>
+          </a:lnRef>
+          <a:fillRef idx="0">
+            <a:schemeClr val="accent1"/>
+          </a:fillRef>
+          <a:effectRef idx="0">
+            <a:schemeClr val="accent1"/>
+          </a:effectRef>
+          <a:fontRef idx="minor">
+            <a:schemeClr val="tx1"/>
+          </a:fontRef>
+        </p:style>
+      </p:cxnSp>
+      <p:pic>
+        <p:nvPicPr>
+          <p:cNvPr id="17" name="Picture 16">
+            <a:extLst>
+              <a:ext uri="{FF2B5EF4-FFF2-40B4-BE49-F238E27FC236}">
+                <a16:creationId xmlns:a16="http://schemas.microsoft.com/office/drawing/2014/main" id="{79E0D4C6-4160-4E9C-A68A-B66FC0D25C85}"/>
+              </a:ext>
+            </a:extLst>
+          </p:cNvPr>
+          <p:cNvPicPr>
+            <a:picLocks noChangeAspect="1"/>
+          </p:cNvPicPr>
+          <p:nvPr/>
+        </p:nvPicPr>
+        <p:blipFill>
+          <a:blip r:embed="rId5"/>
+          <a:stretch>
+            <a:fillRect/>
+          </a:stretch>
+        </p:blipFill>
+        <p:spPr>
+          <a:xfrm>
+            <a:off x="179920" y="2011240"/>
+            <a:ext cx="5108264" cy="357942"/>
+          </a:xfrm>
+          <a:prstGeom prst="rect">
+            <a:avLst/>
+          </a:prstGeom>
+        </p:spPr>
+      </p:pic>
+      <p:sp>
+        <p:nvSpPr>
+          <p:cNvPr id="18" name="Rectangle 17">
+            <a:extLst>
+              <a:ext uri="{FF2B5EF4-FFF2-40B4-BE49-F238E27FC236}">
+                <a16:creationId xmlns:a16="http://schemas.microsoft.com/office/drawing/2014/main" id="{DD1E9E55-48D4-4488-BE2C-F7539D0B52E6}"/>
+              </a:ext>
+            </a:extLst>
+          </p:cNvPr>
+          <p:cNvSpPr/>
+          <p:nvPr/>
+        </p:nvSpPr>
+        <p:spPr>
+          <a:xfrm>
+            <a:off x="243906" y="4753434"/>
+            <a:ext cx="1894114" cy="169425"/>
+          </a:xfrm>
+          <a:prstGeom prst="rect">
+            <a:avLst/>
+          </a:prstGeom>
+          <a:solidFill>
+            <a:schemeClr val="accent6">
+              <a:lumMod val="75000"/>
+              <a:alpha val="20000"/>
+            </a:schemeClr>
+          </a:solidFill>
+          <a:ln>
+            <a:solidFill>
+              <a:srgbClr val="92D050"/>
+            </a:solidFill>
+          </a:ln>
+        </p:spPr>
+        <p:style>
+          <a:lnRef idx="0">
+            <a:scrgbClr r="0" g="0" b="0"/>
+          </a:lnRef>
+          <a:fillRef idx="0">
+            <a:scrgbClr r="0" g="0" b="0"/>
+          </a:fillRef>
+          <a:effectRef idx="0">
+            <a:scrgbClr r="0" g="0" b="0"/>
+          </a:effectRef>
+          <a:fontRef idx="minor">
+            <a:schemeClr val="lt1"/>
+          </a:fontRef>
+        </p:style>
+        <p:txBody>
+          <a:bodyPr rtlCol="0" anchor="ctr"/>
+          <a:lstStyle/>
+          <a:p>
+            <a:pPr algn="ctr"/>
+            <a:endParaRPr lang="en-US"/>
+          </a:p>
+        </p:txBody>
+      </p:sp>
+      <p:sp>
+        <p:nvSpPr>
+          <p:cNvPr id="19" name="Rectangle 18">
+            <a:extLst>
+              <a:ext uri="{FF2B5EF4-FFF2-40B4-BE49-F238E27FC236}">
+                <a16:creationId xmlns:a16="http://schemas.microsoft.com/office/drawing/2014/main" id="{42E22B79-BA39-4E9D-A7FE-C23B0A8CE4A3}"/>
+              </a:ext>
+            </a:extLst>
+          </p:cNvPr>
+          <p:cNvSpPr/>
+          <p:nvPr/>
+        </p:nvSpPr>
+        <p:spPr>
+          <a:xfrm>
+            <a:off x="7246283" y="3066364"/>
+            <a:ext cx="1894114" cy="169425"/>
+          </a:xfrm>
+          <a:prstGeom prst="rect">
+            <a:avLst/>
+          </a:prstGeom>
+          <a:solidFill>
+            <a:schemeClr val="accent6">
+              <a:lumMod val="75000"/>
+              <a:alpha val="20000"/>
+            </a:schemeClr>
+          </a:solidFill>
+          <a:ln>
+            <a:solidFill>
+              <a:srgbClr val="92D050"/>
+            </a:solidFill>
+          </a:ln>
+        </p:spPr>
+        <p:style>
+          <a:lnRef idx="0">
+            <a:scrgbClr r="0" g="0" b="0"/>
+          </a:lnRef>
+          <a:fillRef idx="0">
+            <a:scrgbClr r="0" g="0" b="0"/>
+          </a:fillRef>
+          <a:effectRef idx="0">
+            <a:scrgbClr r="0" g="0" b="0"/>
+          </a:effectRef>
+          <a:fontRef idx="minor">
+            <a:schemeClr val="lt1"/>
+          </a:fontRef>
+        </p:style>
+        <p:txBody>
+          <a:bodyPr rtlCol="0" anchor="ctr"/>
+          <a:lstStyle/>
+          <a:p>
+            <a:pPr algn="ctr"/>
+            <a:endParaRPr lang="en-US"/>
+          </a:p>
+        </p:txBody>
+      </p:sp>
+      <p:cxnSp>
+        <p:nvCxnSpPr>
+          <p:cNvPr id="20" name="Connector: Elbow 19">
+            <a:extLst>
+              <a:ext uri="{FF2B5EF4-FFF2-40B4-BE49-F238E27FC236}">
+                <a16:creationId xmlns:a16="http://schemas.microsoft.com/office/drawing/2014/main" id="{490171AB-FD70-4690-AF3A-D08A8ADEADEE}"/>
+              </a:ext>
+            </a:extLst>
+          </p:cNvPr>
+          <p:cNvCxnSpPr>
+            <a:endCxn id="19" idx="1"/>
+          </p:cNvCxnSpPr>
+          <p:nvPr/>
+        </p:nvCxnSpPr>
+        <p:spPr>
+          <a:xfrm flipV="1">
+            <a:off x="2138020" y="3151077"/>
+            <a:ext cx="5108263" cy="1687069"/>
+          </a:xfrm>
+          <a:prstGeom prst="bentConnector3">
+            <a:avLst>
+              <a:gd name="adj1" fmla="val 78264"/>
+            </a:avLst>
+          </a:prstGeom>
+          <a:ln>
+            <a:solidFill>
+              <a:srgbClr val="92D050"/>
+            </a:solidFill>
+            <a:tailEnd type="triangle"/>
+          </a:ln>
+        </p:spPr>
+        <p:style>
+          <a:lnRef idx="1">
+            <a:schemeClr val="accent1"/>
+          </a:lnRef>
+          <a:fillRef idx="0">
+            <a:schemeClr val="accent1"/>
+          </a:fillRef>
+          <a:effectRef idx="0">
+            <a:schemeClr val="accent1"/>
+          </a:effectRef>
+          <a:fontRef idx="minor">
+            <a:schemeClr val="tx1"/>
+          </a:fontRef>
+        </p:style>
+      </p:cxnSp>
+    </p:spTree>
+    <p:extLst>
+      <p:ext uri="{BB962C8B-B14F-4D97-AF65-F5344CB8AC3E}">
+        <p14:creationId xmlns:p14="http://schemas.microsoft.com/office/powerpoint/2010/main" val="3105744895"/>
+      </p:ext>
+    </p:extLst>
+  </p:cSld>
+  <p:clrMapOvr>
+    <a:masterClrMapping/>
+  </p:clrMapOvr>
+</p:sld>
+</file>
+
 <file path=ppt/theme/theme1.xml><?xml version="1.0" encoding="utf-8"?>
 <a:theme xmlns:a="http://schemas.openxmlformats.org/drawingml/2006/main" name="Office Theme">
   <a:themeElements>

--- a/_posts/201912_asa_alm101/asa_alm_schemas.pptx
+++ b/_posts/201912_asa_alm101/asa_alm_schemas.pptx
@@ -14,6 +14,7 @@
     <p:sldId id="259" r:id="rId8"/>
     <p:sldId id="262" r:id="rId9"/>
     <p:sldId id="264" r:id="rId10"/>
+    <p:sldId id="265" r:id="rId11"/>
   </p:sldIdLst>
   <p:sldSz cx="12192000" cy="6858000"/>
   <p:notesSz cx="6858000" cy="9144000"/>
@@ -267,7 +268,7 @@
           <a:p>
             <a:fld id="{EFE3DC24-D59A-4959-A2E7-76F4E9EDD6B7}" type="datetimeFigureOut">
               <a:rPr lang="en-US" smtClean="0"/>
-              <a:t>3/2/2020</a:t>
+              <a:t>3/31/2020</a:t>
             </a:fld>
             <a:endParaRPr lang="en-US"/>
           </a:p>
@@ -465,7 +466,7 @@
           <a:p>
             <a:fld id="{EFE3DC24-D59A-4959-A2E7-76F4E9EDD6B7}" type="datetimeFigureOut">
               <a:rPr lang="en-US" smtClean="0"/>
-              <a:t>3/2/2020</a:t>
+              <a:t>3/31/2020</a:t>
             </a:fld>
             <a:endParaRPr lang="en-US"/>
           </a:p>
@@ -673,7 +674,7 @@
           <a:p>
             <a:fld id="{EFE3DC24-D59A-4959-A2E7-76F4E9EDD6B7}" type="datetimeFigureOut">
               <a:rPr lang="en-US" smtClean="0"/>
-              <a:t>3/2/2020</a:t>
+              <a:t>3/31/2020</a:t>
             </a:fld>
             <a:endParaRPr lang="en-US"/>
           </a:p>
@@ -871,7 +872,7 @@
           <a:p>
             <a:fld id="{EFE3DC24-D59A-4959-A2E7-76F4E9EDD6B7}" type="datetimeFigureOut">
               <a:rPr lang="en-US" smtClean="0"/>
-              <a:t>3/2/2020</a:t>
+              <a:t>3/31/2020</a:t>
             </a:fld>
             <a:endParaRPr lang="en-US"/>
           </a:p>
@@ -1146,7 +1147,7 @@
           <a:p>
             <a:fld id="{EFE3DC24-D59A-4959-A2E7-76F4E9EDD6B7}" type="datetimeFigureOut">
               <a:rPr lang="en-US" smtClean="0"/>
-              <a:t>3/2/2020</a:t>
+              <a:t>3/31/2020</a:t>
             </a:fld>
             <a:endParaRPr lang="en-US"/>
           </a:p>
@@ -1411,7 +1412,7 @@
           <a:p>
             <a:fld id="{EFE3DC24-D59A-4959-A2E7-76F4E9EDD6B7}" type="datetimeFigureOut">
               <a:rPr lang="en-US" smtClean="0"/>
-              <a:t>3/2/2020</a:t>
+              <a:t>3/31/2020</a:t>
             </a:fld>
             <a:endParaRPr lang="en-US"/>
           </a:p>
@@ -1823,7 +1824,7 @@
           <a:p>
             <a:fld id="{EFE3DC24-D59A-4959-A2E7-76F4E9EDD6B7}" type="datetimeFigureOut">
               <a:rPr lang="en-US" smtClean="0"/>
-              <a:t>3/2/2020</a:t>
+              <a:t>3/31/2020</a:t>
             </a:fld>
             <a:endParaRPr lang="en-US"/>
           </a:p>
@@ -1964,7 +1965,7 @@
           <a:p>
             <a:fld id="{EFE3DC24-D59A-4959-A2E7-76F4E9EDD6B7}" type="datetimeFigureOut">
               <a:rPr lang="en-US" smtClean="0"/>
-              <a:t>3/2/2020</a:t>
+              <a:t>3/31/2020</a:t>
             </a:fld>
             <a:endParaRPr lang="en-US"/>
           </a:p>
@@ -2077,7 +2078,7 @@
           <a:p>
             <a:fld id="{EFE3DC24-D59A-4959-A2E7-76F4E9EDD6B7}" type="datetimeFigureOut">
               <a:rPr lang="en-US" smtClean="0"/>
-              <a:t>3/2/2020</a:t>
+              <a:t>3/31/2020</a:t>
             </a:fld>
             <a:endParaRPr lang="en-US"/>
           </a:p>
@@ -2388,7 +2389,7 @@
           <a:p>
             <a:fld id="{EFE3DC24-D59A-4959-A2E7-76F4E9EDD6B7}" type="datetimeFigureOut">
               <a:rPr lang="en-US" smtClean="0"/>
-              <a:t>3/2/2020</a:t>
+              <a:t>3/31/2020</a:t>
             </a:fld>
             <a:endParaRPr lang="en-US"/>
           </a:p>
@@ -2676,7 +2677,7 @@
           <a:p>
             <a:fld id="{EFE3DC24-D59A-4959-A2E7-76F4E9EDD6B7}" type="datetimeFigureOut">
               <a:rPr lang="en-US" smtClean="0"/>
-              <a:t>3/2/2020</a:t>
+              <a:t>3/31/2020</a:t>
             </a:fld>
             <a:endParaRPr lang="en-US"/>
           </a:p>
@@ -2917,7 +2918,7 @@
           <a:p>
             <a:fld id="{EFE3DC24-D59A-4959-A2E7-76F4E9EDD6B7}" type="datetimeFigureOut">
               <a:rPr lang="en-US" smtClean="0"/>
-              <a:t>3/2/2020</a:t>
+              <a:t>3/31/2020</a:t>
             </a:fld>
             <a:endParaRPr lang="en-US"/>
           </a:p>
@@ -3397,6 +3398,683 @@
 </p:sld>
 </file>
 
+<file path=ppt/slides/slide10.xml><?xml version="1.0" encoding="utf-8"?>
+<p:sld xmlns:a="http://schemas.openxmlformats.org/drawingml/2006/main" xmlns:r="http://schemas.openxmlformats.org/officeDocument/2006/relationships" xmlns:p="http://schemas.openxmlformats.org/presentationml/2006/main">
+  <p:cSld>
+    <p:spTree>
+      <p:nvGrpSpPr>
+        <p:cNvPr id="1" name=""/>
+        <p:cNvGrpSpPr/>
+        <p:nvPr/>
+      </p:nvGrpSpPr>
+      <p:grpSpPr>
+        <a:xfrm>
+          <a:off x="0" y="0"/>
+          <a:ext cx="0" cy="0"/>
+          <a:chOff x="0" y="0"/>
+          <a:chExt cx="0" cy="0"/>
+        </a:xfrm>
+      </p:grpSpPr>
+      <p:pic>
+        <p:nvPicPr>
+          <p:cNvPr id="2" name="Picture 1">
+            <a:extLst>
+              <a:ext uri="{FF2B5EF4-FFF2-40B4-BE49-F238E27FC236}">
+                <a16:creationId xmlns:a16="http://schemas.microsoft.com/office/drawing/2014/main" id="{7C8E8469-5D8A-437A-8A66-BE90C5B9A53F}"/>
+              </a:ext>
+            </a:extLst>
+          </p:cNvPr>
+          <p:cNvPicPr>
+            <a:picLocks noChangeAspect="1"/>
+          </p:cNvPicPr>
+          <p:nvPr/>
+        </p:nvPicPr>
+        <p:blipFill>
+          <a:blip r:embed="rId2"/>
+          <a:stretch>
+            <a:fillRect/>
+          </a:stretch>
+        </p:blipFill>
+        <p:spPr>
+          <a:xfrm>
+            <a:off x="7092306" y="2046816"/>
+            <a:ext cx="5032400" cy="1695001"/>
+          </a:xfrm>
+          <a:prstGeom prst="rect">
+            <a:avLst/>
+          </a:prstGeom>
+        </p:spPr>
+      </p:pic>
+      <p:pic>
+        <p:nvPicPr>
+          <p:cNvPr id="4" name="Picture 3">
+            <a:extLst>
+              <a:ext uri="{FF2B5EF4-FFF2-40B4-BE49-F238E27FC236}">
+                <a16:creationId xmlns:a16="http://schemas.microsoft.com/office/drawing/2014/main" id="{F89A6322-5049-4AFC-B4EA-9E49FF89AFF3}"/>
+              </a:ext>
+            </a:extLst>
+          </p:cNvPr>
+          <p:cNvPicPr>
+            <a:picLocks noChangeAspect="1"/>
+          </p:cNvPicPr>
+          <p:nvPr/>
+        </p:nvPicPr>
+        <p:blipFill rotWithShape="1">
+          <a:blip r:embed="rId3"/>
+          <a:srcRect t="10521" r="4302"/>
+          <a:stretch/>
+        </p:blipFill>
+        <p:spPr>
+          <a:xfrm>
+            <a:off x="131794" y="2369182"/>
+            <a:ext cx="5338564" cy="2874152"/>
+          </a:xfrm>
+          <a:prstGeom prst="rect">
+            <a:avLst/>
+          </a:prstGeom>
+        </p:spPr>
+      </p:pic>
+      <p:sp>
+        <p:nvSpPr>
+          <p:cNvPr id="6" name="Rectangle 5">
+            <a:extLst>
+              <a:ext uri="{FF2B5EF4-FFF2-40B4-BE49-F238E27FC236}">
+                <a16:creationId xmlns:a16="http://schemas.microsoft.com/office/drawing/2014/main" id="{FF037C7A-A9F3-445A-B82C-2C5F6B7CBF3C}"/>
+              </a:ext>
+            </a:extLst>
+          </p:cNvPr>
+          <p:cNvSpPr/>
+          <p:nvPr/>
+        </p:nvSpPr>
+        <p:spPr>
+          <a:xfrm>
+            <a:off x="243906" y="4956028"/>
+            <a:ext cx="1894114" cy="169425"/>
+          </a:xfrm>
+          <a:prstGeom prst="rect">
+            <a:avLst/>
+          </a:prstGeom>
+          <a:solidFill>
+            <a:srgbClr val="4472C4">
+              <a:alpha val="20000"/>
+            </a:srgbClr>
+          </a:solidFill>
+          <a:ln>
+            <a:solidFill>
+              <a:schemeClr val="accent1"/>
+            </a:solidFill>
+          </a:ln>
+        </p:spPr>
+        <p:style>
+          <a:lnRef idx="0">
+            <a:scrgbClr r="0" g="0" b="0"/>
+          </a:lnRef>
+          <a:fillRef idx="0">
+            <a:scrgbClr r="0" g="0" b="0"/>
+          </a:fillRef>
+          <a:effectRef idx="0">
+            <a:scrgbClr r="0" g="0" b="0"/>
+          </a:effectRef>
+          <a:fontRef idx="minor">
+            <a:schemeClr val="lt1"/>
+          </a:fontRef>
+        </p:style>
+        <p:txBody>
+          <a:bodyPr rtlCol="0" anchor="ctr"/>
+          <a:lstStyle/>
+          <a:p>
+            <a:pPr algn="ctr"/>
+            <a:endParaRPr lang="en-US"/>
+          </a:p>
+        </p:txBody>
+      </p:sp>
+      <p:sp>
+        <p:nvSpPr>
+          <p:cNvPr id="7" name="Rectangle 6">
+            <a:extLst>
+              <a:ext uri="{FF2B5EF4-FFF2-40B4-BE49-F238E27FC236}">
+                <a16:creationId xmlns:a16="http://schemas.microsoft.com/office/drawing/2014/main" id="{50E6031A-5A09-4690-B23E-F91F0124C7DD}"/>
+              </a:ext>
+            </a:extLst>
+          </p:cNvPr>
+          <p:cNvSpPr/>
+          <p:nvPr/>
+        </p:nvSpPr>
+        <p:spPr>
+          <a:xfrm>
+            <a:off x="243906" y="4130842"/>
+            <a:ext cx="1894114" cy="585537"/>
+          </a:xfrm>
+          <a:prstGeom prst="rect">
+            <a:avLst/>
+          </a:prstGeom>
+          <a:solidFill>
+            <a:srgbClr val="4472C4">
+              <a:alpha val="20000"/>
+            </a:srgbClr>
+          </a:solidFill>
+          <a:ln>
+            <a:solidFill>
+              <a:schemeClr val="accent1"/>
+            </a:solidFill>
+          </a:ln>
+        </p:spPr>
+        <p:style>
+          <a:lnRef idx="0">
+            <a:scrgbClr r="0" g="0" b="0"/>
+          </a:lnRef>
+          <a:fillRef idx="0">
+            <a:scrgbClr r="0" g="0" b="0"/>
+          </a:fillRef>
+          <a:effectRef idx="0">
+            <a:scrgbClr r="0" g="0" b="0"/>
+          </a:effectRef>
+          <a:fontRef idx="minor">
+            <a:schemeClr val="lt1"/>
+          </a:fontRef>
+        </p:style>
+        <p:txBody>
+          <a:bodyPr rtlCol="0" anchor="ctr"/>
+          <a:lstStyle/>
+          <a:p>
+            <a:pPr algn="ctr"/>
+            <a:endParaRPr lang="en-US"/>
+          </a:p>
+        </p:txBody>
+      </p:sp>
+      <p:sp>
+        <p:nvSpPr>
+          <p:cNvPr id="8" name="Rectangle 7">
+            <a:extLst>
+              <a:ext uri="{FF2B5EF4-FFF2-40B4-BE49-F238E27FC236}">
+                <a16:creationId xmlns:a16="http://schemas.microsoft.com/office/drawing/2014/main" id="{015BCF18-3969-4ED4-A10F-232DF6D0FE20}"/>
+              </a:ext>
+            </a:extLst>
+          </p:cNvPr>
+          <p:cNvSpPr/>
+          <p:nvPr/>
+        </p:nvSpPr>
+        <p:spPr>
+          <a:xfrm>
+            <a:off x="243906" y="3144254"/>
+            <a:ext cx="1894114" cy="746940"/>
+          </a:xfrm>
+          <a:prstGeom prst="rect">
+            <a:avLst/>
+          </a:prstGeom>
+          <a:solidFill>
+            <a:srgbClr val="4472C4">
+              <a:alpha val="20000"/>
+            </a:srgbClr>
+          </a:solidFill>
+          <a:ln>
+            <a:solidFill>
+              <a:schemeClr val="accent1"/>
+            </a:solidFill>
+          </a:ln>
+        </p:spPr>
+        <p:style>
+          <a:lnRef idx="0">
+            <a:scrgbClr r="0" g="0" b="0"/>
+          </a:lnRef>
+          <a:fillRef idx="0">
+            <a:scrgbClr r="0" g="0" b="0"/>
+          </a:fillRef>
+          <a:effectRef idx="0">
+            <a:scrgbClr r="0" g="0" b="0"/>
+          </a:effectRef>
+          <a:fontRef idx="minor">
+            <a:schemeClr val="lt1"/>
+          </a:fontRef>
+        </p:style>
+        <p:txBody>
+          <a:bodyPr rtlCol="0" anchor="ctr"/>
+          <a:lstStyle/>
+          <a:p>
+            <a:pPr algn="ctr"/>
+            <a:endParaRPr lang="en-US"/>
+          </a:p>
+        </p:txBody>
+      </p:sp>
+      <p:sp>
+        <p:nvSpPr>
+          <p:cNvPr id="9" name="Rectangle 8">
+            <a:extLst>
+              <a:ext uri="{FF2B5EF4-FFF2-40B4-BE49-F238E27FC236}">
+                <a16:creationId xmlns:a16="http://schemas.microsoft.com/office/drawing/2014/main" id="{365A9EAB-EBAB-4AD8-89A3-4750B24E142D}"/>
+              </a:ext>
+            </a:extLst>
+          </p:cNvPr>
+          <p:cNvSpPr/>
+          <p:nvPr/>
+        </p:nvSpPr>
+        <p:spPr>
+          <a:xfrm>
+            <a:off x="7246283" y="2843463"/>
+            <a:ext cx="1894114" cy="204537"/>
+          </a:xfrm>
+          <a:prstGeom prst="rect">
+            <a:avLst/>
+          </a:prstGeom>
+          <a:solidFill>
+            <a:srgbClr val="4472C4">
+              <a:alpha val="20000"/>
+            </a:srgbClr>
+          </a:solidFill>
+          <a:ln>
+            <a:solidFill>
+              <a:schemeClr val="accent1"/>
+            </a:solidFill>
+          </a:ln>
+        </p:spPr>
+        <p:style>
+          <a:lnRef idx="0">
+            <a:scrgbClr r="0" g="0" b="0"/>
+          </a:lnRef>
+          <a:fillRef idx="0">
+            <a:scrgbClr r="0" g="0" b="0"/>
+          </a:fillRef>
+          <a:effectRef idx="0">
+            <a:scrgbClr r="0" g="0" b="0"/>
+          </a:effectRef>
+          <a:fontRef idx="minor">
+            <a:schemeClr val="lt1"/>
+          </a:fontRef>
+        </p:style>
+        <p:txBody>
+          <a:bodyPr rtlCol="0" anchor="ctr"/>
+          <a:lstStyle/>
+          <a:p>
+            <a:pPr algn="ctr"/>
+            <a:endParaRPr lang="en-US"/>
+          </a:p>
+        </p:txBody>
+      </p:sp>
+      <p:cxnSp>
+        <p:nvCxnSpPr>
+          <p:cNvPr id="10" name="Connector: Elbow 9">
+            <a:extLst>
+              <a:ext uri="{FF2B5EF4-FFF2-40B4-BE49-F238E27FC236}">
+                <a16:creationId xmlns:a16="http://schemas.microsoft.com/office/drawing/2014/main" id="{7651325D-915B-411C-835A-5F972437C4ED}"/>
+              </a:ext>
+            </a:extLst>
+          </p:cNvPr>
+          <p:cNvCxnSpPr>
+            <a:stCxn id="8" idx="3"/>
+            <a:endCxn id="9" idx="1"/>
+          </p:cNvCxnSpPr>
+          <p:nvPr/>
+        </p:nvCxnSpPr>
+        <p:spPr>
+          <a:xfrm flipV="1">
+            <a:off x="2138020" y="2945732"/>
+            <a:ext cx="5108263" cy="571992"/>
+          </a:xfrm>
+          <a:prstGeom prst="bentConnector3">
+            <a:avLst>
+              <a:gd name="adj1" fmla="val 66738"/>
+            </a:avLst>
+          </a:prstGeom>
+          <a:ln>
+            <a:tailEnd type="triangle"/>
+          </a:ln>
+        </p:spPr>
+        <p:style>
+          <a:lnRef idx="1">
+            <a:schemeClr val="accent1"/>
+          </a:lnRef>
+          <a:fillRef idx="0">
+            <a:schemeClr val="accent1"/>
+          </a:fillRef>
+          <a:effectRef idx="0">
+            <a:schemeClr val="accent1"/>
+          </a:effectRef>
+          <a:fontRef idx="minor">
+            <a:schemeClr val="tx1"/>
+          </a:fontRef>
+        </p:style>
+      </p:cxnSp>
+      <p:cxnSp>
+        <p:nvCxnSpPr>
+          <p:cNvPr id="11" name="Connector: Elbow 10">
+            <a:extLst>
+              <a:ext uri="{FF2B5EF4-FFF2-40B4-BE49-F238E27FC236}">
+                <a16:creationId xmlns:a16="http://schemas.microsoft.com/office/drawing/2014/main" id="{A6ACE253-86FB-431E-B312-E36564DF7A43}"/>
+              </a:ext>
+            </a:extLst>
+          </p:cNvPr>
+          <p:cNvCxnSpPr>
+            <a:stCxn id="7" idx="3"/>
+          </p:cNvCxnSpPr>
+          <p:nvPr/>
+        </p:nvCxnSpPr>
+        <p:spPr>
+          <a:xfrm flipV="1">
+            <a:off x="2138020" y="2932187"/>
+            <a:ext cx="5108264" cy="1491424"/>
+          </a:xfrm>
+          <a:prstGeom prst="bentConnector3">
+            <a:avLst>
+              <a:gd name="adj1" fmla="val 70727"/>
+            </a:avLst>
+          </a:prstGeom>
+          <a:ln>
+            <a:tailEnd type="triangle"/>
+          </a:ln>
+        </p:spPr>
+        <p:style>
+          <a:lnRef idx="1">
+            <a:schemeClr val="accent1"/>
+          </a:lnRef>
+          <a:fillRef idx="0">
+            <a:schemeClr val="accent1"/>
+          </a:fillRef>
+          <a:effectRef idx="0">
+            <a:schemeClr val="accent1"/>
+          </a:effectRef>
+          <a:fontRef idx="minor">
+            <a:schemeClr val="tx1"/>
+          </a:fontRef>
+        </p:style>
+      </p:cxnSp>
+      <p:cxnSp>
+        <p:nvCxnSpPr>
+          <p:cNvPr id="12" name="Connector: Elbow 11">
+            <a:extLst>
+              <a:ext uri="{FF2B5EF4-FFF2-40B4-BE49-F238E27FC236}">
+                <a16:creationId xmlns:a16="http://schemas.microsoft.com/office/drawing/2014/main" id="{250A1905-1EB2-465B-8984-2307C9866B57}"/>
+              </a:ext>
+            </a:extLst>
+          </p:cNvPr>
+          <p:cNvCxnSpPr>
+            <a:endCxn id="9" idx="1"/>
+          </p:cNvCxnSpPr>
+          <p:nvPr/>
+        </p:nvCxnSpPr>
+        <p:spPr>
+          <a:xfrm flipV="1">
+            <a:off x="2138020" y="2945732"/>
+            <a:ext cx="5108263" cy="2123574"/>
+          </a:xfrm>
+          <a:prstGeom prst="bentConnector3">
+            <a:avLst>
+              <a:gd name="adj1" fmla="val 74526"/>
+            </a:avLst>
+          </a:prstGeom>
+          <a:ln>
+            <a:tailEnd type="triangle"/>
+          </a:ln>
+        </p:spPr>
+        <p:style>
+          <a:lnRef idx="1">
+            <a:schemeClr val="accent1"/>
+          </a:lnRef>
+          <a:fillRef idx="0">
+            <a:schemeClr val="accent1"/>
+          </a:fillRef>
+          <a:effectRef idx="0">
+            <a:schemeClr val="accent1"/>
+          </a:effectRef>
+          <a:fontRef idx="minor">
+            <a:schemeClr val="tx1"/>
+          </a:fontRef>
+        </p:style>
+      </p:cxnSp>
+      <p:sp>
+        <p:nvSpPr>
+          <p:cNvPr id="14" name="Rectangle 13">
+            <a:extLst>
+              <a:ext uri="{FF2B5EF4-FFF2-40B4-BE49-F238E27FC236}">
+                <a16:creationId xmlns:a16="http://schemas.microsoft.com/office/drawing/2014/main" id="{948DCA3B-F829-4023-97AD-30B5CC5A841D}"/>
+              </a:ext>
+            </a:extLst>
+          </p:cNvPr>
+          <p:cNvSpPr/>
+          <p:nvPr/>
+        </p:nvSpPr>
+        <p:spPr>
+          <a:xfrm>
+            <a:off x="7246283" y="3046640"/>
+            <a:ext cx="1894114" cy="204537"/>
+          </a:xfrm>
+          <a:prstGeom prst="rect">
+            <a:avLst/>
+          </a:prstGeom>
+          <a:solidFill>
+            <a:srgbClr val="FFC000">
+              <a:alpha val="20000"/>
+            </a:srgbClr>
+          </a:solidFill>
+          <a:ln>
+            <a:solidFill>
+              <a:srgbClr val="FFFF00"/>
+            </a:solidFill>
+          </a:ln>
+        </p:spPr>
+        <p:style>
+          <a:lnRef idx="0">
+            <a:scrgbClr r="0" g="0" b="0"/>
+          </a:lnRef>
+          <a:fillRef idx="0">
+            <a:scrgbClr r="0" g="0" b="0"/>
+          </a:fillRef>
+          <a:effectRef idx="0">
+            <a:scrgbClr r="0" g="0" b="0"/>
+          </a:effectRef>
+          <a:fontRef idx="minor">
+            <a:schemeClr val="lt1"/>
+          </a:fontRef>
+        </p:style>
+        <p:txBody>
+          <a:bodyPr rtlCol="0" anchor="ctr"/>
+          <a:lstStyle/>
+          <a:p>
+            <a:pPr algn="ctr"/>
+            <a:endParaRPr lang="en-US"/>
+          </a:p>
+        </p:txBody>
+      </p:sp>
+      <p:pic>
+        <p:nvPicPr>
+          <p:cNvPr id="17" name="Picture 16">
+            <a:extLst>
+              <a:ext uri="{FF2B5EF4-FFF2-40B4-BE49-F238E27FC236}">
+                <a16:creationId xmlns:a16="http://schemas.microsoft.com/office/drawing/2014/main" id="{79E0D4C6-4160-4E9C-A68A-B66FC0D25C85}"/>
+              </a:ext>
+            </a:extLst>
+          </p:cNvPr>
+          <p:cNvPicPr>
+            <a:picLocks noChangeAspect="1"/>
+          </p:cNvPicPr>
+          <p:nvPr/>
+        </p:nvPicPr>
+        <p:blipFill>
+          <a:blip r:embed="rId4"/>
+          <a:stretch>
+            <a:fillRect/>
+          </a:stretch>
+        </p:blipFill>
+        <p:spPr>
+          <a:xfrm>
+            <a:off x="179920" y="2011240"/>
+            <a:ext cx="5108264" cy="357942"/>
+          </a:xfrm>
+          <a:prstGeom prst="rect">
+            <a:avLst/>
+          </a:prstGeom>
+        </p:spPr>
+      </p:pic>
+      <p:sp>
+        <p:nvSpPr>
+          <p:cNvPr id="18" name="Rectangle 17">
+            <a:extLst>
+              <a:ext uri="{FF2B5EF4-FFF2-40B4-BE49-F238E27FC236}">
+                <a16:creationId xmlns:a16="http://schemas.microsoft.com/office/drawing/2014/main" id="{DD1E9E55-48D4-4488-BE2C-F7539D0B52E6}"/>
+              </a:ext>
+            </a:extLst>
+          </p:cNvPr>
+          <p:cNvSpPr/>
+          <p:nvPr/>
+        </p:nvSpPr>
+        <p:spPr>
+          <a:xfrm>
+            <a:off x="243906" y="4753434"/>
+            <a:ext cx="1894114" cy="169425"/>
+          </a:xfrm>
+          <a:prstGeom prst="rect">
+            <a:avLst/>
+          </a:prstGeom>
+          <a:solidFill>
+            <a:schemeClr val="accent6">
+              <a:lumMod val="75000"/>
+              <a:alpha val="20000"/>
+            </a:schemeClr>
+          </a:solidFill>
+          <a:ln>
+            <a:solidFill>
+              <a:srgbClr val="92D050"/>
+            </a:solidFill>
+          </a:ln>
+        </p:spPr>
+        <p:style>
+          <a:lnRef idx="0">
+            <a:scrgbClr r="0" g="0" b="0"/>
+          </a:lnRef>
+          <a:fillRef idx="0">
+            <a:scrgbClr r="0" g="0" b="0"/>
+          </a:fillRef>
+          <a:effectRef idx="0">
+            <a:scrgbClr r="0" g="0" b="0"/>
+          </a:effectRef>
+          <a:fontRef idx="minor">
+            <a:schemeClr val="lt1"/>
+          </a:fontRef>
+        </p:style>
+        <p:txBody>
+          <a:bodyPr rtlCol="0" anchor="ctr"/>
+          <a:lstStyle/>
+          <a:p>
+            <a:pPr algn="ctr"/>
+            <a:endParaRPr lang="en-US"/>
+          </a:p>
+        </p:txBody>
+      </p:sp>
+      <p:sp>
+        <p:nvSpPr>
+          <p:cNvPr id="19" name="Rectangle 18">
+            <a:extLst>
+              <a:ext uri="{FF2B5EF4-FFF2-40B4-BE49-F238E27FC236}">
+                <a16:creationId xmlns:a16="http://schemas.microsoft.com/office/drawing/2014/main" id="{42E22B79-BA39-4E9D-A7FE-C23B0A8CE4A3}"/>
+              </a:ext>
+            </a:extLst>
+          </p:cNvPr>
+          <p:cNvSpPr/>
+          <p:nvPr/>
+        </p:nvSpPr>
+        <p:spPr>
+          <a:xfrm>
+            <a:off x="7246283" y="3249817"/>
+            <a:ext cx="1894114" cy="169425"/>
+          </a:xfrm>
+          <a:prstGeom prst="rect">
+            <a:avLst/>
+          </a:prstGeom>
+          <a:solidFill>
+            <a:schemeClr val="accent6">
+              <a:lumMod val="75000"/>
+              <a:alpha val="20000"/>
+            </a:schemeClr>
+          </a:solidFill>
+          <a:ln>
+            <a:solidFill>
+              <a:srgbClr val="92D050"/>
+            </a:solidFill>
+          </a:ln>
+        </p:spPr>
+        <p:style>
+          <a:lnRef idx="0">
+            <a:scrgbClr r="0" g="0" b="0"/>
+          </a:lnRef>
+          <a:fillRef idx="0">
+            <a:scrgbClr r="0" g="0" b="0"/>
+          </a:fillRef>
+          <a:effectRef idx="0">
+            <a:scrgbClr r="0" g="0" b="0"/>
+          </a:effectRef>
+          <a:fontRef idx="minor">
+            <a:schemeClr val="lt1"/>
+          </a:fontRef>
+        </p:style>
+        <p:txBody>
+          <a:bodyPr rtlCol="0" anchor="ctr"/>
+          <a:lstStyle/>
+          <a:p>
+            <a:pPr algn="ctr"/>
+            <a:endParaRPr lang="en-US"/>
+          </a:p>
+        </p:txBody>
+      </p:sp>
+      <p:cxnSp>
+        <p:nvCxnSpPr>
+          <p:cNvPr id="20" name="Connector: Elbow 19">
+            <a:extLst>
+              <a:ext uri="{FF2B5EF4-FFF2-40B4-BE49-F238E27FC236}">
+                <a16:creationId xmlns:a16="http://schemas.microsoft.com/office/drawing/2014/main" id="{490171AB-FD70-4690-AF3A-D08A8ADEADEE}"/>
+              </a:ext>
+            </a:extLst>
+          </p:cNvPr>
+          <p:cNvCxnSpPr>
+            <a:cxnSpLocks/>
+            <a:stCxn id="18" idx="3"/>
+            <a:endCxn id="19" idx="1"/>
+          </p:cNvCxnSpPr>
+          <p:nvPr/>
+        </p:nvCxnSpPr>
+        <p:spPr>
+          <a:xfrm flipV="1">
+            <a:off x="2138020" y="3334530"/>
+            <a:ext cx="5108263" cy="1503617"/>
+          </a:xfrm>
+          <a:prstGeom prst="bentConnector3">
+            <a:avLst>
+              <a:gd name="adj1" fmla="val 91264"/>
+            </a:avLst>
+          </a:prstGeom>
+          <a:ln>
+            <a:solidFill>
+              <a:srgbClr val="92D050"/>
+            </a:solidFill>
+            <a:tailEnd type="triangle"/>
+          </a:ln>
+        </p:spPr>
+        <p:style>
+          <a:lnRef idx="1">
+            <a:schemeClr val="accent1"/>
+          </a:lnRef>
+          <a:fillRef idx="0">
+            <a:schemeClr val="accent1"/>
+          </a:fillRef>
+          <a:effectRef idx="0">
+            <a:schemeClr val="accent1"/>
+          </a:effectRef>
+          <a:fontRef idx="minor">
+            <a:schemeClr val="tx1"/>
+          </a:fontRef>
+        </p:style>
+      </p:cxnSp>
+    </p:spTree>
+    <p:extLst>
+      <p:ext uri="{BB962C8B-B14F-4D97-AF65-F5344CB8AC3E}">
+        <p14:creationId xmlns:p14="http://schemas.microsoft.com/office/powerpoint/2010/main" val="4171925615"/>
+      </p:ext>
+    </p:extLst>
+  </p:cSld>
+  <p:clrMapOvr>
+    <a:masterClrMapping/>
+  </p:clrMapOvr>
+</p:sld>
+</file>
+
 <file path=ppt/slides/slide2.xml><?xml version="1.0" encoding="utf-8"?>
 <p:sld xmlns:a="http://schemas.openxmlformats.org/drawingml/2006/main" xmlns:r="http://schemas.openxmlformats.org/officeDocument/2006/relationships" xmlns:p="http://schemas.openxmlformats.org/presentationml/2006/main">
   <p:cSld>
@@ -18685,6 +19363,7 @@
             </a:extLst>
           </p:cNvPr>
           <p:cNvCxnSpPr>
+            <a:cxnSpLocks/>
             <a:stCxn id="15" idx="1"/>
             <a:endCxn id="14" idx="1"/>
           </p:cNvCxnSpPr>
